--- a/Lecture Slides/Lecture_0.pptx
+++ b/Lecture Slides/Lecture_0.pptx
@@ -16,6 +16,8 @@
     <p:sldId id="264" r:id="rId10"/>
     <p:sldId id="265" r:id="rId11"/>
     <p:sldId id="266" r:id="rId12"/>
+    <p:sldId id="267" r:id="rId13"/>
+    <p:sldId id="268" r:id="rId14"/>
   </p:sldIdLst>
   <p:sldSz cx="12192000" cy="6858000"/>
   <p:notesSz cx="6858000" cy="9144000"/>
@@ -869,6 +871,753 @@
 </dgm:colorsDef>
 </file>
 
+<file path=ppt/diagrams/colors2.xml><?xml version="1.0" encoding="utf-8"?>
+<dgm:colorsDef xmlns:dgm="http://schemas.openxmlformats.org/drawingml/2006/diagram" xmlns:a="http://schemas.openxmlformats.org/drawingml/2006/main" uniqueId="urn:microsoft.com/office/officeart/2005/8/colors/accent1_2">
+  <dgm:title val=""/>
+  <dgm:desc val=""/>
+  <dgm:catLst>
+    <dgm:cat type="accent1" pri="11200"/>
+  </dgm:catLst>
+  <dgm:styleLbl name="node0">
+    <dgm:fillClrLst meth="repeat">
+      <a:schemeClr val="accent1"/>
+    </dgm:fillClrLst>
+    <dgm:linClrLst meth="repeat">
+      <a:schemeClr val="lt1"/>
+    </dgm:linClrLst>
+    <dgm:effectClrLst/>
+    <dgm:txLinClrLst/>
+    <dgm:txFillClrLst/>
+    <dgm:txEffectClrLst/>
+  </dgm:styleLbl>
+  <dgm:styleLbl name="alignNode1">
+    <dgm:fillClrLst meth="repeat">
+      <a:schemeClr val="accent1"/>
+    </dgm:fillClrLst>
+    <dgm:linClrLst meth="repeat">
+      <a:schemeClr val="accent1"/>
+    </dgm:linClrLst>
+    <dgm:effectClrLst/>
+    <dgm:txLinClrLst/>
+    <dgm:txFillClrLst/>
+    <dgm:txEffectClrLst/>
+  </dgm:styleLbl>
+  <dgm:styleLbl name="node1">
+    <dgm:fillClrLst meth="repeat">
+      <a:schemeClr val="accent1"/>
+    </dgm:fillClrLst>
+    <dgm:linClrLst meth="repeat">
+      <a:schemeClr val="lt1"/>
+    </dgm:linClrLst>
+    <dgm:effectClrLst/>
+    <dgm:txLinClrLst/>
+    <dgm:txFillClrLst/>
+    <dgm:txEffectClrLst/>
+  </dgm:styleLbl>
+  <dgm:styleLbl name="lnNode1">
+    <dgm:fillClrLst meth="repeat">
+      <a:schemeClr val="accent1"/>
+    </dgm:fillClrLst>
+    <dgm:linClrLst meth="repeat">
+      <a:schemeClr val="lt1"/>
+    </dgm:linClrLst>
+    <dgm:effectClrLst/>
+    <dgm:txLinClrLst/>
+    <dgm:txFillClrLst/>
+    <dgm:txEffectClrLst/>
+  </dgm:styleLbl>
+  <dgm:styleLbl name="vennNode1">
+    <dgm:fillClrLst meth="repeat">
+      <a:schemeClr val="accent1">
+        <a:alpha val="50000"/>
+      </a:schemeClr>
+    </dgm:fillClrLst>
+    <dgm:linClrLst meth="repeat">
+      <a:schemeClr val="lt1"/>
+    </dgm:linClrLst>
+    <dgm:effectClrLst/>
+    <dgm:txLinClrLst/>
+    <dgm:txFillClrLst/>
+    <dgm:txEffectClrLst/>
+  </dgm:styleLbl>
+  <dgm:styleLbl name="node2">
+    <dgm:fillClrLst meth="repeat">
+      <a:schemeClr val="accent1"/>
+    </dgm:fillClrLst>
+    <dgm:linClrLst meth="repeat">
+      <a:schemeClr val="lt1"/>
+    </dgm:linClrLst>
+    <dgm:effectClrLst/>
+    <dgm:txLinClrLst/>
+    <dgm:txFillClrLst/>
+    <dgm:txEffectClrLst/>
+  </dgm:styleLbl>
+  <dgm:styleLbl name="node3">
+    <dgm:fillClrLst meth="repeat">
+      <a:schemeClr val="accent1"/>
+    </dgm:fillClrLst>
+    <dgm:linClrLst meth="repeat">
+      <a:schemeClr val="lt1"/>
+    </dgm:linClrLst>
+    <dgm:effectClrLst/>
+    <dgm:txLinClrLst/>
+    <dgm:txFillClrLst/>
+    <dgm:txEffectClrLst/>
+  </dgm:styleLbl>
+  <dgm:styleLbl name="node4">
+    <dgm:fillClrLst meth="repeat">
+      <a:schemeClr val="accent1"/>
+    </dgm:fillClrLst>
+    <dgm:linClrLst meth="repeat">
+      <a:schemeClr val="lt1"/>
+    </dgm:linClrLst>
+    <dgm:effectClrLst/>
+    <dgm:txLinClrLst/>
+    <dgm:txFillClrLst/>
+    <dgm:txEffectClrLst/>
+  </dgm:styleLbl>
+  <dgm:styleLbl name="fgImgPlace1">
+    <dgm:fillClrLst meth="repeat">
+      <a:schemeClr val="accent1">
+        <a:tint val="50000"/>
+      </a:schemeClr>
+    </dgm:fillClrLst>
+    <dgm:linClrLst meth="repeat">
+      <a:schemeClr val="lt1"/>
+    </dgm:linClrLst>
+    <dgm:effectClrLst/>
+    <dgm:txLinClrLst/>
+    <dgm:txFillClrLst meth="repeat">
+      <a:schemeClr val="lt1"/>
+    </dgm:txFillClrLst>
+    <dgm:txEffectClrLst/>
+  </dgm:styleLbl>
+  <dgm:styleLbl name="alignImgPlace1">
+    <dgm:fillClrLst meth="repeat">
+      <a:schemeClr val="accent1">
+        <a:tint val="50000"/>
+      </a:schemeClr>
+    </dgm:fillClrLst>
+    <dgm:linClrLst meth="repeat">
+      <a:schemeClr val="lt1"/>
+    </dgm:linClrLst>
+    <dgm:effectClrLst/>
+    <dgm:txLinClrLst/>
+    <dgm:txFillClrLst meth="repeat">
+      <a:schemeClr val="lt1"/>
+    </dgm:txFillClrLst>
+    <dgm:txEffectClrLst/>
+  </dgm:styleLbl>
+  <dgm:styleLbl name="bgImgPlace1">
+    <dgm:fillClrLst meth="repeat">
+      <a:schemeClr val="accent1">
+        <a:tint val="50000"/>
+      </a:schemeClr>
+    </dgm:fillClrLst>
+    <dgm:linClrLst meth="repeat">
+      <a:schemeClr val="lt1"/>
+    </dgm:linClrLst>
+    <dgm:effectClrLst/>
+    <dgm:txLinClrLst/>
+    <dgm:txFillClrLst meth="repeat">
+      <a:schemeClr val="lt1"/>
+    </dgm:txFillClrLst>
+    <dgm:txEffectClrLst/>
+  </dgm:styleLbl>
+  <dgm:styleLbl name="sibTrans2D1">
+    <dgm:fillClrLst meth="repeat">
+      <a:schemeClr val="accent1">
+        <a:tint val="60000"/>
+      </a:schemeClr>
+    </dgm:fillClrLst>
+    <dgm:linClrLst meth="repeat">
+      <a:schemeClr val="accent1">
+        <a:tint val="60000"/>
+      </a:schemeClr>
+    </dgm:linClrLst>
+    <dgm:effectClrLst/>
+    <dgm:txLinClrLst/>
+    <dgm:txFillClrLst/>
+    <dgm:txEffectClrLst/>
+  </dgm:styleLbl>
+  <dgm:styleLbl name="fgSibTrans2D1">
+    <dgm:fillClrLst meth="repeat">
+      <a:schemeClr val="accent1">
+        <a:tint val="60000"/>
+      </a:schemeClr>
+    </dgm:fillClrLst>
+    <dgm:linClrLst meth="repeat">
+      <a:schemeClr val="accent1">
+        <a:tint val="60000"/>
+      </a:schemeClr>
+    </dgm:linClrLst>
+    <dgm:effectClrLst/>
+    <dgm:txLinClrLst/>
+    <dgm:txFillClrLst/>
+    <dgm:txEffectClrLst/>
+  </dgm:styleLbl>
+  <dgm:styleLbl name="bgSibTrans2D1">
+    <dgm:fillClrLst meth="repeat">
+      <a:schemeClr val="accent1">
+        <a:tint val="60000"/>
+      </a:schemeClr>
+    </dgm:fillClrLst>
+    <dgm:linClrLst meth="repeat">
+      <a:schemeClr val="accent1">
+        <a:tint val="60000"/>
+      </a:schemeClr>
+    </dgm:linClrLst>
+    <dgm:effectClrLst/>
+    <dgm:txLinClrLst/>
+    <dgm:txFillClrLst/>
+    <dgm:txEffectClrLst/>
+  </dgm:styleLbl>
+  <dgm:styleLbl name="sibTrans1D1">
+    <dgm:fillClrLst meth="repeat">
+      <a:schemeClr val="accent1"/>
+    </dgm:fillClrLst>
+    <dgm:linClrLst meth="repeat">
+      <a:schemeClr val="accent1"/>
+    </dgm:linClrLst>
+    <dgm:effectClrLst/>
+    <dgm:txLinClrLst/>
+    <dgm:txFillClrLst meth="repeat">
+      <a:schemeClr val="tx1"/>
+    </dgm:txFillClrLst>
+    <dgm:txEffectClrLst/>
+  </dgm:styleLbl>
+  <dgm:styleLbl name="callout">
+    <dgm:fillClrLst meth="repeat">
+      <a:schemeClr val="accent1"/>
+    </dgm:fillClrLst>
+    <dgm:linClrLst meth="repeat">
+      <a:schemeClr val="accent1">
+        <a:tint val="50000"/>
+      </a:schemeClr>
+    </dgm:linClrLst>
+    <dgm:effectClrLst/>
+    <dgm:txLinClrLst/>
+    <dgm:txFillClrLst meth="repeat">
+      <a:schemeClr val="tx1"/>
+    </dgm:txFillClrLst>
+    <dgm:txEffectClrLst/>
+  </dgm:styleLbl>
+  <dgm:styleLbl name="asst0">
+    <dgm:fillClrLst meth="repeat">
+      <a:schemeClr val="accent1"/>
+    </dgm:fillClrLst>
+    <dgm:linClrLst meth="repeat">
+      <a:schemeClr val="lt1"/>
+    </dgm:linClrLst>
+    <dgm:effectClrLst/>
+    <dgm:txLinClrLst/>
+    <dgm:txFillClrLst/>
+    <dgm:txEffectClrLst/>
+  </dgm:styleLbl>
+  <dgm:styleLbl name="asst1">
+    <dgm:fillClrLst meth="repeat">
+      <a:schemeClr val="accent1"/>
+    </dgm:fillClrLst>
+    <dgm:linClrLst meth="repeat">
+      <a:schemeClr val="lt1"/>
+    </dgm:linClrLst>
+    <dgm:effectClrLst/>
+    <dgm:txLinClrLst/>
+    <dgm:txFillClrLst/>
+    <dgm:txEffectClrLst/>
+  </dgm:styleLbl>
+  <dgm:styleLbl name="asst2">
+    <dgm:fillClrLst meth="repeat">
+      <a:schemeClr val="accent1"/>
+    </dgm:fillClrLst>
+    <dgm:linClrLst meth="repeat">
+      <a:schemeClr val="lt1"/>
+    </dgm:linClrLst>
+    <dgm:effectClrLst/>
+    <dgm:txLinClrLst/>
+    <dgm:txFillClrLst/>
+    <dgm:txEffectClrLst/>
+  </dgm:styleLbl>
+  <dgm:styleLbl name="asst3">
+    <dgm:fillClrLst meth="repeat">
+      <a:schemeClr val="accent1"/>
+    </dgm:fillClrLst>
+    <dgm:linClrLst meth="repeat">
+      <a:schemeClr val="lt1"/>
+    </dgm:linClrLst>
+    <dgm:effectClrLst/>
+    <dgm:txLinClrLst/>
+    <dgm:txFillClrLst/>
+    <dgm:txEffectClrLst/>
+  </dgm:styleLbl>
+  <dgm:styleLbl name="asst4">
+    <dgm:fillClrLst meth="repeat">
+      <a:schemeClr val="accent1"/>
+    </dgm:fillClrLst>
+    <dgm:linClrLst meth="repeat">
+      <a:schemeClr val="lt1"/>
+    </dgm:linClrLst>
+    <dgm:effectClrLst/>
+    <dgm:txLinClrLst/>
+    <dgm:txFillClrLst/>
+    <dgm:txEffectClrLst/>
+  </dgm:styleLbl>
+  <dgm:styleLbl name="parChTrans2D1">
+    <dgm:fillClrLst meth="repeat">
+      <a:schemeClr val="accent1">
+        <a:tint val="60000"/>
+      </a:schemeClr>
+    </dgm:fillClrLst>
+    <dgm:linClrLst meth="repeat">
+      <a:schemeClr val="accent1">
+        <a:tint val="60000"/>
+      </a:schemeClr>
+    </dgm:linClrLst>
+    <dgm:effectClrLst/>
+    <dgm:txLinClrLst/>
+    <dgm:txFillClrLst meth="repeat">
+      <a:schemeClr val="lt1"/>
+    </dgm:txFillClrLst>
+    <dgm:txEffectClrLst/>
+  </dgm:styleLbl>
+  <dgm:styleLbl name="parChTrans2D2">
+    <dgm:fillClrLst meth="repeat">
+      <a:schemeClr val="accent1"/>
+    </dgm:fillClrLst>
+    <dgm:linClrLst meth="repeat">
+      <a:schemeClr val="accent1"/>
+    </dgm:linClrLst>
+    <dgm:effectClrLst/>
+    <dgm:txLinClrLst/>
+    <dgm:txFillClrLst meth="repeat">
+      <a:schemeClr val="lt1"/>
+    </dgm:txFillClrLst>
+    <dgm:txEffectClrLst/>
+  </dgm:styleLbl>
+  <dgm:styleLbl name="parChTrans2D3">
+    <dgm:fillClrLst meth="repeat">
+      <a:schemeClr val="accent1"/>
+    </dgm:fillClrLst>
+    <dgm:linClrLst meth="repeat">
+      <a:schemeClr val="accent1"/>
+    </dgm:linClrLst>
+    <dgm:effectClrLst/>
+    <dgm:txLinClrLst/>
+    <dgm:txFillClrLst meth="repeat">
+      <a:schemeClr val="lt1"/>
+    </dgm:txFillClrLst>
+    <dgm:txEffectClrLst/>
+  </dgm:styleLbl>
+  <dgm:styleLbl name="parChTrans2D4">
+    <dgm:fillClrLst meth="repeat">
+      <a:schemeClr val="accent1"/>
+    </dgm:fillClrLst>
+    <dgm:linClrLst meth="repeat">
+      <a:schemeClr val="accent1"/>
+    </dgm:linClrLst>
+    <dgm:effectClrLst/>
+    <dgm:txLinClrLst/>
+    <dgm:txFillClrLst meth="repeat">
+      <a:schemeClr val="lt1"/>
+    </dgm:txFillClrLst>
+    <dgm:txEffectClrLst/>
+  </dgm:styleLbl>
+  <dgm:styleLbl name="parChTrans1D1">
+    <dgm:fillClrLst meth="repeat">
+      <a:schemeClr val="accent1"/>
+    </dgm:fillClrLst>
+    <dgm:linClrLst meth="repeat">
+      <a:schemeClr val="accent1">
+        <a:shade val="60000"/>
+      </a:schemeClr>
+    </dgm:linClrLst>
+    <dgm:effectClrLst/>
+    <dgm:txLinClrLst/>
+    <dgm:txFillClrLst meth="repeat">
+      <a:schemeClr val="tx1"/>
+    </dgm:txFillClrLst>
+    <dgm:txEffectClrLst/>
+  </dgm:styleLbl>
+  <dgm:styleLbl name="parChTrans1D2">
+    <dgm:fillClrLst meth="repeat">
+      <a:schemeClr val="accent1"/>
+    </dgm:fillClrLst>
+    <dgm:linClrLst meth="repeat">
+      <a:schemeClr val="accent1">
+        <a:shade val="60000"/>
+      </a:schemeClr>
+    </dgm:linClrLst>
+    <dgm:effectClrLst/>
+    <dgm:txLinClrLst/>
+    <dgm:txFillClrLst meth="repeat">
+      <a:schemeClr val="tx1"/>
+    </dgm:txFillClrLst>
+    <dgm:txEffectClrLst/>
+  </dgm:styleLbl>
+  <dgm:styleLbl name="parChTrans1D3">
+    <dgm:fillClrLst meth="repeat">
+      <a:schemeClr val="accent1"/>
+    </dgm:fillClrLst>
+    <dgm:linClrLst meth="repeat">
+      <a:schemeClr val="accent1">
+        <a:shade val="80000"/>
+      </a:schemeClr>
+    </dgm:linClrLst>
+    <dgm:effectClrLst/>
+    <dgm:txLinClrLst/>
+    <dgm:txFillClrLst meth="repeat">
+      <a:schemeClr val="tx1"/>
+    </dgm:txFillClrLst>
+    <dgm:txEffectClrLst/>
+  </dgm:styleLbl>
+  <dgm:styleLbl name="parChTrans1D4">
+    <dgm:fillClrLst meth="repeat">
+      <a:schemeClr val="accent1"/>
+    </dgm:fillClrLst>
+    <dgm:linClrLst meth="repeat">
+      <a:schemeClr val="accent1">
+        <a:shade val="80000"/>
+      </a:schemeClr>
+    </dgm:linClrLst>
+    <dgm:effectClrLst/>
+    <dgm:txLinClrLst/>
+    <dgm:txFillClrLst meth="repeat">
+      <a:schemeClr val="tx1"/>
+    </dgm:txFillClrLst>
+    <dgm:txEffectClrLst/>
+  </dgm:styleLbl>
+  <dgm:styleLbl name="fgAcc1">
+    <dgm:fillClrLst meth="repeat">
+      <a:schemeClr val="lt1">
+        <a:alpha val="90000"/>
+      </a:schemeClr>
+    </dgm:fillClrLst>
+    <dgm:linClrLst meth="repeat">
+      <a:schemeClr val="accent1"/>
+    </dgm:linClrLst>
+    <dgm:effectClrLst/>
+    <dgm:txLinClrLst/>
+    <dgm:txFillClrLst meth="repeat">
+      <a:schemeClr val="dk1"/>
+    </dgm:txFillClrLst>
+    <dgm:txEffectClrLst/>
+  </dgm:styleLbl>
+  <dgm:styleLbl name="conFgAcc1">
+    <dgm:fillClrLst meth="repeat">
+      <a:schemeClr val="lt1">
+        <a:alpha val="90000"/>
+      </a:schemeClr>
+    </dgm:fillClrLst>
+    <dgm:linClrLst meth="repeat">
+      <a:schemeClr val="accent1"/>
+    </dgm:linClrLst>
+    <dgm:effectClrLst/>
+    <dgm:txLinClrLst/>
+    <dgm:txFillClrLst meth="repeat">
+      <a:schemeClr val="dk1"/>
+    </dgm:txFillClrLst>
+    <dgm:txEffectClrLst/>
+  </dgm:styleLbl>
+  <dgm:styleLbl name="alignAcc1">
+    <dgm:fillClrLst meth="repeat">
+      <a:schemeClr val="lt1">
+        <a:alpha val="90000"/>
+      </a:schemeClr>
+    </dgm:fillClrLst>
+    <dgm:linClrLst meth="repeat">
+      <a:schemeClr val="accent1"/>
+    </dgm:linClrLst>
+    <dgm:effectClrLst/>
+    <dgm:txLinClrLst/>
+    <dgm:txFillClrLst meth="repeat">
+      <a:schemeClr val="dk1"/>
+    </dgm:txFillClrLst>
+    <dgm:txEffectClrLst/>
+  </dgm:styleLbl>
+  <dgm:styleLbl name="trAlignAcc1">
+    <dgm:fillClrLst meth="repeat">
+      <a:schemeClr val="lt1">
+        <a:alpha val="40000"/>
+      </a:schemeClr>
+    </dgm:fillClrLst>
+    <dgm:linClrLst meth="repeat">
+      <a:schemeClr val="accent1"/>
+    </dgm:linClrLst>
+    <dgm:effectClrLst/>
+    <dgm:txLinClrLst/>
+    <dgm:txFillClrLst meth="repeat">
+      <a:schemeClr val="dk1"/>
+    </dgm:txFillClrLst>
+    <dgm:txEffectClrLst/>
+  </dgm:styleLbl>
+  <dgm:styleLbl name="bgAcc1">
+    <dgm:fillClrLst meth="repeat">
+      <a:schemeClr val="lt1">
+        <a:alpha val="90000"/>
+      </a:schemeClr>
+    </dgm:fillClrLst>
+    <dgm:linClrLst meth="repeat">
+      <a:schemeClr val="accent1"/>
+    </dgm:linClrLst>
+    <dgm:effectClrLst/>
+    <dgm:txLinClrLst/>
+    <dgm:txFillClrLst meth="repeat">
+      <a:schemeClr val="dk1"/>
+    </dgm:txFillClrLst>
+    <dgm:txEffectClrLst/>
+  </dgm:styleLbl>
+  <dgm:styleLbl name="solidFgAcc1">
+    <dgm:fillClrLst meth="repeat">
+      <a:schemeClr val="lt1"/>
+    </dgm:fillClrLst>
+    <dgm:linClrLst meth="repeat">
+      <a:schemeClr val="accent1"/>
+    </dgm:linClrLst>
+    <dgm:effectClrLst/>
+    <dgm:txLinClrLst/>
+    <dgm:txFillClrLst meth="repeat">
+      <a:schemeClr val="dk1"/>
+    </dgm:txFillClrLst>
+    <dgm:txEffectClrLst/>
+  </dgm:styleLbl>
+  <dgm:styleLbl name="solidAlignAcc1">
+    <dgm:fillClrLst meth="repeat">
+      <a:schemeClr val="lt1"/>
+    </dgm:fillClrLst>
+    <dgm:linClrLst meth="repeat">
+      <a:schemeClr val="accent1"/>
+    </dgm:linClrLst>
+    <dgm:effectClrLst/>
+    <dgm:txLinClrLst/>
+    <dgm:txFillClrLst meth="repeat">
+      <a:schemeClr val="dk1"/>
+    </dgm:txFillClrLst>
+    <dgm:txEffectClrLst/>
+  </dgm:styleLbl>
+  <dgm:styleLbl name="solidBgAcc1">
+    <dgm:fillClrLst meth="repeat">
+      <a:schemeClr val="lt1"/>
+    </dgm:fillClrLst>
+    <dgm:linClrLst meth="repeat">
+      <a:schemeClr val="accent1"/>
+    </dgm:linClrLst>
+    <dgm:effectClrLst/>
+    <dgm:txLinClrLst/>
+    <dgm:txFillClrLst meth="repeat">
+      <a:schemeClr val="dk1"/>
+    </dgm:txFillClrLst>
+    <dgm:txEffectClrLst/>
+  </dgm:styleLbl>
+  <dgm:styleLbl name="fgAccFollowNode1">
+    <dgm:fillClrLst meth="repeat">
+      <a:schemeClr val="accent1">
+        <a:alpha val="90000"/>
+        <a:tint val="40000"/>
+      </a:schemeClr>
+    </dgm:fillClrLst>
+    <dgm:linClrLst meth="repeat">
+      <a:schemeClr val="accent1">
+        <a:alpha val="90000"/>
+        <a:tint val="40000"/>
+      </a:schemeClr>
+    </dgm:linClrLst>
+    <dgm:effectClrLst/>
+    <dgm:txLinClrLst/>
+    <dgm:txFillClrLst meth="repeat">
+      <a:schemeClr val="dk1"/>
+    </dgm:txFillClrLst>
+    <dgm:txEffectClrLst/>
+  </dgm:styleLbl>
+  <dgm:styleLbl name="alignAccFollowNode1">
+    <dgm:fillClrLst meth="repeat">
+      <a:schemeClr val="accent1">
+        <a:alpha val="90000"/>
+        <a:tint val="40000"/>
+      </a:schemeClr>
+    </dgm:fillClrLst>
+    <dgm:linClrLst meth="repeat">
+      <a:schemeClr val="accent1">
+        <a:alpha val="90000"/>
+        <a:tint val="40000"/>
+      </a:schemeClr>
+    </dgm:linClrLst>
+    <dgm:effectClrLst/>
+    <dgm:txLinClrLst/>
+    <dgm:txFillClrLst meth="repeat">
+      <a:schemeClr val="dk1"/>
+    </dgm:txFillClrLst>
+    <dgm:txEffectClrLst/>
+  </dgm:styleLbl>
+  <dgm:styleLbl name="bgAccFollowNode1">
+    <dgm:fillClrLst meth="repeat">
+      <a:schemeClr val="accent1">
+        <a:alpha val="90000"/>
+        <a:tint val="40000"/>
+      </a:schemeClr>
+    </dgm:fillClrLst>
+    <dgm:linClrLst meth="repeat">
+      <a:schemeClr val="accent1">
+        <a:alpha val="90000"/>
+        <a:tint val="40000"/>
+      </a:schemeClr>
+    </dgm:linClrLst>
+    <dgm:effectClrLst/>
+    <dgm:txLinClrLst/>
+    <dgm:txFillClrLst meth="repeat">
+      <a:schemeClr val="dk1"/>
+    </dgm:txFillClrLst>
+    <dgm:txEffectClrLst/>
+  </dgm:styleLbl>
+  <dgm:styleLbl name="fgAcc0">
+    <dgm:fillClrLst meth="repeat">
+      <a:schemeClr val="lt1">
+        <a:alpha val="90000"/>
+      </a:schemeClr>
+    </dgm:fillClrLst>
+    <dgm:linClrLst meth="repeat">
+      <a:schemeClr val="accent1"/>
+    </dgm:linClrLst>
+    <dgm:effectClrLst/>
+    <dgm:txLinClrLst/>
+    <dgm:txFillClrLst meth="repeat">
+      <a:schemeClr val="dk1"/>
+    </dgm:txFillClrLst>
+    <dgm:txEffectClrLst/>
+  </dgm:styleLbl>
+  <dgm:styleLbl name="fgAcc2">
+    <dgm:fillClrLst meth="repeat">
+      <a:schemeClr val="lt1">
+        <a:alpha val="90000"/>
+      </a:schemeClr>
+    </dgm:fillClrLst>
+    <dgm:linClrLst meth="repeat">
+      <a:schemeClr val="accent1"/>
+    </dgm:linClrLst>
+    <dgm:effectClrLst/>
+    <dgm:txLinClrLst/>
+    <dgm:txFillClrLst meth="repeat">
+      <a:schemeClr val="dk1"/>
+    </dgm:txFillClrLst>
+    <dgm:txEffectClrLst/>
+  </dgm:styleLbl>
+  <dgm:styleLbl name="fgAcc3">
+    <dgm:fillClrLst meth="repeat">
+      <a:schemeClr val="lt1">
+        <a:alpha val="90000"/>
+      </a:schemeClr>
+    </dgm:fillClrLst>
+    <dgm:linClrLst meth="repeat">
+      <a:schemeClr val="accent1"/>
+    </dgm:linClrLst>
+    <dgm:effectClrLst/>
+    <dgm:txLinClrLst/>
+    <dgm:txFillClrLst meth="repeat">
+      <a:schemeClr val="dk1"/>
+    </dgm:txFillClrLst>
+    <dgm:txEffectClrLst/>
+  </dgm:styleLbl>
+  <dgm:styleLbl name="fgAcc4">
+    <dgm:fillClrLst meth="repeat">
+      <a:schemeClr val="lt1">
+        <a:alpha val="90000"/>
+      </a:schemeClr>
+    </dgm:fillClrLst>
+    <dgm:linClrLst meth="repeat">
+      <a:schemeClr val="accent1"/>
+    </dgm:linClrLst>
+    <dgm:effectClrLst/>
+    <dgm:txLinClrLst/>
+    <dgm:txFillClrLst meth="repeat">
+      <a:schemeClr val="dk1"/>
+    </dgm:txFillClrLst>
+    <dgm:txEffectClrLst/>
+  </dgm:styleLbl>
+  <dgm:styleLbl name="bgShp">
+    <dgm:fillClrLst meth="repeat">
+      <a:schemeClr val="accent1">
+        <a:tint val="40000"/>
+      </a:schemeClr>
+    </dgm:fillClrLst>
+    <dgm:linClrLst meth="repeat">
+      <a:schemeClr val="accent1"/>
+    </dgm:linClrLst>
+    <dgm:effectClrLst/>
+    <dgm:txLinClrLst/>
+    <dgm:txFillClrLst meth="repeat">
+      <a:schemeClr val="dk1"/>
+    </dgm:txFillClrLst>
+    <dgm:txEffectClrLst/>
+  </dgm:styleLbl>
+  <dgm:styleLbl name="dkBgShp">
+    <dgm:fillClrLst meth="repeat">
+      <a:schemeClr val="accent1">
+        <a:shade val="80000"/>
+      </a:schemeClr>
+    </dgm:fillClrLst>
+    <dgm:linClrLst meth="repeat">
+      <a:schemeClr val="accent1"/>
+    </dgm:linClrLst>
+    <dgm:effectClrLst/>
+    <dgm:txLinClrLst/>
+    <dgm:txFillClrLst meth="repeat">
+      <a:schemeClr val="lt1"/>
+    </dgm:txFillClrLst>
+    <dgm:txEffectClrLst/>
+  </dgm:styleLbl>
+  <dgm:styleLbl name="trBgShp">
+    <dgm:fillClrLst meth="repeat">
+      <a:schemeClr val="accent1">
+        <a:tint val="50000"/>
+        <a:alpha val="40000"/>
+      </a:schemeClr>
+    </dgm:fillClrLst>
+    <dgm:linClrLst meth="repeat">
+      <a:schemeClr val="accent1"/>
+    </dgm:linClrLst>
+    <dgm:effectClrLst/>
+    <dgm:txLinClrLst/>
+    <dgm:txFillClrLst meth="repeat">
+      <a:schemeClr val="lt1"/>
+    </dgm:txFillClrLst>
+    <dgm:txEffectClrLst/>
+  </dgm:styleLbl>
+  <dgm:styleLbl name="fgShp">
+    <dgm:fillClrLst meth="repeat">
+      <a:schemeClr val="accent1">
+        <a:tint val="60000"/>
+      </a:schemeClr>
+    </dgm:fillClrLst>
+    <dgm:linClrLst meth="repeat">
+      <a:schemeClr val="lt1"/>
+    </dgm:linClrLst>
+    <dgm:effectClrLst/>
+    <dgm:txLinClrLst/>
+    <dgm:txFillClrLst meth="repeat">
+      <a:schemeClr val="dk1"/>
+    </dgm:txFillClrLst>
+    <dgm:txEffectClrLst/>
+  </dgm:styleLbl>
+  <dgm:styleLbl name="revTx">
+    <dgm:fillClrLst meth="repeat">
+      <a:schemeClr val="lt1">
+        <a:alpha val="0"/>
+      </a:schemeClr>
+    </dgm:fillClrLst>
+    <dgm:linClrLst meth="repeat">
+      <a:schemeClr val="dk1">
+        <a:alpha val="0"/>
+      </a:schemeClr>
+    </dgm:linClrLst>
+    <dgm:effectClrLst/>
+    <dgm:txLinClrLst/>
+    <dgm:txFillClrLst meth="repeat">
+      <a:schemeClr val="tx1"/>
+    </dgm:txFillClrLst>
+    <dgm:txEffectClrLst/>
+  </dgm:styleLbl>
+</dgm:colorsDef>
+</file>
+
 <file path=ppt/diagrams/data1.xml><?xml version="1.0" encoding="utf-8"?>
 <dgm:dataModel xmlns:dgm="http://schemas.openxmlformats.org/drawingml/2006/diagram" xmlns:a="http://schemas.openxmlformats.org/drawingml/2006/main">
   <dgm:ptLst>
@@ -978,7 +1727,7 @@
         <a:p>
           <a:r>
             <a:rPr lang="en-US" sz="1400" b="0" dirty="0"/>
-            <a:t>5-6 </a:t>
+            <a:t>7-8 </a:t>
           </a:r>
           <a:r>
             <a:rPr lang="en-US" sz="1400" b="0" dirty="0" err="1"/>
@@ -1023,7 +1772,7 @@
         <a:p>
           <a:r>
             <a:rPr lang="en-US" sz="1400" b="0" dirty="0"/>
-            <a:t>4 questions, 2 graded. 10 points. Might have bonus.</a:t>
+            <a:t>10 points. Might have bonus.</a:t>
           </a:r>
           <a:endParaRPr lang="en-US" sz="1400" dirty="0"/>
         </a:p>
@@ -1059,10 +1808,10 @@
         <a:lstStyle/>
         <a:p>
           <a:r>
-            <a:rPr lang="en-US" sz="1400" b="0"/>
+            <a:rPr lang="en-US" sz="1400" b="0" dirty="0"/>
             <a:t>Can work in groups of 2.</a:t>
           </a:r>
-          <a:endParaRPr lang="en-US" sz="1400"/>
+          <a:endParaRPr lang="en-US" sz="1400" dirty="0"/>
         </a:p>
       </dgm:t>
     </dgm:pt>
@@ -1096,11 +1845,11 @@
         <a:lstStyle/>
         <a:p>
           <a:r>
-            <a:rPr lang="en-US" sz="1400" b="0"/>
+            <a:rPr lang="en-US" sz="1400" b="0" dirty="0"/>
             <a:t>Late by a day, 2 points reduced.</a:t>
           </a:r>
           <a:r>
-            <a:rPr lang="en-US" sz="1400"/>
+            <a:rPr lang="en-US" sz="1400" dirty="0"/>
             <a:t> 2 days – 8 pts.</a:t>
           </a:r>
         </a:p>
@@ -1177,10 +1926,10 @@
         <a:lstStyle/>
         <a:p>
           <a:r>
-            <a:rPr lang="en-US" sz="1400" b="0"/>
+            <a:rPr lang="en-US" sz="1400" b="0" dirty="0"/>
             <a:t>Can work in groups of max 3.</a:t>
           </a:r>
-          <a:endParaRPr lang="en-US" sz="1400"/>
+          <a:endParaRPr lang="en-US" sz="1400" dirty="0"/>
         </a:p>
       </dgm:t>
     </dgm:pt>
@@ -1215,7 +1964,7 @@
         <a:p>
           <a:r>
             <a:rPr lang="en-US" sz="1400" b="0" dirty="0"/>
-            <a:t>Topics can be selected from the following or by the group: </a:t>
+            <a:t>Topic(s), description will be given.</a:t>
           </a:r>
           <a:endParaRPr lang="en-US" sz="1400" dirty="0"/>
         </a:p>
@@ -1233,43 +1982,6 @@
       </dgm:t>
     </dgm:pt>
     <dgm:pt modelId="{3338CFE9-EBA9-4B1F-B756-23852B037B58}" type="sibTrans" cxnId="{D81C3F56-F360-4886-B2B9-B7BF9FF27C6B}">
-      <dgm:prSet/>
-      <dgm:spPr/>
-      <dgm:t>
-        <a:bodyPr/>
-        <a:lstStyle/>
-        <a:p>
-          <a:endParaRPr lang="en-US" sz="2400"/>
-        </a:p>
-      </dgm:t>
-    </dgm:pt>
-    <dgm:pt modelId="{0BE79E59-8104-4CD0-B4E4-90B53F757888}">
-      <dgm:prSet custT="1"/>
-      <dgm:spPr/>
-      <dgm:t>
-        <a:bodyPr/>
-        <a:lstStyle/>
-        <a:p>
-          <a:r>
-            <a:rPr lang="en-US" sz="1400" b="0" dirty="0"/>
-            <a:t>A graphic equalizer</a:t>
-          </a:r>
-          <a:endParaRPr lang="en-US" sz="1400" dirty="0"/>
-        </a:p>
-      </dgm:t>
-    </dgm:pt>
-    <dgm:pt modelId="{7F55AFCE-D3F9-44C2-814A-7B48D379A5EF}" type="parTrans" cxnId="{CE0798A3-B2EE-4BC6-9D62-77585D723696}">
-      <dgm:prSet/>
-      <dgm:spPr/>
-      <dgm:t>
-        <a:bodyPr/>
-        <a:lstStyle/>
-        <a:p>
-          <a:endParaRPr lang="en-US" sz="2400"/>
-        </a:p>
-      </dgm:t>
-    </dgm:pt>
-    <dgm:pt modelId="{7D7EC47E-AF62-4D50-80B4-D21F9C2161EA}" type="sibTrans" cxnId="{CE0798A3-B2EE-4BC6-9D62-77585D723696}">
       <dgm:prSet/>
       <dgm:spPr/>
       <dgm:t>
@@ -1317,117 +2029,6 @@
         </a:p>
       </dgm:t>
     </dgm:pt>
-    <dgm:pt modelId="{FBC8799D-8902-4C9D-A1A1-D41D42AE909E}">
-      <dgm:prSet custT="1"/>
-      <dgm:spPr/>
-      <dgm:t>
-        <a:bodyPr/>
-        <a:lstStyle/>
-        <a:p>
-          <a:r>
-            <a:rPr lang="en-US" sz="1400" b="0" dirty="0"/>
-            <a:t>Denoising</a:t>
-          </a:r>
-          <a:endParaRPr lang="en-US" sz="1400" dirty="0"/>
-        </a:p>
-      </dgm:t>
-    </dgm:pt>
-    <dgm:pt modelId="{EEB4356D-C68A-4936-B3D3-E76C6D9AA78A}" type="sibTrans" cxnId="{87E7DD72-D52D-42F4-B589-B71124C71534}">
-      <dgm:prSet/>
-      <dgm:spPr/>
-      <dgm:t>
-        <a:bodyPr/>
-        <a:lstStyle/>
-        <a:p>
-          <a:endParaRPr lang="en-US" sz="2400"/>
-        </a:p>
-      </dgm:t>
-    </dgm:pt>
-    <dgm:pt modelId="{EE1CCEA3-5A67-42E0-BBFC-8950E703FDA7}" type="parTrans" cxnId="{87E7DD72-D52D-42F4-B589-B71124C71534}">
-      <dgm:prSet/>
-      <dgm:spPr/>
-      <dgm:t>
-        <a:bodyPr/>
-        <a:lstStyle/>
-        <a:p>
-          <a:endParaRPr lang="en-US" sz="2400"/>
-        </a:p>
-      </dgm:t>
-    </dgm:pt>
-    <dgm:pt modelId="{B684712A-C87B-4039-95C7-84CAA990B64E}">
-      <dgm:prSet custT="1"/>
-      <dgm:spPr/>
-      <dgm:t>
-        <a:bodyPr/>
-        <a:lstStyle/>
-        <a:p>
-          <a:r>
-            <a:rPr lang="en-US" sz="1400" b="0" dirty="0"/>
-            <a:t>Image compression</a:t>
-          </a:r>
-          <a:endParaRPr lang="en-US" sz="1400" dirty="0"/>
-        </a:p>
-      </dgm:t>
-    </dgm:pt>
-    <dgm:pt modelId="{6085BDC9-77D8-445F-92C5-749F099709D5}" type="sibTrans" cxnId="{4832DF88-33DB-4069-AC87-DE81A3E6E2BC}">
-      <dgm:prSet/>
-      <dgm:spPr/>
-      <dgm:t>
-        <a:bodyPr/>
-        <a:lstStyle/>
-        <a:p>
-          <a:endParaRPr lang="en-US" sz="2400"/>
-        </a:p>
-      </dgm:t>
-    </dgm:pt>
-    <dgm:pt modelId="{F1422E45-CAFA-4566-9696-E893FA18C7F3}" type="parTrans" cxnId="{4832DF88-33DB-4069-AC87-DE81A3E6E2BC}">
-      <dgm:prSet/>
-      <dgm:spPr/>
-      <dgm:t>
-        <a:bodyPr/>
-        <a:lstStyle/>
-        <a:p>
-          <a:endParaRPr lang="en-US" sz="2400"/>
-        </a:p>
-      </dgm:t>
-    </dgm:pt>
-    <dgm:pt modelId="{78CE7CC8-C977-4A28-ADC0-2963D1D08E54}">
-      <dgm:prSet custT="1"/>
-      <dgm:spPr/>
-      <dgm:t>
-        <a:bodyPr/>
-        <a:lstStyle/>
-        <a:p>
-          <a:r>
-            <a:rPr lang="en-US" sz="1400" b="0" dirty="0"/>
-            <a:t>Speech coding</a:t>
-          </a:r>
-          <a:endParaRPr lang="en-US" sz="1400" dirty="0"/>
-        </a:p>
-      </dgm:t>
-    </dgm:pt>
-    <dgm:pt modelId="{8473B568-C966-4D6F-A55B-4C97659F238F}" type="sibTrans" cxnId="{828EC208-A277-4A1A-BDB3-22E1DBFA4913}">
-      <dgm:prSet/>
-      <dgm:spPr/>
-      <dgm:t>
-        <a:bodyPr/>
-        <a:lstStyle/>
-        <a:p>
-          <a:endParaRPr lang="en-US" sz="2400"/>
-        </a:p>
-      </dgm:t>
-    </dgm:pt>
-    <dgm:pt modelId="{6F6954AE-52FF-46F9-889A-9BCB37D7A24C}" type="parTrans" cxnId="{828EC208-A277-4A1A-BDB3-22E1DBFA4913}">
-      <dgm:prSet/>
-      <dgm:spPr/>
-      <dgm:t>
-        <a:bodyPr/>
-        <a:lstStyle/>
-        <a:p>
-          <a:endParaRPr lang="en-US" sz="2400"/>
-        </a:p>
-      </dgm:t>
-    </dgm:pt>
     <dgm:pt modelId="{207E5AF5-BA26-455A-A8A1-384CBE019833}">
       <dgm:prSet custT="1"/>
       <dgm:spPr/>
@@ -1464,6 +2065,28 @@
           <a:endParaRPr lang="en-US" sz="2400"/>
         </a:p>
       </dgm:t>
+    </dgm:pt>
+    <dgm:pt modelId="{9F00E8F1-E5BE-4274-841A-EBD4F366A2D2}">
+      <dgm:prSet custT="1"/>
+      <dgm:spPr/>
+      <dgm:t>
+        <a:bodyPr/>
+        <a:lstStyle/>
+        <a:p>
+          <a:r>
+            <a:rPr lang="en-US" sz="1400" dirty="0"/>
+            <a:t>Coding assignments.</a:t>
+          </a:r>
+        </a:p>
+      </dgm:t>
+    </dgm:pt>
+    <dgm:pt modelId="{641B21D0-D328-4C33-AF6E-A98CA91264A1}" type="parTrans" cxnId="{624697E6-872C-466B-B9DD-A9335A993C22}">
+      <dgm:prSet/>
+      <dgm:spPr/>
+    </dgm:pt>
+    <dgm:pt modelId="{A38B6C50-B040-41B0-809F-483B6919B469}" type="sibTrans" cxnId="{624697E6-872C-466B-B9DD-A9335A993C22}">
+      <dgm:prSet/>
+      <dgm:spPr/>
     </dgm:pt>
     <dgm:pt modelId="{5A36D64D-F759-47D6-A760-CBA1BE74DE64}" type="pres">
       <dgm:prSet presAssocID="{ADEAF234-3BB6-4C05-A690-1CCB2D7DC371}" presName="linear" presStyleCnt="0">
@@ -1540,34 +2163,28 @@
     </dgm:pt>
   </dgm:ptLst>
   <dgm:cxnLst>
-    <dgm:cxn modelId="{828EC208-A277-4A1A-BDB3-22E1DBFA4913}" srcId="{04B52D95-4C72-4BFC-8730-92C4AB0484D8}" destId="{78CE7CC8-C977-4A28-ADC0-2963D1D08E54}" srcOrd="3" destOrd="0" parTransId="{6F6954AE-52FF-46F9-889A-9BCB37D7A24C}" sibTransId="{8473B568-C966-4D6F-A55B-4C97659F238F}"/>
+    <dgm:cxn modelId="{B33E2D12-D00A-4D1B-82C5-708BE8702C28}" type="presOf" srcId="{9F00E8F1-E5BE-4274-841A-EBD4F366A2D2}" destId="{660D76B8-6F03-4116-82D1-6664C79091FB}" srcOrd="0" destOrd="4" presId="urn:microsoft.com/office/officeart/2005/8/layout/vList2"/>
     <dgm:cxn modelId="{A8008623-6DA5-4E50-BBBA-6DD3EDC9EF3A}" srcId="{BCE99503-D9E6-46F3-8D64-7DEE154D148A}" destId="{EEE3E844-466A-43A9-8241-1EF459B0406A}" srcOrd="0" destOrd="0" parTransId="{5FF88ED1-DD9B-4AF5-92B2-CCA813958716}" sibTransId="{B3E9A517-88D8-4E97-ABFB-6001D331B0A4}"/>
     <dgm:cxn modelId="{7E549325-9900-412A-A4BA-B8B7BD02A0F4}" type="presOf" srcId="{9704D255-795A-41CA-9C1D-A83A066DF720}" destId="{3B90A6A4-C39F-43AE-BCA9-29D0BDCA1CB4}" srcOrd="0" destOrd="0" presId="urn:microsoft.com/office/officeart/2005/8/layout/vList2"/>
     <dgm:cxn modelId="{D0479127-50EB-4001-93A9-196DEF1711EB}" type="presOf" srcId="{C6CD1DF6-92B0-48DF-90EE-D2C0035B2E7F}" destId="{660D76B8-6F03-4116-82D1-6664C79091FB}" srcOrd="0" destOrd="1" presId="urn:microsoft.com/office/officeart/2005/8/layout/vList2"/>
     <dgm:cxn modelId="{82D55129-56EE-43F5-8E71-808D669BBF9B}" srcId="{ADEAF234-3BB6-4C05-A690-1CCB2D7DC371}" destId="{9704D255-795A-41CA-9C1D-A83A066DF720}" srcOrd="2" destOrd="0" parTransId="{3D6CDB08-FED3-41E0-B939-B2F8AB042102}" sibTransId="{54B84807-C416-47D7-A3F3-C245E6C1F181}"/>
     <dgm:cxn modelId="{D0571C33-8A8C-4584-9467-CFB3E32DECBF}" type="presOf" srcId="{9B0101B2-2185-4A8C-9541-C03C3BEA83E1}" destId="{43378748-229B-43E0-8DCB-93059880AE5B}" srcOrd="0" destOrd="0" presId="urn:microsoft.com/office/officeart/2005/8/layout/vList2"/>
     <dgm:cxn modelId="{B199C136-3C76-4C07-9B3E-9967B97BB3A4}" type="presOf" srcId="{04B52D95-4C72-4BFC-8730-92C4AB0484D8}" destId="{717CC7DD-89F9-4FB4-BB8C-AA447A8464AD}" srcOrd="0" destOrd="1" presId="urn:microsoft.com/office/officeart/2005/8/layout/vList2"/>
-    <dgm:cxn modelId="{DAFC2338-BD31-4768-B255-793E21076411}" type="presOf" srcId="{78CE7CC8-C977-4A28-ADC0-2963D1D08E54}" destId="{717CC7DD-89F9-4FB4-BB8C-AA447A8464AD}" srcOrd="0" destOrd="5" presId="urn:microsoft.com/office/officeart/2005/8/layout/vList2"/>
     <dgm:cxn modelId="{B012ED3B-2653-4626-8709-BB983AB56D8B}" srcId="{ADEAF234-3BB6-4C05-A690-1CCB2D7DC371}" destId="{BCE99503-D9E6-46F3-8D64-7DEE154D148A}" srcOrd="1" destOrd="0" parTransId="{A5749F60-04E4-4295-AE39-2E815E8021FD}" sibTransId="{B4C853C4-75F6-45C5-B65E-77C7AF1428A8}"/>
     <dgm:cxn modelId="{AAEDC745-DC0A-4E42-B03D-46255E4E25E0}" type="presOf" srcId="{BCE99503-D9E6-46F3-8D64-7DEE154D148A}" destId="{53081B3C-C570-4D1C-908B-74CCD314CB3D}" srcOrd="0" destOrd="0" presId="urn:microsoft.com/office/officeart/2005/8/layout/vList2"/>
     <dgm:cxn modelId="{5B135771-03EC-450E-8B89-C393E65D1314}" type="presOf" srcId="{207E5AF5-BA26-455A-A8A1-384CBE019833}" destId="{C8EB78CE-2E10-4419-8E51-4F067E26A1F7}" srcOrd="0" destOrd="0" presId="urn:microsoft.com/office/officeart/2005/8/layout/vList2"/>
-    <dgm:cxn modelId="{87E7DD72-D52D-42F4-B589-B71124C71534}" srcId="{04B52D95-4C72-4BFC-8730-92C4AB0484D8}" destId="{FBC8799D-8902-4C9D-A1A1-D41D42AE909E}" srcOrd="1" destOrd="0" parTransId="{EE1CCEA3-5A67-42E0-BBFC-8950E703FDA7}" sibTransId="{EEB4356D-C68A-4936-B3D3-E76C6D9AA78A}"/>
     <dgm:cxn modelId="{D81C3F56-F360-4886-B2B9-B7BF9FF27C6B}" srcId="{9704D255-795A-41CA-9C1D-A83A066DF720}" destId="{04B52D95-4C72-4BFC-8730-92C4AB0484D8}" srcOrd="1" destOrd="0" parTransId="{D137B90F-BCDE-4063-9079-043CDD9AEF18}" sibTransId="{3338CFE9-EBA9-4B1F-B756-23852B037B58}"/>
     <dgm:cxn modelId="{79FF8077-F037-407A-9329-289AAC109F7E}" srcId="{BCE99503-D9E6-46F3-8D64-7DEE154D148A}" destId="{ADC36E8F-AEA7-4960-8FBB-D1C06B0E807A}" srcOrd="2" destOrd="0" parTransId="{68869641-E0BF-493F-89E5-88543402971D}" sibTransId="{02B51937-11B6-4937-AE31-DA1666A53EBF}"/>
     <dgm:cxn modelId="{ACAECF77-ACEF-4379-A6AD-8E169C081BA2}" type="presOf" srcId="{7DFE49A3-AF2A-4A27-9D9C-3C7889059E97}" destId="{660D76B8-6F03-4116-82D1-6664C79091FB}" srcOrd="0" destOrd="3" presId="urn:microsoft.com/office/officeart/2005/8/layout/vList2"/>
     <dgm:cxn modelId="{12B6DB7B-F9D2-469F-8353-735EE805E3FA}" type="presOf" srcId="{ADEAF234-3BB6-4C05-A690-1CCB2D7DC371}" destId="{5A36D64D-F759-47D6-A760-CBA1BE74DE64}" srcOrd="0" destOrd="0" presId="urn:microsoft.com/office/officeart/2005/8/layout/vList2"/>
     <dgm:cxn modelId="{916B7488-6F70-4EE2-A8B1-53E97E822AD3}" srcId="{ADEAF234-3BB6-4C05-A690-1CCB2D7DC371}" destId="{A4EC682A-FC4F-4B78-A7CA-B15C68D3B36F}" srcOrd="0" destOrd="0" parTransId="{B6949935-EC6F-4585-BF3D-9BDFD5AFDD56}" sibTransId="{05E9EAFE-38DC-42EE-B77A-613B5E203588}"/>
-    <dgm:cxn modelId="{4832DF88-33DB-4069-AC87-DE81A3E6E2BC}" srcId="{04B52D95-4C72-4BFC-8730-92C4AB0484D8}" destId="{B684712A-C87B-4039-95C7-84CAA990B64E}" srcOrd="2" destOrd="0" parTransId="{F1422E45-CAFA-4566-9696-E893FA18C7F3}" sibTransId="{6085BDC9-77D8-445F-92C5-749F099709D5}"/>
-    <dgm:cxn modelId="{AEB863A0-BF00-43C0-8157-782D5CA3FBB3}" type="presOf" srcId="{0BE79E59-8104-4CD0-B4E4-90B53F757888}" destId="{717CC7DD-89F9-4FB4-BB8C-AA447A8464AD}" srcOrd="0" destOrd="2" presId="urn:microsoft.com/office/officeart/2005/8/layout/vList2"/>
-    <dgm:cxn modelId="{CE0798A3-B2EE-4BC6-9D62-77585D723696}" srcId="{04B52D95-4C72-4BFC-8730-92C4AB0484D8}" destId="{0BE79E59-8104-4CD0-B4E4-90B53F757888}" srcOrd="0" destOrd="0" parTransId="{7F55AFCE-D3F9-44C2-814A-7B48D379A5EF}" sibTransId="{7D7EC47E-AF62-4D50-80B4-D21F9C2161EA}"/>
     <dgm:cxn modelId="{E767A9A3-C98C-4DBD-80B2-184B7B484149}" type="presOf" srcId="{A4EC682A-FC4F-4B78-A7CA-B15C68D3B36F}" destId="{DBD95F1F-8664-41D3-ACB0-58CACD9B9744}" srcOrd="0" destOrd="0" presId="urn:microsoft.com/office/officeart/2005/8/layout/vList2"/>
     <dgm:cxn modelId="{5564AAB4-6682-46D2-9CCD-91A71C84A9E7}" type="presOf" srcId="{EEE3E844-466A-43A9-8241-1EF459B0406A}" destId="{660D76B8-6F03-4116-82D1-6664C79091FB}" srcOrd="0" destOrd="0" presId="urn:microsoft.com/office/officeart/2005/8/layout/vList2"/>
     <dgm:cxn modelId="{1188F9BB-55DD-4A0E-BF0F-B48F5450A32E}" srcId="{ADEAF234-3BB6-4C05-A690-1CCB2D7DC371}" destId="{9B0101B2-2185-4A8C-9541-C03C3BEA83E1}" srcOrd="3" destOrd="0" parTransId="{E1D77CC2-C343-4FAB-A1D3-BDC236674988}" sibTransId="{11554A09-7A25-4E61-9143-9FE1CB2CB1BD}"/>
     <dgm:cxn modelId="{2D54BDBE-D58F-4F10-9E5B-6F174A593A7B}" type="presOf" srcId="{ADC36E8F-AEA7-4960-8FBB-D1C06B0E807A}" destId="{660D76B8-6F03-4116-82D1-6664C79091FB}" srcOrd="0" destOrd="2" presId="urn:microsoft.com/office/officeart/2005/8/layout/vList2"/>
-    <dgm:cxn modelId="{59EBFCCA-F0FF-461E-8CD1-3FDD968DB982}" type="presOf" srcId="{B684712A-C87B-4039-95C7-84CAA990B64E}" destId="{717CC7DD-89F9-4FB4-BB8C-AA447A8464AD}" srcOrd="0" destOrd="4" presId="urn:microsoft.com/office/officeart/2005/8/layout/vList2"/>
-    <dgm:cxn modelId="{9ED000CE-1C69-4798-9CB1-B4F74DCA97CB}" type="presOf" srcId="{FBC8799D-8902-4C9D-A1A1-D41D42AE909E}" destId="{717CC7DD-89F9-4FB4-BB8C-AA447A8464AD}" srcOrd="0" destOrd="3" presId="urn:microsoft.com/office/officeart/2005/8/layout/vList2"/>
     <dgm:cxn modelId="{EBE4AFD4-B33E-4FF5-94F7-8EDF42F5FDF7}" srcId="{9B0101B2-2185-4A8C-9541-C03C3BEA83E1}" destId="{207E5AF5-BA26-455A-A8A1-384CBE019833}" srcOrd="0" destOrd="0" parTransId="{4F548684-0E11-4BE0-ABB3-0D680A6E2742}" sibTransId="{463A810B-A82C-422F-9128-48F02592BF8B}"/>
     <dgm:cxn modelId="{ED34B2E0-2976-4CD6-B46C-DC18692E2349}" srcId="{BCE99503-D9E6-46F3-8D64-7DEE154D148A}" destId="{7DFE49A3-AF2A-4A27-9D9C-3C7889059E97}" srcOrd="3" destOrd="0" parTransId="{3C616503-B00F-4003-B226-32EFF1688FD8}" sibTransId="{012630C5-4223-416D-912D-B2ABB3D18D22}"/>
+    <dgm:cxn modelId="{624697E6-872C-466B-B9DD-A9335A993C22}" srcId="{BCE99503-D9E6-46F3-8D64-7DEE154D148A}" destId="{9F00E8F1-E5BE-4274-841A-EBD4F366A2D2}" srcOrd="4" destOrd="0" parTransId="{641B21D0-D328-4C33-AF6E-A98CA91264A1}" sibTransId="{A38B6C50-B040-41B0-809F-483B6919B469}"/>
     <dgm:cxn modelId="{CB4FBBE6-1375-491B-9DB9-8E9172EBD6D7}" srcId="{9704D255-795A-41CA-9C1D-A83A066DF720}" destId="{9218B889-2B3B-486C-92E5-1A27B0E5854C}" srcOrd="0" destOrd="0" parTransId="{FA117D2E-48B9-4164-A540-9D02B6F77C93}" sibTransId="{0CC7F36E-C189-44F7-9462-67BF910DD2D9}"/>
     <dgm:cxn modelId="{FBDF9BF1-CD74-4880-91BE-3B36996CA339}" type="presOf" srcId="{9218B889-2B3B-486C-92E5-1A27B0E5854C}" destId="{717CC7DD-89F9-4FB4-BB8C-AA447A8464AD}" srcOrd="0" destOrd="0" presId="urn:microsoft.com/office/officeart/2005/8/layout/vList2"/>
     <dgm:cxn modelId="{70803DFB-321B-4DE0-9267-20EA739C1526}" srcId="{BCE99503-D9E6-46F3-8D64-7DEE154D148A}" destId="{C6CD1DF6-92B0-48DF-90EE-D2C0035B2E7F}" srcOrd="1" destOrd="0" parTransId="{7043B3D0-F656-445E-80D0-C2CAF9CF73C1}" sibTransId="{67EA1E8C-6A80-4AA6-A5AA-9FBF4A2EBFE0}"/>
@@ -1579,6 +2196,674 @@
     <dgm:cxn modelId="{CB0C285C-EF8F-4B3C-B393-B852C57AD55B}" type="presParOf" srcId="{5A36D64D-F759-47D6-A760-CBA1BE74DE64}" destId="{717CC7DD-89F9-4FB4-BB8C-AA447A8464AD}" srcOrd="5" destOrd="0" presId="urn:microsoft.com/office/officeart/2005/8/layout/vList2"/>
     <dgm:cxn modelId="{84A03A08-B400-452D-83FC-583BA12D5DDD}" type="presParOf" srcId="{5A36D64D-F759-47D6-A760-CBA1BE74DE64}" destId="{43378748-229B-43E0-8DCB-93059880AE5B}" srcOrd="6" destOrd="0" presId="urn:microsoft.com/office/officeart/2005/8/layout/vList2"/>
     <dgm:cxn modelId="{E14E7B3B-D0F4-4C9A-94BB-9C25F9ED2DFB}" type="presParOf" srcId="{5A36D64D-F759-47D6-A760-CBA1BE74DE64}" destId="{C8EB78CE-2E10-4419-8E51-4F067E26A1F7}" srcOrd="7" destOrd="0" presId="urn:microsoft.com/office/officeart/2005/8/layout/vList2"/>
+  </dgm:cxnLst>
+  <dgm:bg/>
+  <dgm:whole/>
+  <dgm:extLst>
+    <a:ext uri="http://schemas.microsoft.com/office/drawing/2008/diagram">
+      <dsp:dataModelExt xmlns:dsp="http://schemas.microsoft.com/office/drawing/2008/diagram" relId="rId6" minVer="http://schemas.openxmlformats.org/drawingml/2006/diagram"/>
+    </a:ext>
+  </dgm:extLst>
+</dgm:dataModel>
+</file>
+
+<file path=ppt/diagrams/data2.xml><?xml version="1.0" encoding="utf-8"?>
+<dgm:dataModel xmlns:dgm="http://schemas.openxmlformats.org/drawingml/2006/diagram" xmlns:a="http://schemas.openxmlformats.org/drawingml/2006/main">
+  <dgm:ptLst>
+    <dgm:pt modelId="{06B715F6-4561-4975-9835-13993FAE09D7}" type="doc">
+      <dgm:prSet loTypeId="urn:microsoft.com/office/officeart/2005/8/layout/process3" loCatId="process" qsTypeId="urn:microsoft.com/office/officeart/2005/8/quickstyle/simple1" qsCatId="simple" csTypeId="urn:microsoft.com/office/officeart/2005/8/colors/accent1_2" csCatId="accent1" phldr="1"/>
+      <dgm:spPr/>
+    </dgm:pt>
+    <dgm:pt modelId="{6D752753-DEA4-4852-B22D-ABA76BD0BC4D}">
+      <dgm:prSet phldrT="[Text]"/>
+      <dgm:spPr/>
+      <dgm:t>
+        <a:bodyPr/>
+        <a:lstStyle/>
+        <a:p>
+          <a:r>
+            <a:rPr lang="en-US" dirty="0"/>
+            <a:t>Sampling</a:t>
+          </a:r>
+        </a:p>
+      </dgm:t>
+    </dgm:pt>
+    <dgm:pt modelId="{F13D7391-2447-4516-A934-E749E226A714}" type="parTrans" cxnId="{6172C41B-01AB-4A5E-A633-73CCA29E6760}">
+      <dgm:prSet/>
+      <dgm:spPr/>
+      <dgm:t>
+        <a:bodyPr/>
+        <a:lstStyle/>
+        <a:p>
+          <a:endParaRPr lang="en-US"/>
+        </a:p>
+      </dgm:t>
+    </dgm:pt>
+    <dgm:pt modelId="{B2142DDA-988E-4F36-926C-B301D44A4D78}" type="sibTrans" cxnId="{6172C41B-01AB-4A5E-A633-73CCA29E6760}">
+      <dgm:prSet/>
+      <dgm:spPr/>
+      <dgm:t>
+        <a:bodyPr/>
+        <a:lstStyle/>
+        <a:p>
+          <a:endParaRPr lang="en-US"/>
+        </a:p>
+      </dgm:t>
+    </dgm:pt>
+    <dgm:pt modelId="{6B91BADB-B09D-48EC-910C-08D356CFDB14}">
+      <dgm:prSet phldrT="[Text]"/>
+      <dgm:spPr/>
+      <dgm:t>
+        <a:bodyPr/>
+        <a:lstStyle/>
+        <a:p>
+          <a:r>
+            <a:rPr lang="en-US" dirty="0"/>
+            <a:t>Quantization</a:t>
+          </a:r>
+        </a:p>
+      </dgm:t>
+    </dgm:pt>
+    <dgm:pt modelId="{C652C0DA-6C87-4DBC-AC3E-778CF6E9F760}" type="parTrans" cxnId="{773A356F-8F5E-478D-B898-887D41F95AD9}">
+      <dgm:prSet/>
+      <dgm:spPr/>
+      <dgm:t>
+        <a:bodyPr/>
+        <a:lstStyle/>
+        <a:p>
+          <a:endParaRPr lang="en-US"/>
+        </a:p>
+      </dgm:t>
+    </dgm:pt>
+    <dgm:pt modelId="{0E6E3768-A0C6-425E-85FE-65AC233C91EE}" type="sibTrans" cxnId="{773A356F-8F5E-478D-B898-887D41F95AD9}">
+      <dgm:prSet/>
+      <dgm:spPr/>
+      <dgm:t>
+        <a:bodyPr/>
+        <a:lstStyle/>
+        <a:p>
+          <a:endParaRPr lang="en-US"/>
+        </a:p>
+      </dgm:t>
+    </dgm:pt>
+    <dgm:pt modelId="{B1BECA38-E020-407B-A018-E3A014269FF8}">
+      <dgm:prSet phldrT="[Text]"/>
+      <dgm:spPr/>
+      <dgm:t>
+        <a:bodyPr/>
+        <a:lstStyle/>
+        <a:p>
+          <a:r>
+            <a:rPr lang="en-US" dirty="0"/>
+            <a:t>Coding</a:t>
+          </a:r>
+        </a:p>
+      </dgm:t>
+    </dgm:pt>
+    <dgm:pt modelId="{C4AB36BB-BB86-4773-825A-62A0513A60B4}" type="parTrans" cxnId="{688038DF-08B5-448A-9499-629A789AA4FC}">
+      <dgm:prSet/>
+      <dgm:spPr/>
+      <dgm:t>
+        <a:bodyPr/>
+        <a:lstStyle/>
+        <a:p>
+          <a:endParaRPr lang="en-US"/>
+        </a:p>
+      </dgm:t>
+    </dgm:pt>
+    <dgm:pt modelId="{88BD4949-033A-4E0A-9F13-5177A0353EBE}" type="sibTrans" cxnId="{688038DF-08B5-448A-9499-629A789AA4FC}">
+      <dgm:prSet/>
+      <dgm:spPr/>
+      <dgm:t>
+        <a:bodyPr/>
+        <a:lstStyle/>
+        <a:p>
+          <a:endParaRPr lang="en-US"/>
+        </a:p>
+      </dgm:t>
+    </dgm:pt>
+    <dgm:pt modelId="{A8BE1F61-5AF5-4EBF-ADCF-4E2E0C0D9C04}">
+      <dgm:prSet custT="1"/>
+      <dgm:spPr/>
+      <dgm:t>
+        <a:bodyPr/>
+        <a:lstStyle/>
+        <a:p>
+          <a:r>
+            <a:rPr lang="en-US" sz="2400" dirty="0"/>
+            <a:t>Fs/2&gt;F</a:t>
+          </a:r>
+          <a:r>
+            <a:rPr lang="en-US" sz="2400" baseline="-25000" dirty="0"/>
+            <a:t>max</a:t>
+          </a:r>
+        </a:p>
+      </dgm:t>
+    </dgm:pt>
+    <dgm:pt modelId="{9D18A288-D2F9-4304-82D6-2E16567C6FA5}" type="parTrans" cxnId="{AEE0F803-EDD5-4588-B93E-0EF039A8458E}">
+      <dgm:prSet/>
+      <dgm:spPr/>
+      <dgm:t>
+        <a:bodyPr/>
+        <a:lstStyle/>
+        <a:p>
+          <a:endParaRPr lang="en-US"/>
+        </a:p>
+      </dgm:t>
+    </dgm:pt>
+    <dgm:pt modelId="{BE24998A-79F7-4FDB-A424-0A111A969422}" type="sibTrans" cxnId="{AEE0F803-EDD5-4588-B93E-0EF039A8458E}">
+      <dgm:prSet/>
+      <dgm:spPr/>
+      <dgm:t>
+        <a:bodyPr/>
+        <a:lstStyle/>
+        <a:p>
+          <a:endParaRPr lang="en-US"/>
+        </a:p>
+      </dgm:t>
+    </dgm:pt>
+    <dgm:pt modelId="{67D8F50F-E7D7-4745-ABE0-EB057E5A3BD3}">
+      <dgm:prSet custT="1"/>
+      <dgm:spPr/>
+      <dgm:t>
+        <a:bodyPr/>
+        <a:lstStyle/>
+        <a:p>
+          <a:r>
+            <a:rPr lang="en-US" sz="2400" baseline="0" dirty="0"/>
+            <a:t>-1/2&lt;f&lt;1/2</a:t>
+          </a:r>
+        </a:p>
+      </dgm:t>
+    </dgm:pt>
+    <dgm:pt modelId="{41C71190-8B07-4E85-9FAD-19D08BE7348D}" type="parTrans" cxnId="{26AC9B28-FB7B-4908-9C52-8AC7BA21A5F7}">
+      <dgm:prSet/>
+      <dgm:spPr/>
+      <dgm:t>
+        <a:bodyPr/>
+        <a:lstStyle/>
+        <a:p>
+          <a:endParaRPr lang="en-US"/>
+        </a:p>
+      </dgm:t>
+    </dgm:pt>
+    <dgm:pt modelId="{BF2E3BFF-3FF1-456A-B560-BFDA8444224E}" type="sibTrans" cxnId="{26AC9B28-FB7B-4908-9C52-8AC7BA21A5F7}">
+      <dgm:prSet/>
+      <dgm:spPr/>
+      <dgm:t>
+        <a:bodyPr/>
+        <a:lstStyle/>
+        <a:p>
+          <a:endParaRPr lang="en-US"/>
+        </a:p>
+      </dgm:t>
+    </dgm:pt>
+    <dgm:pt modelId="{11B464BE-5E28-4529-812B-3CEC02A19628}">
+      <dgm:prSet custT="1"/>
+      <dgm:spPr/>
+      <dgm:t>
+        <a:bodyPr/>
+        <a:lstStyle/>
+        <a:p>
+          <a:r>
+            <a:rPr lang="en-US" sz="2000" baseline="0" dirty="0" err="1">
+              <a:latin typeface="Consolas" panose="020B0609020204030204" pitchFamily="49" charset="0"/>
+            </a:rPr>
+            <a:t>x</a:t>
+          </a:r>
+          <a:r>
+            <a:rPr lang="en-US" sz="2000" baseline="-25000" dirty="0" err="1">
+              <a:latin typeface="Consolas" panose="020B0609020204030204" pitchFamily="49" charset="0"/>
+            </a:rPr>
+            <a:t>max</a:t>
+          </a:r>
+          <a:r>
+            <a:rPr lang="en-US" sz="2000" baseline="0" dirty="0">
+              <a:latin typeface="Consolas" panose="020B0609020204030204" pitchFamily="49" charset="0"/>
+            </a:rPr>
+            <a:t>, </a:t>
+          </a:r>
+          <a:r>
+            <a:rPr lang="en-US" sz="2000" baseline="0" dirty="0" err="1">
+              <a:latin typeface="Consolas" panose="020B0609020204030204" pitchFamily="49" charset="0"/>
+            </a:rPr>
+            <a:t>x</a:t>
+          </a:r>
+          <a:r>
+            <a:rPr lang="en-US" sz="2000" baseline="-25000" dirty="0" err="1">
+              <a:latin typeface="Consolas" panose="020B0609020204030204" pitchFamily="49" charset="0"/>
+            </a:rPr>
+            <a:t>min</a:t>
+          </a:r>
+          <a:endParaRPr lang="en-US" sz="2000" dirty="0">
+            <a:latin typeface="Consolas" panose="020B0609020204030204" pitchFamily="49" charset="0"/>
+          </a:endParaRPr>
+        </a:p>
+      </dgm:t>
+    </dgm:pt>
+    <dgm:pt modelId="{1E44BF2F-A839-4A0F-A1EE-0ABFC1FDAC2A}" type="parTrans" cxnId="{0511F3A5-56D1-45D3-91E2-F46D5EC57CEB}">
+      <dgm:prSet/>
+      <dgm:spPr/>
+      <dgm:t>
+        <a:bodyPr/>
+        <a:lstStyle/>
+        <a:p>
+          <a:endParaRPr lang="en-US"/>
+        </a:p>
+      </dgm:t>
+    </dgm:pt>
+    <dgm:pt modelId="{78514B64-83D5-4FFD-8FD5-B73B72110486}" type="sibTrans" cxnId="{0511F3A5-56D1-45D3-91E2-F46D5EC57CEB}">
+      <dgm:prSet/>
+      <dgm:spPr/>
+      <dgm:t>
+        <a:bodyPr/>
+        <a:lstStyle/>
+        <a:p>
+          <a:endParaRPr lang="en-US"/>
+        </a:p>
+      </dgm:t>
+    </dgm:pt>
+    <dgm:pt modelId="{D04FB856-01EA-4F0C-B790-466D08E645D4}">
+      <dgm:prSet custT="1"/>
+      <dgm:spPr/>
+      <dgm:t>
+        <a:bodyPr/>
+        <a:lstStyle/>
+        <a:p>
+          <a:r>
+            <a:rPr lang="en-US" sz="2000" dirty="0">
+              <a:latin typeface="Consolas" panose="020B0609020204030204" pitchFamily="49" charset="0"/>
+            </a:rPr>
+            <a:t>L</a:t>
+          </a:r>
+        </a:p>
+      </dgm:t>
+    </dgm:pt>
+    <dgm:pt modelId="{CB33D185-F670-4182-9F97-036267434CAE}" type="parTrans" cxnId="{AF53EEFA-C97E-4B12-BA43-2A42E33E2AD0}">
+      <dgm:prSet/>
+      <dgm:spPr/>
+      <dgm:t>
+        <a:bodyPr/>
+        <a:lstStyle/>
+        <a:p>
+          <a:endParaRPr lang="en-US"/>
+        </a:p>
+      </dgm:t>
+    </dgm:pt>
+    <dgm:pt modelId="{8313F960-D11D-40D9-995F-2767BAA27025}" type="sibTrans" cxnId="{AF53EEFA-C97E-4B12-BA43-2A42E33E2AD0}">
+      <dgm:prSet/>
+      <dgm:spPr/>
+      <dgm:t>
+        <a:bodyPr/>
+        <a:lstStyle/>
+        <a:p>
+          <a:endParaRPr lang="en-US"/>
+        </a:p>
+      </dgm:t>
+    </dgm:pt>
+    <dgm:pt modelId="{90BC48EB-FCCE-4C57-8E15-2F947A04DD0A}">
+      <dgm:prSet custT="1"/>
+      <dgm:spPr/>
+      <dgm:t>
+        <a:bodyPr/>
+        <a:lstStyle/>
+        <a:p>
+          <a:r>
+            <a:rPr lang="el-GR" sz="2000" dirty="0">
+              <a:latin typeface="Consolas" panose="020B0609020204030204" pitchFamily="49" charset="0"/>
+            </a:rPr>
+            <a:t>Δ</a:t>
+          </a:r>
+          <a:r>
+            <a:rPr lang="en-US" sz="2000" dirty="0">
+              <a:latin typeface="Consolas" panose="020B0609020204030204" pitchFamily="49" charset="0"/>
+            </a:rPr>
+            <a:t> = (</a:t>
+          </a:r>
+          <a:r>
+            <a:rPr lang="en-US" sz="2000" baseline="0" dirty="0" err="1">
+              <a:latin typeface="Consolas" panose="020B0609020204030204" pitchFamily="49" charset="0"/>
+            </a:rPr>
+            <a:t>x</a:t>
+          </a:r>
+          <a:r>
+            <a:rPr lang="en-US" sz="2000" baseline="-25000" dirty="0" err="1">
+              <a:latin typeface="Consolas" panose="020B0609020204030204" pitchFamily="49" charset="0"/>
+            </a:rPr>
+            <a:t>max</a:t>
+          </a:r>
+          <a:r>
+            <a:rPr lang="en-US" sz="2000" baseline="0" dirty="0">
+              <a:latin typeface="Consolas" panose="020B0609020204030204" pitchFamily="49" charset="0"/>
+            </a:rPr>
+            <a:t>- </a:t>
+          </a:r>
+          <a:r>
+            <a:rPr lang="en-US" sz="2000" baseline="0" dirty="0" err="1">
+              <a:latin typeface="Consolas" panose="020B0609020204030204" pitchFamily="49" charset="0"/>
+            </a:rPr>
+            <a:t>x</a:t>
+          </a:r>
+          <a:r>
+            <a:rPr lang="en-US" sz="2000" baseline="-25000" dirty="0" err="1">
+              <a:latin typeface="Consolas" panose="020B0609020204030204" pitchFamily="49" charset="0"/>
+            </a:rPr>
+            <a:t>min</a:t>
+          </a:r>
+          <a:r>
+            <a:rPr lang="en-US" sz="2000" baseline="0" dirty="0">
+              <a:latin typeface="Consolas" panose="020B0609020204030204" pitchFamily="49" charset="0"/>
+            </a:rPr>
+            <a:t>)/(L-1)</a:t>
+          </a:r>
+          <a:endParaRPr lang="en-US" sz="2000" dirty="0">
+            <a:latin typeface="Consolas" panose="020B0609020204030204" pitchFamily="49" charset="0"/>
+          </a:endParaRPr>
+        </a:p>
+      </dgm:t>
+    </dgm:pt>
+    <dgm:pt modelId="{61A0B7E1-AE7D-4F97-99C7-B49F8730E6EE}" type="parTrans" cxnId="{F8335329-6587-4D74-8EF2-C6384555361A}">
+      <dgm:prSet/>
+      <dgm:spPr/>
+      <dgm:t>
+        <a:bodyPr/>
+        <a:lstStyle/>
+        <a:p>
+          <a:endParaRPr lang="en-US"/>
+        </a:p>
+      </dgm:t>
+    </dgm:pt>
+    <dgm:pt modelId="{64CC1F0D-28C8-4CD2-A057-A4E619D5321E}" type="sibTrans" cxnId="{F8335329-6587-4D74-8EF2-C6384555361A}">
+      <dgm:prSet/>
+      <dgm:spPr/>
+      <dgm:t>
+        <a:bodyPr/>
+        <a:lstStyle/>
+        <a:p>
+          <a:endParaRPr lang="en-US"/>
+        </a:p>
+      </dgm:t>
+    </dgm:pt>
+    <dgm:pt modelId="{43655725-0435-443E-8629-1B603820256D}">
+      <dgm:prSet custT="1"/>
+      <dgm:spPr/>
+      <dgm:t>
+        <a:bodyPr/>
+        <a:lstStyle/>
+        <a:p>
+          <a:r>
+            <a:rPr lang="en-US" sz="2000" dirty="0">
+              <a:latin typeface="Consolas" panose="020B0609020204030204" pitchFamily="49" charset="0"/>
+            </a:rPr>
+            <a:t>L↑, error↓ </a:t>
+          </a:r>
+        </a:p>
+      </dgm:t>
+    </dgm:pt>
+    <dgm:pt modelId="{C50E861B-B9E2-4CF1-AE70-F457B44E8007}" type="parTrans" cxnId="{3E040134-5733-4E51-87BE-56D583116A52}">
+      <dgm:prSet/>
+      <dgm:spPr/>
+      <dgm:t>
+        <a:bodyPr/>
+        <a:lstStyle/>
+        <a:p>
+          <a:endParaRPr lang="en-US"/>
+        </a:p>
+      </dgm:t>
+    </dgm:pt>
+    <dgm:pt modelId="{189C0C81-F898-472E-8C71-7BCD72B6F505}" type="sibTrans" cxnId="{3E040134-5733-4E51-87BE-56D583116A52}">
+      <dgm:prSet/>
+      <dgm:spPr/>
+      <dgm:t>
+        <a:bodyPr/>
+        <a:lstStyle/>
+        <a:p>
+          <a:endParaRPr lang="en-US"/>
+        </a:p>
+      </dgm:t>
+    </dgm:pt>
+    <dgm:pt modelId="{A73909BB-525D-4975-A07B-05A57EB792AA}">
+      <dgm:prSet custT="1"/>
+      <dgm:spPr/>
+      <dgm:t>
+        <a:bodyPr/>
+        <a:lstStyle/>
+        <a:p>
+          <a:r>
+            <a:rPr lang="en-US" sz="2000" dirty="0"/>
+            <a:t>Binary labels.</a:t>
+          </a:r>
+          <a:endParaRPr lang="en-US" sz="2800" dirty="0"/>
+        </a:p>
+      </dgm:t>
+    </dgm:pt>
+    <dgm:pt modelId="{B2D9FFA3-8C4C-4ECF-B66E-40915968C627}" type="parTrans" cxnId="{4AF81F91-26B9-4A68-AB9F-D81663B057DF}">
+      <dgm:prSet/>
+      <dgm:spPr/>
+      <dgm:t>
+        <a:bodyPr/>
+        <a:lstStyle/>
+        <a:p>
+          <a:endParaRPr lang="en-US"/>
+        </a:p>
+      </dgm:t>
+    </dgm:pt>
+    <dgm:pt modelId="{D2E89AE1-A14C-4918-9C0D-531EB8F379B2}" type="sibTrans" cxnId="{4AF81F91-26B9-4A68-AB9F-D81663B057DF}">
+      <dgm:prSet/>
+      <dgm:spPr/>
+      <dgm:t>
+        <a:bodyPr/>
+        <a:lstStyle/>
+        <a:p>
+          <a:endParaRPr lang="en-US"/>
+        </a:p>
+      </dgm:t>
+    </dgm:pt>
+    <dgm:pt modelId="{0F610BED-FF5D-442E-BD32-1BDCA9259285}">
+      <dgm:prSet custT="1"/>
+      <dgm:spPr/>
+      <dgm:t>
+        <a:bodyPr/>
+        <a:lstStyle/>
+        <a:p>
+          <a:r>
+            <a:rPr lang="en-US" altLang="en-US" sz="2000" dirty="0"/>
+            <a:t>2</a:t>
+          </a:r>
+          <a:r>
+            <a:rPr lang="en-US" altLang="en-US" sz="2000" baseline="30000" dirty="0"/>
+            <a:t>b </a:t>
+          </a:r>
+          <a:r>
+            <a:rPr lang="en-US" altLang="en-US" sz="2000" dirty="0"/>
+            <a:t>≥ L or b ≥ log</a:t>
+          </a:r>
+          <a:r>
+            <a:rPr lang="en-US" altLang="en-US" sz="2000" baseline="-25000" dirty="0"/>
+            <a:t>2</a:t>
+          </a:r>
+          <a:r>
+            <a:rPr lang="en-US" altLang="en-US" sz="2000" dirty="0"/>
+            <a:t> L</a:t>
+          </a:r>
+          <a:endParaRPr lang="en-US" sz="2000" dirty="0"/>
+        </a:p>
+      </dgm:t>
+    </dgm:pt>
+    <dgm:pt modelId="{09A07CEA-9ED8-4E62-AE21-16C8EA353853}" type="parTrans" cxnId="{45D7780A-7109-4D8B-92DE-145EF86F80C8}">
+      <dgm:prSet/>
+      <dgm:spPr/>
+      <dgm:t>
+        <a:bodyPr/>
+        <a:lstStyle/>
+        <a:p>
+          <a:endParaRPr lang="en-US"/>
+        </a:p>
+      </dgm:t>
+    </dgm:pt>
+    <dgm:pt modelId="{F723F970-4495-463E-8327-2754333C5B58}" type="sibTrans" cxnId="{45D7780A-7109-4D8B-92DE-145EF86F80C8}">
+      <dgm:prSet/>
+      <dgm:spPr/>
+      <dgm:t>
+        <a:bodyPr/>
+        <a:lstStyle/>
+        <a:p>
+          <a:endParaRPr lang="en-US"/>
+        </a:p>
+      </dgm:t>
+    </dgm:pt>
+    <dgm:pt modelId="{0313A622-6B40-4849-9BED-4B8A0978E4FD}" type="pres">
+      <dgm:prSet presAssocID="{06B715F6-4561-4975-9835-13993FAE09D7}" presName="linearFlow" presStyleCnt="0">
+        <dgm:presLayoutVars>
+          <dgm:dir/>
+          <dgm:animLvl val="lvl"/>
+          <dgm:resizeHandles val="exact"/>
+        </dgm:presLayoutVars>
+      </dgm:prSet>
+      <dgm:spPr/>
+    </dgm:pt>
+    <dgm:pt modelId="{8F73DE0C-DBF6-41E4-883D-A9FDA318CBA2}" type="pres">
+      <dgm:prSet presAssocID="{6D752753-DEA4-4852-B22D-ABA76BD0BC4D}" presName="composite" presStyleCnt="0"/>
+      <dgm:spPr/>
+    </dgm:pt>
+    <dgm:pt modelId="{D5285655-0D9E-4A65-B267-CEB29785BD30}" type="pres">
+      <dgm:prSet presAssocID="{6D752753-DEA4-4852-B22D-ABA76BD0BC4D}" presName="parTx" presStyleLbl="node1" presStyleIdx="0" presStyleCnt="3">
+        <dgm:presLayoutVars>
+          <dgm:chMax val="0"/>
+          <dgm:chPref val="0"/>
+          <dgm:bulletEnabled val="1"/>
+        </dgm:presLayoutVars>
+      </dgm:prSet>
+      <dgm:spPr/>
+    </dgm:pt>
+    <dgm:pt modelId="{225F7E4D-625A-491C-9707-B8C0B3425B25}" type="pres">
+      <dgm:prSet presAssocID="{6D752753-DEA4-4852-B22D-ABA76BD0BC4D}" presName="parSh" presStyleLbl="node1" presStyleIdx="0" presStyleCnt="3"/>
+      <dgm:spPr/>
+    </dgm:pt>
+    <dgm:pt modelId="{1966750B-1903-4B02-BE4E-B797A405CB68}" type="pres">
+      <dgm:prSet presAssocID="{6D752753-DEA4-4852-B22D-ABA76BD0BC4D}" presName="desTx" presStyleLbl="fgAcc1" presStyleIdx="0" presStyleCnt="3">
+        <dgm:presLayoutVars>
+          <dgm:bulletEnabled val="1"/>
+        </dgm:presLayoutVars>
+      </dgm:prSet>
+      <dgm:spPr/>
+    </dgm:pt>
+    <dgm:pt modelId="{9C52316E-239A-457A-92DF-B8E6FC67E25F}" type="pres">
+      <dgm:prSet presAssocID="{B2142DDA-988E-4F36-926C-B301D44A4D78}" presName="sibTrans" presStyleLbl="sibTrans2D1" presStyleIdx="0" presStyleCnt="2"/>
+      <dgm:spPr/>
+    </dgm:pt>
+    <dgm:pt modelId="{8510E6E0-557E-4440-8D2B-D5C9F07FE076}" type="pres">
+      <dgm:prSet presAssocID="{B2142DDA-988E-4F36-926C-B301D44A4D78}" presName="connTx" presStyleLbl="sibTrans2D1" presStyleIdx="0" presStyleCnt="2"/>
+      <dgm:spPr/>
+    </dgm:pt>
+    <dgm:pt modelId="{58F05D4C-AEFE-45AC-A2CA-7CD971BEAA02}" type="pres">
+      <dgm:prSet presAssocID="{6B91BADB-B09D-48EC-910C-08D356CFDB14}" presName="composite" presStyleCnt="0"/>
+      <dgm:spPr/>
+    </dgm:pt>
+    <dgm:pt modelId="{2E37EBEB-4512-4AA5-9117-82BE9BEC65AA}" type="pres">
+      <dgm:prSet presAssocID="{6B91BADB-B09D-48EC-910C-08D356CFDB14}" presName="parTx" presStyleLbl="node1" presStyleIdx="0" presStyleCnt="3">
+        <dgm:presLayoutVars>
+          <dgm:chMax val="0"/>
+          <dgm:chPref val="0"/>
+          <dgm:bulletEnabled val="1"/>
+        </dgm:presLayoutVars>
+      </dgm:prSet>
+      <dgm:spPr/>
+    </dgm:pt>
+    <dgm:pt modelId="{3A189779-4595-4423-86FB-02442737315D}" type="pres">
+      <dgm:prSet presAssocID="{6B91BADB-B09D-48EC-910C-08D356CFDB14}" presName="parSh" presStyleLbl="node1" presStyleIdx="1" presStyleCnt="3"/>
+      <dgm:spPr/>
+    </dgm:pt>
+    <dgm:pt modelId="{EBF29A06-C374-4A5D-AC33-B28917A82A62}" type="pres">
+      <dgm:prSet presAssocID="{6B91BADB-B09D-48EC-910C-08D356CFDB14}" presName="desTx" presStyleLbl="fgAcc1" presStyleIdx="1" presStyleCnt="3" custScaleX="156858" custLinFactNeighborX="1906" custLinFactNeighborY="1110">
+        <dgm:presLayoutVars>
+          <dgm:bulletEnabled val="1"/>
+        </dgm:presLayoutVars>
+      </dgm:prSet>
+      <dgm:spPr/>
+    </dgm:pt>
+    <dgm:pt modelId="{2C0830CE-BD2B-4CCF-A4C7-7DE663BA6915}" type="pres">
+      <dgm:prSet presAssocID="{0E6E3768-A0C6-425E-85FE-65AC233C91EE}" presName="sibTrans" presStyleLbl="sibTrans2D1" presStyleIdx="1" presStyleCnt="2"/>
+      <dgm:spPr/>
+    </dgm:pt>
+    <dgm:pt modelId="{927FF8E1-8EF0-4D04-AE89-73CD83392F45}" type="pres">
+      <dgm:prSet presAssocID="{0E6E3768-A0C6-425E-85FE-65AC233C91EE}" presName="connTx" presStyleLbl="sibTrans2D1" presStyleIdx="1" presStyleCnt="2"/>
+      <dgm:spPr/>
+    </dgm:pt>
+    <dgm:pt modelId="{95DDC2F8-0DBE-4B8B-BD8E-5673DCC4DC69}" type="pres">
+      <dgm:prSet presAssocID="{B1BECA38-E020-407B-A018-E3A014269FF8}" presName="composite" presStyleCnt="0"/>
+      <dgm:spPr/>
+    </dgm:pt>
+    <dgm:pt modelId="{D8792EF5-697F-4131-A4E8-022B0CC060AC}" type="pres">
+      <dgm:prSet presAssocID="{B1BECA38-E020-407B-A018-E3A014269FF8}" presName="parTx" presStyleLbl="node1" presStyleIdx="1" presStyleCnt="3">
+        <dgm:presLayoutVars>
+          <dgm:chMax val="0"/>
+          <dgm:chPref val="0"/>
+          <dgm:bulletEnabled val="1"/>
+        </dgm:presLayoutVars>
+      </dgm:prSet>
+      <dgm:spPr/>
+    </dgm:pt>
+    <dgm:pt modelId="{0993691E-41BB-4601-89D2-8BB318A94E88}" type="pres">
+      <dgm:prSet presAssocID="{B1BECA38-E020-407B-A018-E3A014269FF8}" presName="parSh" presStyleLbl="node1" presStyleIdx="2" presStyleCnt="3"/>
+      <dgm:spPr/>
+    </dgm:pt>
+    <dgm:pt modelId="{8177C29E-5EA5-4C95-97C2-A330D40F737E}" type="pres">
+      <dgm:prSet presAssocID="{B1BECA38-E020-407B-A018-E3A014269FF8}" presName="desTx" presStyleLbl="fgAcc1" presStyleIdx="2" presStyleCnt="3">
+        <dgm:presLayoutVars>
+          <dgm:bulletEnabled val="1"/>
+        </dgm:presLayoutVars>
+      </dgm:prSet>
+      <dgm:spPr/>
+    </dgm:pt>
+  </dgm:ptLst>
+  <dgm:cxnLst>
+    <dgm:cxn modelId="{AEE0F803-EDD5-4588-B93E-0EF039A8458E}" srcId="{6D752753-DEA4-4852-B22D-ABA76BD0BC4D}" destId="{A8BE1F61-5AF5-4EBF-ADCF-4E2E0C0D9C04}" srcOrd="0" destOrd="0" parTransId="{9D18A288-D2F9-4304-82D6-2E16567C6FA5}" sibTransId="{BE24998A-79F7-4FDB-A424-0A111A969422}"/>
+    <dgm:cxn modelId="{95439B05-7979-46B0-9B4D-5F1E94A6D4FC}" type="presOf" srcId="{B1BECA38-E020-407B-A018-E3A014269FF8}" destId="{D8792EF5-697F-4131-A4E8-022B0CC060AC}" srcOrd="0" destOrd="0" presId="urn:microsoft.com/office/officeart/2005/8/layout/process3"/>
+    <dgm:cxn modelId="{45D7780A-7109-4D8B-92DE-145EF86F80C8}" srcId="{B1BECA38-E020-407B-A018-E3A014269FF8}" destId="{0F610BED-FF5D-442E-BD32-1BDCA9259285}" srcOrd="1" destOrd="0" parTransId="{09A07CEA-9ED8-4E62-AE21-16C8EA353853}" sibTransId="{F723F970-4495-463E-8327-2754333C5B58}"/>
+    <dgm:cxn modelId="{D696250E-C216-4AE7-939D-BE660DD18D3A}" type="presOf" srcId="{90BC48EB-FCCE-4C57-8E15-2F947A04DD0A}" destId="{EBF29A06-C374-4A5D-AC33-B28917A82A62}" srcOrd="0" destOrd="2" presId="urn:microsoft.com/office/officeart/2005/8/layout/process3"/>
+    <dgm:cxn modelId="{6172C41B-01AB-4A5E-A633-73CCA29E6760}" srcId="{06B715F6-4561-4975-9835-13993FAE09D7}" destId="{6D752753-DEA4-4852-B22D-ABA76BD0BC4D}" srcOrd="0" destOrd="0" parTransId="{F13D7391-2447-4516-A934-E749E226A714}" sibTransId="{B2142DDA-988E-4F36-926C-B301D44A4D78}"/>
+    <dgm:cxn modelId="{64228D21-6C4D-4A3B-8EAF-20ECCF628FA8}" type="presOf" srcId="{06B715F6-4561-4975-9835-13993FAE09D7}" destId="{0313A622-6B40-4849-9BED-4B8A0978E4FD}" srcOrd="0" destOrd="0" presId="urn:microsoft.com/office/officeart/2005/8/layout/process3"/>
+    <dgm:cxn modelId="{2B29BF23-515D-4438-839F-B555DA5A0328}" type="presOf" srcId="{D04FB856-01EA-4F0C-B790-466D08E645D4}" destId="{EBF29A06-C374-4A5D-AC33-B28917A82A62}" srcOrd="0" destOrd="1" presId="urn:microsoft.com/office/officeart/2005/8/layout/process3"/>
+    <dgm:cxn modelId="{26AC9B28-FB7B-4908-9C52-8AC7BA21A5F7}" srcId="{6D752753-DEA4-4852-B22D-ABA76BD0BC4D}" destId="{67D8F50F-E7D7-4745-ABE0-EB057E5A3BD3}" srcOrd="1" destOrd="0" parTransId="{41C71190-8B07-4E85-9FAD-19D08BE7348D}" sibTransId="{BF2E3BFF-3FF1-456A-B560-BFDA8444224E}"/>
+    <dgm:cxn modelId="{F8335329-6587-4D74-8EF2-C6384555361A}" srcId="{6B91BADB-B09D-48EC-910C-08D356CFDB14}" destId="{90BC48EB-FCCE-4C57-8E15-2F947A04DD0A}" srcOrd="2" destOrd="0" parTransId="{61A0B7E1-AE7D-4F97-99C7-B49F8730E6EE}" sibTransId="{64CC1F0D-28C8-4CD2-A057-A4E619D5321E}"/>
+    <dgm:cxn modelId="{2A62272A-1468-419B-AE3F-C122F66B842B}" type="presOf" srcId="{0F610BED-FF5D-442E-BD32-1BDCA9259285}" destId="{8177C29E-5EA5-4C95-97C2-A330D40F737E}" srcOrd="0" destOrd="1" presId="urn:microsoft.com/office/officeart/2005/8/layout/process3"/>
+    <dgm:cxn modelId="{3E040134-5733-4E51-87BE-56D583116A52}" srcId="{6B91BADB-B09D-48EC-910C-08D356CFDB14}" destId="{43655725-0435-443E-8629-1B603820256D}" srcOrd="3" destOrd="0" parTransId="{C50E861B-B9E2-4CF1-AE70-F457B44E8007}" sibTransId="{189C0C81-F898-472E-8C71-7BCD72B6F505}"/>
+    <dgm:cxn modelId="{0EC2F838-DC75-493A-B958-9E5150231BB0}" type="presOf" srcId="{11B464BE-5E28-4529-812B-3CEC02A19628}" destId="{EBF29A06-C374-4A5D-AC33-B28917A82A62}" srcOrd="0" destOrd="0" presId="urn:microsoft.com/office/officeart/2005/8/layout/process3"/>
+    <dgm:cxn modelId="{319DFE66-ACA9-4E4F-9F45-F9011E8F75C1}" type="presOf" srcId="{A8BE1F61-5AF5-4EBF-ADCF-4E2E0C0D9C04}" destId="{1966750B-1903-4B02-BE4E-B797A405CB68}" srcOrd="0" destOrd="0" presId="urn:microsoft.com/office/officeart/2005/8/layout/process3"/>
+    <dgm:cxn modelId="{6CEBE66A-6573-4ED3-99BE-B4CD344415DA}" type="presOf" srcId="{6D752753-DEA4-4852-B22D-ABA76BD0BC4D}" destId="{D5285655-0D9E-4A65-B267-CEB29785BD30}" srcOrd="0" destOrd="0" presId="urn:microsoft.com/office/officeart/2005/8/layout/process3"/>
+    <dgm:cxn modelId="{773A356F-8F5E-478D-B898-887D41F95AD9}" srcId="{06B715F6-4561-4975-9835-13993FAE09D7}" destId="{6B91BADB-B09D-48EC-910C-08D356CFDB14}" srcOrd="1" destOrd="0" parTransId="{C652C0DA-6C87-4DBC-AC3E-778CF6E9F760}" sibTransId="{0E6E3768-A0C6-425E-85FE-65AC233C91EE}"/>
+    <dgm:cxn modelId="{FE69C954-95B8-4E7E-8B13-06183E3B1894}" type="presOf" srcId="{B2142DDA-988E-4F36-926C-B301D44A4D78}" destId="{9C52316E-239A-457A-92DF-B8E6FC67E25F}" srcOrd="0" destOrd="0" presId="urn:microsoft.com/office/officeart/2005/8/layout/process3"/>
+    <dgm:cxn modelId="{AB275E76-99BD-4559-9FC1-43078408FE41}" type="presOf" srcId="{B1BECA38-E020-407B-A018-E3A014269FF8}" destId="{0993691E-41BB-4601-89D2-8BB318A94E88}" srcOrd="1" destOrd="0" presId="urn:microsoft.com/office/officeart/2005/8/layout/process3"/>
+    <dgm:cxn modelId="{4AF81F91-26B9-4A68-AB9F-D81663B057DF}" srcId="{B1BECA38-E020-407B-A018-E3A014269FF8}" destId="{A73909BB-525D-4975-A07B-05A57EB792AA}" srcOrd="0" destOrd="0" parTransId="{B2D9FFA3-8C4C-4ECF-B66E-40915968C627}" sibTransId="{D2E89AE1-A14C-4918-9C0D-531EB8F379B2}"/>
+    <dgm:cxn modelId="{0511F3A5-56D1-45D3-91E2-F46D5EC57CEB}" srcId="{6B91BADB-B09D-48EC-910C-08D356CFDB14}" destId="{11B464BE-5E28-4529-812B-3CEC02A19628}" srcOrd="0" destOrd="0" parTransId="{1E44BF2F-A839-4A0F-A1EE-0ABFC1FDAC2A}" sibTransId="{78514B64-83D5-4FFD-8FD5-B73B72110486}"/>
+    <dgm:cxn modelId="{92986BA8-8D19-4015-B27D-035780A498F5}" type="presOf" srcId="{B2142DDA-988E-4F36-926C-B301D44A4D78}" destId="{8510E6E0-557E-4440-8D2B-D5C9F07FE076}" srcOrd="1" destOrd="0" presId="urn:microsoft.com/office/officeart/2005/8/layout/process3"/>
+    <dgm:cxn modelId="{BD1073B1-BC0F-4DAF-B654-5916CB93D118}" type="presOf" srcId="{0E6E3768-A0C6-425E-85FE-65AC233C91EE}" destId="{2C0830CE-BD2B-4CCF-A4C7-7DE663BA6915}" srcOrd="0" destOrd="0" presId="urn:microsoft.com/office/officeart/2005/8/layout/process3"/>
+    <dgm:cxn modelId="{7B3246C4-38A6-4E6B-940D-CA5ED0B8878C}" type="presOf" srcId="{6B91BADB-B09D-48EC-910C-08D356CFDB14}" destId="{3A189779-4595-4423-86FB-02442737315D}" srcOrd="1" destOrd="0" presId="urn:microsoft.com/office/officeart/2005/8/layout/process3"/>
+    <dgm:cxn modelId="{0905F1C8-BAB5-427D-9BC9-EE6B1B814C99}" type="presOf" srcId="{6B91BADB-B09D-48EC-910C-08D356CFDB14}" destId="{2E37EBEB-4512-4AA5-9117-82BE9BEC65AA}" srcOrd="0" destOrd="0" presId="urn:microsoft.com/office/officeart/2005/8/layout/process3"/>
+    <dgm:cxn modelId="{F7F87DD4-A3F9-470A-B5E6-4C2A84F12A92}" type="presOf" srcId="{43655725-0435-443E-8629-1B603820256D}" destId="{EBF29A06-C374-4A5D-AC33-B28917A82A62}" srcOrd="0" destOrd="3" presId="urn:microsoft.com/office/officeart/2005/8/layout/process3"/>
+    <dgm:cxn modelId="{688038DF-08B5-448A-9499-629A789AA4FC}" srcId="{06B715F6-4561-4975-9835-13993FAE09D7}" destId="{B1BECA38-E020-407B-A018-E3A014269FF8}" srcOrd="2" destOrd="0" parTransId="{C4AB36BB-BB86-4773-825A-62A0513A60B4}" sibTransId="{88BD4949-033A-4E0A-9F13-5177A0353EBE}"/>
+    <dgm:cxn modelId="{B8A870E2-8F51-4F70-ACB5-3C583359446B}" type="presOf" srcId="{0E6E3768-A0C6-425E-85FE-65AC233C91EE}" destId="{927FF8E1-8EF0-4D04-AE89-73CD83392F45}" srcOrd="1" destOrd="0" presId="urn:microsoft.com/office/officeart/2005/8/layout/process3"/>
+    <dgm:cxn modelId="{F5C1E9EB-F310-413F-8D2B-2DFB7764F77B}" type="presOf" srcId="{6D752753-DEA4-4852-B22D-ABA76BD0BC4D}" destId="{225F7E4D-625A-491C-9707-B8C0B3425B25}" srcOrd="1" destOrd="0" presId="urn:microsoft.com/office/officeart/2005/8/layout/process3"/>
+    <dgm:cxn modelId="{B50E9BF1-7ED4-4FF2-9EF3-1F2E6CEAE5E3}" type="presOf" srcId="{A73909BB-525D-4975-A07B-05A57EB792AA}" destId="{8177C29E-5EA5-4C95-97C2-A330D40F737E}" srcOrd="0" destOrd="0" presId="urn:microsoft.com/office/officeart/2005/8/layout/process3"/>
+    <dgm:cxn modelId="{6EA5D7F8-C735-4D5E-9233-9BA5AA8AE228}" type="presOf" srcId="{67D8F50F-E7D7-4745-ABE0-EB057E5A3BD3}" destId="{1966750B-1903-4B02-BE4E-B797A405CB68}" srcOrd="0" destOrd="1" presId="urn:microsoft.com/office/officeart/2005/8/layout/process3"/>
+    <dgm:cxn modelId="{AF53EEFA-C97E-4B12-BA43-2A42E33E2AD0}" srcId="{6B91BADB-B09D-48EC-910C-08D356CFDB14}" destId="{D04FB856-01EA-4F0C-B790-466D08E645D4}" srcOrd="1" destOrd="0" parTransId="{CB33D185-F670-4182-9F97-036267434CAE}" sibTransId="{8313F960-D11D-40D9-995F-2767BAA27025}"/>
+    <dgm:cxn modelId="{53382E0D-470E-409C-AA6A-AA8873E46961}" type="presParOf" srcId="{0313A622-6B40-4849-9BED-4B8A0978E4FD}" destId="{8F73DE0C-DBF6-41E4-883D-A9FDA318CBA2}" srcOrd="0" destOrd="0" presId="urn:microsoft.com/office/officeart/2005/8/layout/process3"/>
+    <dgm:cxn modelId="{2D85F05D-4082-4D42-ACD9-1259AD3B73BB}" type="presParOf" srcId="{8F73DE0C-DBF6-41E4-883D-A9FDA318CBA2}" destId="{D5285655-0D9E-4A65-B267-CEB29785BD30}" srcOrd="0" destOrd="0" presId="urn:microsoft.com/office/officeart/2005/8/layout/process3"/>
+    <dgm:cxn modelId="{C8177ACB-703D-4ED1-8421-36DEAC082314}" type="presParOf" srcId="{8F73DE0C-DBF6-41E4-883D-A9FDA318CBA2}" destId="{225F7E4D-625A-491C-9707-B8C0B3425B25}" srcOrd="1" destOrd="0" presId="urn:microsoft.com/office/officeart/2005/8/layout/process3"/>
+    <dgm:cxn modelId="{2CFECB0C-EED2-4B81-9B8F-CB8509893032}" type="presParOf" srcId="{8F73DE0C-DBF6-41E4-883D-A9FDA318CBA2}" destId="{1966750B-1903-4B02-BE4E-B797A405CB68}" srcOrd="2" destOrd="0" presId="urn:microsoft.com/office/officeart/2005/8/layout/process3"/>
+    <dgm:cxn modelId="{059F359F-9DB9-48F5-B7EC-749BA53D613A}" type="presParOf" srcId="{0313A622-6B40-4849-9BED-4B8A0978E4FD}" destId="{9C52316E-239A-457A-92DF-B8E6FC67E25F}" srcOrd="1" destOrd="0" presId="urn:microsoft.com/office/officeart/2005/8/layout/process3"/>
+    <dgm:cxn modelId="{52DF342A-F95D-4B9C-8E0D-A8128243A28A}" type="presParOf" srcId="{9C52316E-239A-457A-92DF-B8E6FC67E25F}" destId="{8510E6E0-557E-4440-8D2B-D5C9F07FE076}" srcOrd="0" destOrd="0" presId="urn:microsoft.com/office/officeart/2005/8/layout/process3"/>
+    <dgm:cxn modelId="{A9458201-33DA-42D2-AC64-44B9744F0D18}" type="presParOf" srcId="{0313A622-6B40-4849-9BED-4B8A0978E4FD}" destId="{58F05D4C-AEFE-45AC-A2CA-7CD971BEAA02}" srcOrd="2" destOrd="0" presId="urn:microsoft.com/office/officeart/2005/8/layout/process3"/>
+    <dgm:cxn modelId="{7ADB704D-EB5E-4C4D-B2D2-1C35B00D348E}" type="presParOf" srcId="{58F05D4C-AEFE-45AC-A2CA-7CD971BEAA02}" destId="{2E37EBEB-4512-4AA5-9117-82BE9BEC65AA}" srcOrd="0" destOrd="0" presId="urn:microsoft.com/office/officeart/2005/8/layout/process3"/>
+    <dgm:cxn modelId="{CB467C43-25A1-47F1-BC3F-2441A67D5AF7}" type="presParOf" srcId="{58F05D4C-AEFE-45AC-A2CA-7CD971BEAA02}" destId="{3A189779-4595-4423-86FB-02442737315D}" srcOrd="1" destOrd="0" presId="urn:microsoft.com/office/officeart/2005/8/layout/process3"/>
+    <dgm:cxn modelId="{C6863C9B-4C36-4238-840A-48A0D4C2A0D0}" type="presParOf" srcId="{58F05D4C-AEFE-45AC-A2CA-7CD971BEAA02}" destId="{EBF29A06-C374-4A5D-AC33-B28917A82A62}" srcOrd="2" destOrd="0" presId="urn:microsoft.com/office/officeart/2005/8/layout/process3"/>
+    <dgm:cxn modelId="{4D9A39AB-7627-423F-8BBC-7987FF4FA93A}" type="presParOf" srcId="{0313A622-6B40-4849-9BED-4B8A0978E4FD}" destId="{2C0830CE-BD2B-4CCF-A4C7-7DE663BA6915}" srcOrd="3" destOrd="0" presId="urn:microsoft.com/office/officeart/2005/8/layout/process3"/>
+    <dgm:cxn modelId="{49E6007A-FC4A-4CE6-BB22-2E0A46942088}" type="presParOf" srcId="{2C0830CE-BD2B-4CCF-A4C7-7DE663BA6915}" destId="{927FF8E1-8EF0-4D04-AE89-73CD83392F45}" srcOrd="0" destOrd="0" presId="urn:microsoft.com/office/officeart/2005/8/layout/process3"/>
+    <dgm:cxn modelId="{F5A724D1-57AA-40F4-8AC6-837E47BC9848}" type="presParOf" srcId="{0313A622-6B40-4849-9BED-4B8A0978E4FD}" destId="{95DDC2F8-0DBE-4B8B-BD8E-5673DCC4DC69}" srcOrd="4" destOrd="0" presId="urn:microsoft.com/office/officeart/2005/8/layout/process3"/>
+    <dgm:cxn modelId="{5753E2D3-FD63-413F-9A1F-25454651A175}" type="presParOf" srcId="{95DDC2F8-0DBE-4B8B-BD8E-5673DCC4DC69}" destId="{D8792EF5-697F-4131-A4E8-022B0CC060AC}" srcOrd="0" destOrd="0" presId="urn:microsoft.com/office/officeart/2005/8/layout/process3"/>
+    <dgm:cxn modelId="{1E82190A-042D-46E8-8262-59176C5FB741}" type="presParOf" srcId="{95DDC2F8-0DBE-4B8B-BD8E-5673DCC4DC69}" destId="{0993691E-41BB-4601-89D2-8BB318A94E88}" srcOrd="1" destOrd="0" presId="urn:microsoft.com/office/officeart/2005/8/layout/process3"/>
+    <dgm:cxn modelId="{97DD7DEF-10BA-426F-B23D-9297849EFF74}" type="presParOf" srcId="{95DDC2F8-0DBE-4B8B-BD8E-5673DCC4DC69}" destId="{8177C29E-5EA5-4C95-97C2-A330D40F737E}" srcOrd="2" destOrd="0" presId="urn:microsoft.com/office/officeart/2005/8/layout/process3"/>
   </dgm:cxnLst>
   <dgm:bg/>
   <dgm:whole/>
@@ -1605,8 +2890,8 @@
       </dsp:nvSpPr>
       <dsp:spPr>
         <a:xfrm>
-          <a:off x="0" y="4436"/>
-          <a:ext cx="10753725" cy="430560"/>
+          <a:off x="0" y="21896"/>
+          <a:ext cx="10753725" cy="542880"/>
         </a:xfrm>
         <a:prstGeom prst="roundRect">
           <a:avLst/>
@@ -1676,8 +2961,8 @@
         </a:p>
       </dsp:txBody>
       <dsp:txXfrm>
-        <a:off x="21018" y="25454"/>
-        <a:ext cx="10711689" cy="388524"/>
+        <a:off x="26501" y="48397"/>
+        <a:ext cx="10700723" cy="489878"/>
       </dsp:txXfrm>
     </dsp:sp>
     <dsp:sp modelId="{53081B3C-C570-4D1C-908B-74CCD314CB3D}">
@@ -1687,8 +2972,8 @@
       </dsp:nvSpPr>
       <dsp:spPr>
         <a:xfrm>
-          <a:off x="0" y="481076"/>
-          <a:ext cx="10753725" cy="430560"/>
+          <a:off x="0" y="648296"/>
+          <a:ext cx="10753725" cy="542880"/>
         </a:xfrm>
         <a:prstGeom prst="roundRect">
           <a:avLst/>
@@ -1762,8 +3047,8 @@
         </a:p>
       </dsp:txBody>
       <dsp:txXfrm>
-        <a:off x="21018" y="502094"/>
-        <a:ext cx="10711689" cy="388524"/>
+        <a:off x="26501" y="674797"/>
+        <a:ext cx="10700723" cy="489878"/>
       </dsp:txXfrm>
     </dsp:sp>
     <dsp:sp modelId="{660D76B8-6F03-4116-82D1-6664C79091FB}">
@@ -1773,8 +3058,8 @@
       </dsp:nvSpPr>
       <dsp:spPr>
         <a:xfrm>
-          <a:off x="0" y="911636"/>
-          <a:ext cx="10753725" cy="960480"/>
+          <a:off x="0" y="1191176"/>
+          <a:ext cx="10753725" cy="1200599"/>
         </a:xfrm>
         <a:prstGeom prst="rect">
           <a:avLst/>
@@ -1817,7 +3102,7 @@
           </a:pPr>
           <a:r>
             <a:rPr lang="en-US" sz="1400" b="0" kern="1200" dirty="0"/>
-            <a:t>5-6 </a:t>
+            <a:t>7-8 </a:t>
           </a:r>
           <a:r>
             <a:rPr lang="en-US" sz="1400" b="0" kern="1200" dirty="0" err="1"/>
@@ -1844,7 +3129,7 @@
           </a:pPr>
           <a:r>
             <a:rPr lang="en-US" sz="1400" b="0" kern="1200" dirty="0"/>
-            <a:t>4 questions, 2 graded. 10 points. Might have bonus.</a:t>
+            <a:t>10 points. Might have bonus.</a:t>
           </a:r>
           <a:endParaRPr lang="en-US" sz="1400" kern="1200" dirty="0"/>
         </a:p>
@@ -1862,10 +3147,10 @@
             <a:buChar char="•"/>
           </a:pPr>
           <a:r>
-            <a:rPr lang="en-US" sz="1400" b="0" kern="1200"/>
+            <a:rPr lang="en-US" sz="1400" b="0" kern="1200" dirty="0"/>
             <a:t>Can work in groups of 2.</a:t>
           </a:r>
-          <a:endParaRPr lang="en-US" sz="1400" kern="1200"/>
+          <a:endParaRPr lang="en-US" sz="1400" kern="1200" dirty="0"/>
         </a:p>
         <a:p>
           <a:pPr marL="114300" lvl="1" indent="-114300" algn="l" defTabSz="622300">
@@ -1881,18 +3166,36 @@
             <a:buChar char="•"/>
           </a:pPr>
           <a:r>
-            <a:rPr lang="en-US" sz="1400" b="0" kern="1200"/>
+            <a:rPr lang="en-US" sz="1400" b="0" kern="1200" dirty="0"/>
             <a:t>Late by a day, 2 points reduced.</a:t>
           </a:r>
           <a:r>
-            <a:rPr lang="en-US" sz="1400" kern="1200"/>
+            <a:rPr lang="en-US" sz="1400" kern="1200" dirty="0"/>
             <a:t> 2 days – 8 pts.</a:t>
+          </a:r>
+        </a:p>
+        <a:p>
+          <a:pPr marL="114300" lvl="1" indent="-114300" algn="l" defTabSz="622300">
+            <a:lnSpc>
+              <a:spcPct val="90000"/>
+            </a:lnSpc>
+            <a:spcBef>
+              <a:spcPct val="0"/>
+            </a:spcBef>
+            <a:spcAft>
+              <a:spcPct val="20000"/>
+            </a:spcAft>
+            <a:buChar char="•"/>
+          </a:pPr>
+          <a:r>
+            <a:rPr lang="en-US" sz="1400" kern="1200" dirty="0"/>
+            <a:t>Coding assignments.</a:t>
           </a:r>
         </a:p>
       </dsp:txBody>
       <dsp:txXfrm>
-        <a:off x="0" y="911636"/>
-        <a:ext cx="10753725" cy="960480"/>
+        <a:off x="0" y="1191176"/>
+        <a:ext cx="10753725" cy="1200599"/>
       </dsp:txXfrm>
     </dsp:sp>
     <dsp:sp modelId="{3B90A6A4-C39F-43AE-BCA9-29D0BDCA1CB4}">
@@ -1902,8 +3205,8 @@
       </dsp:nvSpPr>
       <dsp:spPr>
         <a:xfrm>
-          <a:off x="0" y="1872116"/>
-          <a:ext cx="10753725" cy="430560"/>
+          <a:off x="0" y="2391775"/>
+          <a:ext cx="10753725" cy="542880"/>
         </a:xfrm>
         <a:prstGeom prst="roundRect">
           <a:avLst/>
@@ -1973,8 +3276,8 @@
         </a:p>
       </dsp:txBody>
       <dsp:txXfrm>
-        <a:off x="21018" y="1893134"/>
-        <a:ext cx="10711689" cy="388524"/>
+        <a:off x="26501" y="2418276"/>
+        <a:ext cx="10700723" cy="489878"/>
       </dsp:txXfrm>
     </dsp:sp>
     <dsp:sp modelId="{717CC7DD-89F9-4FB4-BB8C-AA447A8464AD}">
@@ -1984,8 +3287,8 @@
       </dsp:nvSpPr>
       <dsp:spPr>
         <a:xfrm>
-          <a:off x="0" y="2302676"/>
-          <a:ext cx="10753725" cy="1457280"/>
+          <a:off x="0" y="2934656"/>
+          <a:ext cx="10753725" cy="480240"/>
         </a:xfrm>
         <a:prstGeom prst="rect">
           <a:avLst/>
@@ -2027,10 +3330,10 @@
             <a:buChar char="•"/>
           </a:pPr>
           <a:r>
-            <a:rPr lang="en-US" sz="1400" b="0" kern="1200"/>
+            <a:rPr lang="en-US" sz="1400" b="0" kern="1200" dirty="0"/>
             <a:t>Can work in groups of max 3.</a:t>
           </a:r>
-          <a:endParaRPr lang="en-US" sz="1400" kern="1200"/>
+          <a:endParaRPr lang="en-US" sz="1400" kern="1200" dirty="0"/>
         </a:p>
         <a:p>
           <a:pPr marL="114300" lvl="1" indent="-114300" algn="l" defTabSz="622300">
@@ -2047,90 +3350,14 @@
           </a:pPr>
           <a:r>
             <a:rPr lang="en-US" sz="1400" b="0" kern="1200" dirty="0"/>
-            <a:t>Topics can be selected from the following or by the group: </a:t>
-          </a:r>
-          <a:endParaRPr lang="en-US" sz="1400" kern="1200" dirty="0"/>
-        </a:p>
-        <a:p>
-          <a:pPr marL="228600" lvl="2" indent="-114300" algn="l" defTabSz="622300">
-            <a:lnSpc>
-              <a:spcPct val="90000"/>
-            </a:lnSpc>
-            <a:spcBef>
-              <a:spcPct val="0"/>
-            </a:spcBef>
-            <a:spcAft>
-              <a:spcPct val="20000"/>
-            </a:spcAft>
-            <a:buChar char="•"/>
-          </a:pPr>
-          <a:r>
-            <a:rPr lang="en-US" sz="1400" b="0" kern="1200" dirty="0"/>
-            <a:t>A graphic equalizer</a:t>
-          </a:r>
-          <a:endParaRPr lang="en-US" sz="1400" kern="1200" dirty="0"/>
-        </a:p>
-        <a:p>
-          <a:pPr marL="228600" lvl="2" indent="-114300" algn="l" defTabSz="622300">
-            <a:lnSpc>
-              <a:spcPct val="90000"/>
-            </a:lnSpc>
-            <a:spcBef>
-              <a:spcPct val="0"/>
-            </a:spcBef>
-            <a:spcAft>
-              <a:spcPct val="20000"/>
-            </a:spcAft>
-            <a:buChar char="•"/>
-          </a:pPr>
-          <a:r>
-            <a:rPr lang="en-US" sz="1400" b="0" kern="1200" dirty="0"/>
-            <a:t>Denoising</a:t>
-          </a:r>
-          <a:endParaRPr lang="en-US" sz="1400" kern="1200" dirty="0"/>
-        </a:p>
-        <a:p>
-          <a:pPr marL="228600" lvl="2" indent="-114300" algn="l" defTabSz="622300">
-            <a:lnSpc>
-              <a:spcPct val="90000"/>
-            </a:lnSpc>
-            <a:spcBef>
-              <a:spcPct val="0"/>
-            </a:spcBef>
-            <a:spcAft>
-              <a:spcPct val="20000"/>
-            </a:spcAft>
-            <a:buChar char="•"/>
-          </a:pPr>
-          <a:r>
-            <a:rPr lang="en-US" sz="1400" b="0" kern="1200" dirty="0"/>
-            <a:t>Image compression</a:t>
-          </a:r>
-          <a:endParaRPr lang="en-US" sz="1400" kern="1200" dirty="0"/>
-        </a:p>
-        <a:p>
-          <a:pPr marL="228600" lvl="2" indent="-114300" algn="l" defTabSz="622300">
-            <a:lnSpc>
-              <a:spcPct val="90000"/>
-            </a:lnSpc>
-            <a:spcBef>
-              <a:spcPct val="0"/>
-            </a:spcBef>
-            <a:spcAft>
-              <a:spcPct val="20000"/>
-            </a:spcAft>
-            <a:buChar char="•"/>
-          </a:pPr>
-          <a:r>
-            <a:rPr lang="en-US" sz="1400" b="0" kern="1200" dirty="0"/>
-            <a:t>Speech coding</a:t>
+            <a:t>Topic(s), description will be given.</a:t>
           </a:r>
           <a:endParaRPr lang="en-US" sz="1400" kern="1200" dirty="0"/>
         </a:p>
       </dsp:txBody>
       <dsp:txXfrm>
-        <a:off x="0" y="2302676"/>
-        <a:ext cx="10753725" cy="1457280"/>
+        <a:off x="0" y="2934656"/>
+        <a:ext cx="10753725" cy="480240"/>
       </dsp:txXfrm>
     </dsp:sp>
     <dsp:sp modelId="{43378748-229B-43E0-8DCB-93059880AE5B}">
@@ -2140,8 +3367,8 @@
       </dsp:nvSpPr>
       <dsp:spPr>
         <a:xfrm>
-          <a:off x="0" y="3759956"/>
-          <a:ext cx="10753725" cy="430560"/>
+          <a:off x="0" y="3414896"/>
+          <a:ext cx="10753725" cy="542880"/>
         </a:xfrm>
         <a:prstGeom prst="roundRect">
           <a:avLst/>
@@ -2207,8 +3434,8 @@
         </a:p>
       </dsp:txBody>
       <dsp:txXfrm>
-        <a:off x="21018" y="3780974"/>
-        <a:ext cx="10711689" cy="388524"/>
+        <a:off x="26501" y="3441397"/>
+        <a:ext cx="10700723" cy="489878"/>
       </dsp:txXfrm>
     </dsp:sp>
     <dsp:sp modelId="{C8EB78CE-2E10-4419-8E51-4F067E26A1F7}">
@@ -2218,8 +3445,8 @@
       </dsp:nvSpPr>
       <dsp:spPr>
         <a:xfrm>
-          <a:off x="0" y="4190516"/>
-          <a:ext cx="10753725" cy="264960"/>
+          <a:off x="0" y="3957775"/>
+          <a:ext cx="10753725" cy="480240"/>
         </a:xfrm>
         <a:prstGeom prst="rect">
           <a:avLst/>
@@ -2268,8 +3495,823 @@
         </a:p>
       </dsp:txBody>
       <dsp:txXfrm>
-        <a:off x="0" y="4190516"/>
-        <a:ext cx="10753725" cy="264960"/>
+        <a:off x="0" y="3957775"/>
+        <a:ext cx="10753725" cy="480240"/>
+      </dsp:txXfrm>
+    </dsp:sp>
+  </dsp:spTree>
+</dsp:drawing>
+</file>
+
+<file path=ppt/diagrams/drawing2.xml><?xml version="1.0" encoding="utf-8"?>
+<dsp:drawing xmlns:dgm="http://schemas.openxmlformats.org/drawingml/2006/diagram" xmlns:dsp="http://schemas.microsoft.com/office/drawing/2008/diagram" xmlns:a="http://schemas.openxmlformats.org/drawingml/2006/main">
+  <dsp:spTree>
+    <dsp:nvGrpSpPr>
+      <dsp:cNvPr id="0" name=""/>
+      <dsp:cNvGrpSpPr/>
+    </dsp:nvGrpSpPr>
+    <dsp:grpSpPr/>
+    <dsp:sp modelId="{225F7E4D-625A-491C-9707-B8C0B3425B25}">
+      <dsp:nvSpPr>
+        <dsp:cNvPr id="0" name=""/>
+        <dsp:cNvSpPr/>
+      </dsp:nvSpPr>
+      <dsp:spPr>
+        <a:xfrm>
+          <a:off x="637" y="522768"/>
+          <a:ext cx="2248830" cy="1209600"/>
+        </a:xfrm>
+        <a:prstGeom prst="roundRect">
+          <a:avLst>
+            <a:gd name="adj" fmla="val 10000"/>
+          </a:avLst>
+        </a:prstGeom>
+        <a:solidFill>
+          <a:schemeClr val="accent1">
+            <a:hueOff val="0"/>
+            <a:satOff val="0"/>
+            <a:lumOff val="0"/>
+            <a:alphaOff val="0"/>
+          </a:schemeClr>
+        </a:solidFill>
+        <a:ln w="12700" cap="flat" cmpd="sng" algn="ctr">
+          <a:solidFill>
+            <a:schemeClr val="lt1">
+              <a:hueOff val="0"/>
+              <a:satOff val="0"/>
+              <a:lumOff val="0"/>
+              <a:alphaOff val="0"/>
+            </a:schemeClr>
+          </a:solidFill>
+          <a:prstDash val="solid"/>
+        </a:ln>
+        <a:effectLst/>
+      </dsp:spPr>
+      <dsp:style>
+        <a:lnRef idx="2">
+          <a:scrgbClr r="0" g="0" b="0"/>
+        </a:lnRef>
+        <a:fillRef idx="1">
+          <a:scrgbClr r="0" g="0" b="0"/>
+        </a:fillRef>
+        <a:effectRef idx="0">
+          <a:scrgbClr r="0" g="0" b="0"/>
+        </a:effectRef>
+        <a:fontRef idx="minor">
+          <a:schemeClr val="lt1"/>
+        </a:fontRef>
+      </dsp:style>
+      <dsp:txBody>
+        <a:bodyPr spcFirstLastPara="0" vert="horz" wrap="square" lIns="199136" tIns="199136" rIns="199136" bIns="106680" numCol="1" spcCol="1270" anchor="t" anchorCtr="0">
+          <a:noAutofit/>
+        </a:bodyPr>
+        <a:lstStyle/>
+        <a:p>
+          <a:pPr marL="0" lvl="0" indent="0" algn="l" defTabSz="1244600">
+            <a:lnSpc>
+              <a:spcPct val="90000"/>
+            </a:lnSpc>
+            <a:spcBef>
+              <a:spcPct val="0"/>
+            </a:spcBef>
+            <a:spcAft>
+              <a:spcPct val="35000"/>
+            </a:spcAft>
+            <a:buNone/>
+          </a:pPr>
+          <a:r>
+            <a:rPr lang="en-US" sz="2800" kern="1200" dirty="0"/>
+            <a:t>Sampling</a:t>
+          </a:r>
+        </a:p>
+      </dsp:txBody>
+      <dsp:txXfrm>
+        <a:off x="637" y="522768"/>
+        <a:ext cx="2248830" cy="806400"/>
+      </dsp:txXfrm>
+    </dsp:sp>
+    <dsp:sp modelId="{1966750B-1903-4B02-BE4E-B797A405CB68}">
+      <dsp:nvSpPr>
+        <dsp:cNvPr id="0" name=""/>
+        <dsp:cNvSpPr/>
+      </dsp:nvSpPr>
+      <dsp:spPr>
+        <a:xfrm>
+          <a:off x="461241" y="1329168"/>
+          <a:ext cx="2248830" cy="1915200"/>
+        </a:xfrm>
+        <a:prstGeom prst="roundRect">
+          <a:avLst>
+            <a:gd name="adj" fmla="val 10000"/>
+          </a:avLst>
+        </a:prstGeom>
+        <a:solidFill>
+          <a:schemeClr val="lt1">
+            <a:alpha val="90000"/>
+            <a:hueOff val="0"/>
+            <a:satOff val="0"/>
+            <a:lumOff val="0"/>
+            <a:alphaOff val="0"/>
+          </a:schemeClr>
+        </a:solidFill>
+        <a:ln w="12700" cap="flat" cmpd="sng" algn="ctr">
+          <a:solidFill>
+            <a:schemeClr val="accent1">
+              <a:hueOff val="0"/>
+              <a:satOff val="0"/>
+              <a:lumOff val="0"/>
+              <a:alphaOff val="0"/>
+            </a:schemeClr>
+          </a:solidFill>
+          <a:prstDash val="solid"/>
+        </a:ln>
+        <a:effectLst/>
+      </dsp:spPr>
+      <dsp:style>
+        <a:lnRef idx="2">
+          <a:scrgbClr r="0" g="0" b="0"/>
+        </a:lnRef>
+        <a:fillRef idx="1">
+          <a:scrgbClr r="0" g="0" b="0"/>
+        </a:fillRef>
+        <a:effectRef idx="0">
+          <a:scrgbClr r="0" g="0" b="0"/>
+        </a:effectRef>
+        <a:fontRef idx="minor"/>
+      </dsp:style>
+      <dsp:txBody>
+        <a:bodyPr spcFirstLastPara="0" vert="horz" wrap="square" lIns="170688" tIns="170688" rIns="170688" bIns="170688" numCol="1" spcCol="1270" anchor="t" anchorCtr="0">
+          <a:noAutofit/>
+        </a:bodyPr>
+        <a:lstStyle/>
+        <a:p>
+          <a:pPr marL="228600" lvl="1" indent="-228600" algn="l" defTabSz="1066800">
+            <a:lnSpc>
+              <a:spcPct val="90000"/>
+            </a:lnSpc>
+            <a:spcBef>
+              <a:spcPct val="0"/>
+            </a:spcBef>
+            <a:spcAft>
+              <a:spcPct val="15000"/>
+            </a:spcAft>
+            <a:buChar char="•"/>
+          </a:pPr>
+          <a:r>
+            <a:rPr lang="en-US" sz="2400" kern="1200" dirty="0"/>
+            <a:t>Fs/2&gt;F</a:t>
+          </a:r>
+          <a:r>
+            <a:rPr lang="en-US" sz="2400" kern="1200" baseline="-25000" dirty="0"/>
+            <a:t>max</a:t>
+          </a:r>
+        </a:p>
+        <a:p>
+          <a:pPr marL="228600" lvl="1" indent="-228600" algn="l" defTabSz="1066800">
+            <a:lnSpc>
+              <a:spcPct val="90000"/>
+            </a:lnSpc>
+            <a:spcBef>
+              <a:spcPct val="0"/>
+            </a:spcBef>
+            <a:spcAft>
+              <a:spcPct val="15000"/>
+            </a:spcAft>
+            <a:buChar char="•"/>
+          </a:pPr>
+          <a:r>
+            <a:rPr lang="en-US" sz="2400" kern="1200" baseline="0" dirty="0"/>
+            <a:t>-1/2&lt;f&lt;1/2</a:t>
+          </a:r>
+        </a:p>
+      </dsp:txBody>
+      <dsp:txXfrm>
+        <a:off x="517335" y="1385262"/>
+        <a:ext cx="2136642" cy="1803012"/>
+      </dsp:txXfrm>
+    </dsp:sp>
+    <dsp:sp modelId="{9C52316E-239A-457A-92DF-B8E6FC67E25F}">
+      <dsp:nvSpPr>
+        <dsp:cNvPr id="0" name=""/>
+        <dsp:cNvSpPr/>
+      </dsp:nvSpPr>
+      <dsp:spPr>
+        <a:xfrm>
+          <a:off x="2635062" y="646021"/>
+          <a:ext cx="817458" cy="559893"/>
+        </a:xfrm>
+        <a:prstGeom prst="rightArrow">
+          <a:avLst>
+            <a:gd name="adj1" fmla="val 60000"/>
+            <a:gd name="adj2" fmla="val 50000"/>
+          </a:avLst>
+        </a:prstGeom>
+        <a:solidFill>
+          <a:schemeClr val="accent1">
+            <a:tint val="60000"/>
+            <a:hueOff val="0"/>
+            <a:satOff val="0"/>
+            <a:lumOff val="0"/>
+            <a:alphaOff val="0"/>
+          </a:schemeClr>
+        </a:solidFill>
+        <a:ln>
+          <a:noFill/>
+        </a:ln>
+        <a:effectLst/>
+      </dsp:spPr>
+      <dsp:style>
+        <a:lnRef idx="0">
+          <a:scrgbClr r="0" g="0" b="0"/>
+        </a:lnRef>
+        <a:fillRef idx="1">
+          <a:scrgbClr r="0" g="0" b="0"/>
+        </a:fillRef>
+        <a:effectRef idx="0">
+          <a:scrgbClr r="0" g="0" b="0"/>
+        </a:effectRef>
+        <a:fontRef idx="minor">
+          <a:schemeClr val="lt1"/>
+        </a:fontRef>
+      </dsp:style>
+      <dsp:txBody>
+        <a:bodyPr spcFirstLastPara="0" vert="horz" wrap="square" lIns="0" tIns="0" rIns="0" bIns="0" numCol="1" spcCol="1270" anchor="ctr" anchorCtr="0">
+          <a:noAutofit/>
+        </a:bodyPr>
+        <a:lstStyle/>
+        <a:p>
+          <a:pPr marL="0" lvl="0" indent="0" algn="ctr" defTabSz="977900">
+            <a:lnSpc>
+              <a:spcPct val="90000"/>
+            </a:lnSpc>
+            <a:spcBef>
+              <a:spcPct val="0"/>
+            </a:spcBef>
+            <a:spcAft>
+              <a:spcPct val="35000"/>
+            </a:spcAft>
+            <a:buNone/>
+          </a:pPr>
+          <a:endParaRPr lang="en-US" sz="2200" kern="1200"/>
+        </a:p>
+      </dsp:txBody>
+      <dsp:txXfrm>
+        <a:off x="2635062" y="758000"/>
+        <a:ext cx="649490" cy="335935"/>
+      </dsp:txXfrm>
+    </dsp:sp>
+    <dsp:sp modelId="{3A189779-4595-4423-86FB-02442737315D}">
+      <dsp:nvSpPr>
+        <dsp:cNvPr id="0" name=""/>
+        <dsp:cNvSpPr/>
+      </dsp:nvSpPr>
+      <dsp:spPr>
+        <a:xfrm>
+          <a:off x="3791843" y="522768"/>
+          <a:ext cx="2248830" cy="1209600"/>
+        </a:xfrm>
+        <a:prstGeom prst="roundRect">
+          <a:avLst>
+            <a:gd name="adj" fmla="val 10000"/>
+          </a:avLst>
+        </a:prstGeom>
+        <a:solidFill>
+          <a:schemeClr val="accent1">
+            <a:hueOff val="0"/>
+            <a:satOff val="0"/>
+            <a:lumOff val="0"/>
+            <a:alphaOff val="0"/>
+          </a:schemeClr>
+        </a:solidFill>
+        <a:ln w="12700" cap="flat" cmpd="sng" algn="ctr">
+          <a:solidFill>
+            <a:schemeClr val="lt1">
+              <a:hueOff val="0"/>
+              <a:satOff val="0"/>
+              <a:lumOff val="0"/>
+              <a:alphaOff val="0"/>
+            </a:schemeClr>
+          </a:solidFill>
+          <a:prstDash val="solid"/>
+        </a:ln>
+        <a:effectLst/>
+      </dsp:spPr>
+      <dsp:style>
+        <a:lnRef idx="2">
+          <a:scrgbClr r="0" g="0" b="0"/>
+        </a:lnRef>
+        <a:fillRef idx="1">
+          <a:scrgbClr r="0" g="0" b="0"/>
+        </a:fillRef>
+        <a:effectRef idx="0">
+          <a:scrgbClr r="0" g="0" b="0"/>
+        </a:effectRef>
+        <a:fontRef idx="minor">
+          <a:schemeClr val="lt1"/>
+        </a:fontRef>
+      </dsp:style>
+      <dsp:txBody>
+        <a:bodyPr spcFirstLastPara="0" vert="horz" wrap="square" lIns="199136" tIns="199136" rIns="199136" bIns="106680" numCol="1" spcCol="1270" anchor="t" anchorCtr="0">
+          <a:noAutofit/>
+        </a:bodyPr>
+        <a:lstStyle/>
+        <a:p>
+          <a:pPr marL="0" lvl="0" indent="0" algn="l" defTabSz="1244600">
+            <a:lnSpc>
+              <a:spcPct val="90000"/>
+            </a:lnSpc>
+            <a:spcBef>
+              <a:spcPct val="0"/>
+            </a:spcBef>
+            <a:spcAft>
+              <a:spcPct val="35000"/>
+            </a:spcAft>
+            <a:buNone/>
+          </a:pPr>
+          <a:r>
+            <a:rPr lang="en-US" sz="2800" kern="1200" dirty="0"/>
+            <a:t>Quantization</a:t>
+          </a:r>
+        </a:p>
+      </dsp:txBody>
+      <dsp:txXfrm>
+        <a:off x="3791843" y="522768"/>
+        <a:ext cx="2248830" cy="806400"/>
+      </dsp:txXfrm>
+    </dsp:sp>
+    <dsp:sp modelId="{EBF29A06-C374-4A5D-AC33-B28917A82A62}">
+      <dsp:nvSpPr>
+        <dsp:cNvPr id="0" name=""/>
+        <dsp:cNvSpPr/>
+      </dsp:nvSpPr>
+      <dsp:spPr>
+        <a:xfrm>
+          <a:off x="3655989" y="1350427"/>
+          <a:ext cx="3527470" cy="1915200"/>
+        </a:xfrm>
+        <a:prstGeom prst="roundRect">
+          <a:avLst>
+            <a:gd name="adj" fmla="val 10000"/>
+          </a:avLst>
+        </a:prstGeom>
+        <a:solidFill>
+          <a:schemeClr val="lt1">
+            <a:alpha val="90000"/>
+            <a:hueOff val="0"/>
+            <a:satOff val="0"/>
+            <a:lumOff val="0"/>
+            <a:alphaOff val="0"/>
+          </a:schemeClr>
+        </a:solidFill>
+        <a:ln w="12700" cap="flat" cmpd="sng" algn="ctr">
+          <a:solidFill>
+            <a:schemeClr val="accent1">
+              <a:hueOff val="0"/>
+              <a:satOff val="0"/>
+              <a:lumOff val="0"/>
+              <a:alphaOff val="0"/>
+            </a:schemeClr>
+          </a:solidFill>
+          <a:prstDash val="solid"/>
+        </a:ln>
+        <a:effectLst/>
+      </dsp:spPr>
+      <dsp:style>
+        <a:lnRef idx="2">
+          <a:scrgbClr r="0" g="0" b="0"/>
+        </a:lnRef>
+        <a:fillRef idx="1">
+          <a:scrgbClr r="0" g="0" b="0"/>
+        </a:fillRef>
+        <a:effectRef idx="0">
+          <a:scrgbClr r="0" g="0" b="0"/>
+        </a:effectRef>
+        <a:fontRef idx="minor"/>
+      </dsp:style>
+      <dsp:txBody>
+        <a:bodyPr spcFirstLastPara="0" vert="horz" wrap="square" lIns="142240" tIns="142240" rIns="142240" bIns="142240" numCol="1" spcCol="1270" anchor="t" anchorCtr="0">
+          <a:noAutofit/>
+        </a:bodyPr>
+        <a:lstStyle/>
+        <a:p>
+          <a:pPr marL="228600" lvl="1" indent="-228600" algn="l" defTabSz="889000">
+            <a:lnSpc>
+              <a:spcPct val="90000"/>
+            </a:lnSpc>
+            <a:spcBef>
+              <a:spcPct val="0"/>
+            </a:spcBef>
+            <a:spcAft>
+              <a:spcPct val="15000"/>
+            </a:spcAft>
+            <a:buChar char="•"/>
+          </a:pPr>
+          <a:r>
+            <a:rPr lang="en-US" sz="2000" kern="1200" baseline="0" dirty="0" err="1">
+              <a:latin typeface="Consolas" panose="020B0609020204030204" pitchFamily="49" charset="0"/>
+            </a:rPr>
+            <a:t>x</a:t>
+          </a:r>
+          <a:r>
+            <a:rPr lang="en-US" sz="2000" kern="1200" baseline="-25000" dirty="0" err="1">
+              <a:latin typeface="Consolas" panose="020B0609020204030204" pitchFamily="49" charset="0"/>
+            </a:rPr>
+            <a:t>max</a:t>
+          </a:r>
+          <a:r>
+            <a:rPr lang="en-US" sz="2000" kern="1200" baseline="0" dirty="0">
+              <a:latin typeface="Consolas" panose="020B0609020204030204" pitchFamily="49" charset="0"/>
+            </a:rPr>
+            <a:t>, </a:t>
+          </a:r>
+          <a:r>
+            <a:rPr lang="en-US" sz="2000" kern="1200" baseline="0" dirty="0" err="1">
+              <a:latin typeface="Consolas" panose="020B0609020204030204" pitchFamily="49" charset="0"/>
+            </a:rPr>
+            <a:t>x</a:t>
+          </a:r>
+          <a:r>
+            <a:rPr lang="en-US" sz="2000" kern="1200" baseline="-25000" dirty="0" err="1">
+              <a:latin typeface="Consolas" panose="020B0609020204030204" pitchFamily="49" charset="0"/>
+            </a:rPr>
+            <a:t>min</a:t>
+          </a:r>
+          <a:endParaRPr lang="en-US" sz="2000" kern="1200" dirty="0">
+            <a:latin typeface="Consolas" panose="020B0609020204030204" pitchFamily="49" charset="0"/>
+          </a:endParaRPr>
+        </a:p>
+        <a:p>
+          <a:pPr marL="228600" lvl="1" indent="-228600" algn="l" defTabSz="889000">
+            <a:lnSpc>
+              <a:spcPct val="90000"/>
+            </a:lnSpc>
+            <a:spcBef>
+              <a:spcPct val="0"/>
+            </a:spcBef>
+            <a:spcAft>
+              <a:spcPct val="15000"/>
+            </a:spcAft>
+            <a:buChar char="•"/>
+          </a:pPr>
+          <a:r>
+            <a:rPr lang="en-US" sz="2000" kern="1200" dirty="0">
+              <a:latin typeface="Consolas" panose="020B0609020204030204" pitchFamily="49" charset="0"/>
+            </a:rPr>
+            <a:t>L</a:t>
+          </a:r>
+        </a:p>
+        <a:p>
+          <a:pPr marL="228600" lvl="1" indent="-228600" algn="l" defTabSz="889000">
+            <a:lnSpc>
+              <a:spcPct val="90000"/>
+            </a:lnSpc>
+            <a:spcBef>
+              <a:spcPct val="0"/>
+            </a:spcBef>
+            <a:spcAft>
+              <a:spcPct val="15000"/>
+            </a:spcAft>
+            <a:buChar char="•"/>
+          </a:pPr>
+          <a:r>
+            <a:rPr lang="el-GR" sz="2000" kern="1200" dirty="0">
+              <a:latin typeface="Consolas" panose="020B0609020204030204" pitchFamily="49" charset="0"/>
+            </a:rPr>
+            <a:t>Δ</a:t>
+          </a:r>
+          <a:r>
+            <a:rPr lang="en-US" sz="2000" kern="1200" dirty="0">
+              <a:latin typeface="Consolas" panose="020B0609020204030204" pitchFamily="49" charset="0"/>
+            </a:rPr>
+            <a:t> = (</a:t>
+          </a:r>
+          <a:r>
+            <a:rPr lang="en-US" sz="2000" kern="1200" baseline="0" dirty="0" err="1">
+              <a:latin typeface="Consolas" panose="020B0609020204030204" pitchFamily="49" charset="0"/>
+            </a:rPr>
+            <a:t>x</a:t>
+          </a:r>
+          <a:r>
+            <a:rPr lang="en-US" sz="2000" kern="1200" baseline="-25000" dirty="0" err="1">
+              <a:latin typeface="Consolas" panose="020B0609020204030204" pitchFamily="49" charset="0"/>
+            </a:rPr>
+            <a:t>max</a:t>
+          </a:r>
+          <a:r>
+            <a:rPr lang="en-US" sz="2000" kern="1200" baseline="0" dirty="0">
+              <a:latin typeface="Consolas" panose="020B0609020204030204" pitchFamily="49" charset="0"/>
+            </a:rPr>
+            <a:t>- </a:t>
+          </a:r>
+          <a:r>
+            <a:rPr lang="en-US" sz="2000" kern="1200" baseline="0" dirty="0" err="1">
+              <a:latin typeface="Consolas" panose="020B0609020204030204" pitchFamily="49" charset="0"/>
+            </a:rPr>
+            <a:t>x</a:t>
+          </a:r>
+          <a:r>
+            <a:rPr lang="en-US" sz="2000" kern="1200" baseline="-25000" dirty="0" err="1">
+              <a:latin typeface="Consolas" panose="020B0609020204030204" pitchFamily="49" charset="0"/>
+            </a:rPr>
+            <a:t>min</a:t>
+          </a:r>
+          <a:r>
+            <a:rPr lang="en-US" sz="2000" kern="1200" baseline="0" dirty="0">
+              <a:latin typeface="Consolas" panose="020B0609020204030204" pitchFamily="49" charset="0"/>
+            </a:rPr>
+            <a:t>)/(L-1)</a:t>
+          </a:r>
+          <a:endParaRPr lang="en-US" sz="2000" kern="1200" dirty="0">
+            <a:latin typeface="Consolas" panose="020B0609020204030204" pitchFamily="49" charset="0"/>
+          </a:endParaRPr>
+        </a:p>
+        <a:p>
+          <a:pPr marL="228600" lvl="1" indent="-228600" algn="l" defTabSz="889000">
+            <a:lnSpc>
+              <a:spcPct val="90000"/>
+            </a:lnSpc>
+            <a:spcBef>
+              <a:spcPct val="0"/>
+            </a:spcBef>
+            <a:spcAft>
+              <a:spcPct val="15000"/>
+            </a:spcAft>
+            <a:buChar char="•"/>
+          </a:pPr>
+          <a:r>
+            <a:rPr lang="en-US" sz="2000" kern="1200" dirty="0">
+              <a:latin typeface="Consolas" panose="020B0609020204030204" pitchFamily="49" charset="0"/>
+            </a:rPr>
+            <a:t>L↑, error↓ </a:t>
+          </a:r>
+        </a:p>
+      </dsp:txBody>
+      <dsp:txXfrm>
+        <a:off x="3712083" y="1406521"/>
+        <a:ext cx="3415282" cy="1803012"/>
+      </dsp:txXfrm>
+    </dsp:sp>
+    <dsp:sp modelId="{2C0830CE-BD2B-4CCF-A4C7-7DE663BA6915}">
+      <dsp:nvSpPr>
+        <dsp:cNvPr id="0" name=""/>
+        <dsp:cNvSpPr/>
+      </dsp:nvSpPr>
+      <dsp:spPr>
+        <a:xfrm>
+          <a:off x="6541418" y="646021"/>
+          <a:ext cx="1061578" cy="559893"/>
+        </a:xfrm>
+        <a:prstGeom prst="rightArrow">
+          <a:avLst>
+            <a:gd name="adj1" fmla="val 60000"/>
+            <a:gd name="adj2" fmla="val 50000"/>
+          </a:avLst>
+        </a:prstGeom>
+        <a:solidFill>
+          <a:schemeClr val="accent1">
+            <a:tint val="60000"/>
+            <a:hueOff val="0"/>
+            <a:satOff val="0"/>
+            <a:lumOff val="0"/>
+            <a:alphaOff val="0"/>
+          </a:schemeClr>
+        </a:solidFill>
+        <a:ln>
+          <a:noFill/>
+        </a:ln>
+        <a:effectLst/>
+      </dsp:spPr>
+      <dsp:style>
+        <a:lnRef idx="0">
+          <a:scrgbClr r="0" g="0" b="0"/>
+        </a:lnRef>
+        <a:fillRef idx="1">
+          <a:scrgbClr r="0" g="0" b="0"/>
+        </a:fillRef>
+        <a:effectRef idx="0">
+          <a:scrgbClr r="0" g="0" b="0"/>
+        </a:effectRef>
+        <a:fontRef idx="minor">
+          <a:schemeClr val="lt1"/>
+        </a:fontRef>
+      </dsp:style>
+      <dsp:txBody>
+        <a:bodyPr spcFirstLastPara="0" vert="horz" wrap="square" lIns="0" tIns="0" rIns="0" bIns="0" numCol="1" spcCol="1270" anchor="ctr" anchorCtr="0">
+          <a:noAutofit/>
+        </a:bodyPr>
+        <a:lstStyle/>
+        <a:p>
+          <a:pPr marL="0" lvl="0" indent="0" algn="ctr" defTabSz="977900">
+            <a:lnSpc>
+              <a:spcPct val="90000"/>
+            </a:lnSpc>
+            <a:spcBef>
+              <a:spcPct val="0"/>
+            </a:spcBef>
+            <a:spcAft>
+              <a:spcPct val="35000"/>
+            </a:spcAft>
+            <a:buNone/>
+          </a:pPr>
+          <a:endParaRPr lang="en-US" sz="2200" kern="1200"/>
+        </a:p>
+      </dsp:txBody>
+      <dsp:txXfrm>
+        <a:off x="6541418" y="758000"/>
+        <a:ext cx="893610" cy="335935"/>
+      </dsp:txXfrm>
+    </dsp:sp>
+    <dsp:sp modelId="{0993691E-41BB-4601-89D2-8BB318A94E88}">
+      <dsp:nvSpPr>
+        <dsp:cNvPr id="0" name=""/>
+        <dsp:cNvSpPr/>
+      </dsp:nvSpPr>
+      <dsp:spPr>
+        <a:xfrm>
+          <a:off x="8043652" y="522768"/>
+          <a:ext cx="2248830" cy="1209600"/>
+        </a:xfrm>
+        <a:prstGeom prst="roundRect">
+          <a:avLst>
+            <a:gd name="adj" fmla="val 10000"/>
+          </a:avLst>
+        </a:prstGeom>
+        <a:solidFill>
+          <a:schemeClr val="accent1">
+            <a:hueOff val="0"/>
+            <a:satOff val="0"/>
+            <a:lumOff val="0"/>
+            <a:alphaOff val="0"/>
+          </a:schemeClr>
+        </a:solidFill>
+        <a:ln w="12700" cap="flat" cmpd="sng" algn="ctr">
+          <a:solidFill>
+            <a:schemeClr val="lt1">
+              <a:hueOff val="0"/>
+              <a:satOff val="0"/>
+              <a:lumOff val="0"/>
+              <a:alphaOff val="0"/>
+            </a:schemeClr>
+          </a:solidFill>
+          <a:prstDash val="solid"/>
+        </a:ln>
+        <a:effectLst/>
+      </dsp:spPr>
+      <dsp:style>
+        <a:lnRef idx="2">
+          <a:scrgbClr r="0" g="0" b="0"/>
+        </a:lnRef>
+        <a:fillRef idx="1">
+          <a:scrgbClr r="0" g="0" b="0"/>
+        </a:fillRef>
+        <a:effectRef idx="0">
+          <a:scrgbClr r="0" g="0" b="0"/>
+        </a:effectRef>
+        <a:fontRef idx="minor">
+          <a:schemeClr val="lt1"/>
+        </a:fontRef>
+      </dsp:style>
+      <dsp:txBody>
+        <a:bodyPr spcFirstLastPara="0" vert="horz" wrap="square" lIns="199136" tIns="199136" rIns="199136" bIns="106680" numCol="1" spcCol="1270" anchor="t" anchorCtr="0">
+          <a:noAutofit/>
+        </a:bodyPr>
+        <a:lstStyle/>
+        <a:p>
+          <a:pPr marL="0" lvl="0" indent="0" algn="l" defTabSz="1244600">
+            <a:lnSpc>
+              <a:spcPct val="90000"/>
+            </a:lnSpc>
+            <a:spcBef>
+              <a:spcPct val="0"/>
+            </a:spcBef>
+            <a:spcAft>
+              <a:spcPct val="35000"/>
+            </a:spcAft>
+            <a:buNone/>
+          </a:pPr>
+          <a:r>
+            <a:rPr lang="en-US" sz="2800" kern="1200" dirty="0"/>
+            <a:t>Coding</a:t>
+          </a:r>
+        </a:p>
+      </dsp:txBody>
+      <dsp:txXfrm>
+        <a:off x="8043652" y="522768"/>
+        <a:ext cx="2248830" cy="806400"/>
+      </dsp:txXfrm>
+    </dsp:sp>
+    <dsp:sp modelId="{8177C29E-5EA5-4C95-97C2-A330D40F737E}">
+      <dsp:nvSpPr>
+        <dsp:cNvPr id="0" name=""/>
+        <dsp:cNvSpPr/>
+      </dsp:nvSpPr>
+      <dsp:spPr>
+        <a:xfrm>
+          <a:off x="8504256" y="1329168"/>
+          <a:ext cx="2248830" cy="1915200"/>
+        </a:xfrm>
+        <a:prstGeom prst="roundRect">
+          <a:avLst>
+            <a:gd name="adj" fmla="val 10000"/>
+          </a:avLst>
+        </a:prstGeom>
+        <a:solidFill>
+          <a:schemeClr val="lt1">
+            <a:alpha val="90000"/>
+            <a:hueOff val="0"/>
+            <a:satOff val="0"/>
+            <a:lumOff val="0"/>
+            <a:alphaOff val="0"/>
+          </a:schemeClr>
+        </a:solidFill>
+        <a:ln w="12700" cap="flat" cmpd="sng" algn="ctr">
+          <a:solidFill>
+            <a:schemeClr val="accent1">
+              <a:hueOff val="0"/>
+              <a:satOff val="0"/>
+              <a:lumOff val="0"/>
+              <a:alphaOff val="0"/>
+            </a:schemeClr>
+          </a:solidFill>
+          <a:prstDash val="solid"/>
+        </a:ln>
+        <a:effectLst/>
+      </dsp:spPr>
+      <dsp:style>
+        <a:lnRef idx="2">
+          <a:scrgbClr r="0" g="0" b="0"/>
+        </a:lnRef>
+        <a:fillRef idx="1">
+          <a:scrgbClr r="0" g="0" b="0"/>
+        </a:fillRef>
+        <a:effectRef idx="0">
+          <a:scrgbClr r="0" g="0" b="0"/>
+        </a:effectRef>
+        <a:fontRef idx="minor"/>
+      </dsp:style>
+      <dsp:txBody>
+        <a:bodyPr spcFirstLastPara="0" vert="horz" wrap="square" lIns="142240" tIns="142240" rIns="142240" bIns="142240" numCol="1" spcCol="1270" anchor="t" anchorCtr="0">
+          <a:noAutofit/>
+        </a:bodyPr>
+        <a:lstStyle/>
+        <a:p>
+          <a:pPr marL="228600" lvl="1" indent="-228600" algn="l" defTabSz="889000">
+            <a:lnSpc>
+              <a:spcPct val="90000"/>
+            </a:lnSpc>
+            <a:spcBef>
+              <a:spcPct val="0"/>
+            </a:spcBef>
+            <a:spcAft>
+              <a:spcPct val="15000"/>
+            </a:spcAft>
+            <a:buChar char="•"/>
+          </a:pPr>
+          <a:r>
+            <a:rPr lang="en-US" sz="2000" kern="1200" dirty="0"/>
+            <a:t>Binary labels.</a:t>
+          </a:r>
+          <a:endParaRPr lang="en-US" sz="2800" kern="1200" dirty="0"/>
+        </a:p>
+        <a:p>
+          <a:pPr marL="228600" lvl="1" indent="-228600" algn="l" defTabSz="889000">
+            <a:lnSpc>
+              <a:spcPct val="90000"/>
+            </a:lnSpc>
+            <a:spcBef>
+              <a:spcPct val="0"/>
+            </a:spcBef>
+            <a:spcAft>
+              <a:spcPct val="15000"/>
+            </a:spcAft>
+            <a:buChar char="•"/>
+          </a:pPr>
+          <a:r>
+            <a:rPr lang="en-US" altLang="en-US" sz="2000" kern="1200" dirty="0"/>
+            <a:t>2</a:t>
+          </a:r>
+          <a:r>
+            <a:rPr lang="en-US" altLang="en-US" sz="2000" kern="1200" baseline="30000" dirty="0"/>
+            <a:t>b </a:t>
+          </a:r>
+          <a:r>
+            <a:rPr lang="en-US" altLang="en-US" sz="2000" kern="1200" dirty="0"/>
+            <a:t>≥ L or b ≥ log</a:t>
+          </a:r>
+          <a:r>
+            <a:rPr lang="en-US" altLang="en-US" sz="2000" kern="1200" baseline="-25000" dirty="0"/>
+            <a:t>2</a:t>
+          </a:r>
+          <a:r>
+            <a:rPr lang="en-US" altLang="en-US" sz="2000" kern="1200" dirty="0"/>
+            <a:t> L</a:t>
+          </a:r>
+          <a:endParaRPr lang="en-US" sz="2000" kern="1200" dirty="0"/>
+        </a:p>
+      </dsp:txBody>
+      <dsp:txXfrm>
+        <a:off x="8560350" y="1385262"/>
+        <a:ext cx="2136642" cy="1803012"/>
       </dsp:txXfrm>
     </dsp:sp>
   </dsp:spTree>
@@ -2443,7 +4485,1342 @@
 </dgm:layoutDef>
 </file>
 
+<file path=ppt/diagrams/layout2.xml><?xml version="1.0" encoding="utf-8"?>
+<dgm:layoutDef xmlns:dgm="http://schemas.openxmlformats.org/drawingml/2006/diagram" xmlns:a="http://schemas.openxmlformats.org/drawingml/2006/main" uniqueId="urn:microsoft.com/office/officeart/2005/8/layout/process3">
+  <dgm:title val=""/>
+  <dgm:desc val=""/>
+  <dgm:catLst>
+    <dgm:cat type="process" pri="2000"/>
+  </dgm:catLst>
+  <dgm:sampData>
+    <dgm:dataModel>
+      <dgm:ptLst>
+        <dgm:pt modelId="0" type="doc"/>
+        <dgm:pt modelId="1">
+          <dgm:prSet phldr="1"/>
+        </dgm:pt>
+        <dgm:pt modelId="11">
+          <dgm:prSet phldr="1"/>
+        </dgm:pt>
+        <dgm:pt modelId="2">
+          <dgm:prSet phldr="1"/>
+        </dgm:pt>
+        <dgm:pt modelId="21">
+          <dgm:prSet phldr="1"/>
+        </dgm:pt>
+        <dgm:pt modelId="3">
+          <dgm:prSet phldr="1"/>
+        </dgm:pt>
+        <dgm:pt modelId="31">
+          <dgm:prSet phldr="1"/>
+        </dgm:pt>
+      </dgm:ptLst>
+      <dgm:cxnLst>
+        <dgm:cxn modelId="4" srcId="0" destId="1" srcOrd="0" destOrd="0"/>
+        <dgm:cxn modelId="5" srcId="0" destId="2" srcOrd="1" destOrd="0"/>
+        <dgm:cxn modelId="6" srcId="0" destId="3" srcOrd="3" destOrd="0"/>
+        <dgm:cxn modelId="12" srcId="1" destId="11" srcOrd="0" destOrd="0"/>
+        <dgm:cxn modelId="23" srcId="2" destId="21" srcOrd="0" destOrd="0"/>
+        <dgm:cxn modelId="34" srcId="3" destId="31" srcOrd="0" destOrd="0"/>
+      </dgm:cxnLst>
+      <dgm:bg/>
+      <dgm:whole/>
+    </dgm:dataModel>
+  </dgm:sampData>
+  <dgm:styleData>
+    <dgm:dataModel>
+      <dgm:ptLst>
+        <dgm:pt modelId="0" type="doc"/>
+        <dgm:pt modelId="1">
+          <dgm:prSet phldr="1"/>
+        </dgm:pt>
+        <dgm:pt modelId="11">
+          <dgm:prSet phldr="1"/>
+        </dgm:pt>
+        <dgm:pt modelId="2">
+          <dgm:prSet phldr="1"/>
+        </dgm:pt>
+        <dgm:pt modelId="21">
+          <dgm:prSet phldr="1"/>
+        </dgm:pt>
+      </dgm:ptLst>
+      <dgm:cxnLst>
+        <dgm:cxn modelId="4" srcId="0" destId="1" srcOrd="0" destOrd="0"/>
+        <dgm:cxn modelId="5" srcId="0" destId="2" srcOrd="1" destOrd="0"/>
+        <dgm:cxn modelId="13" srcId="1" destId="11" srcOrd="0" destOrd="0"/>
+        <dgm:cxn modelId="23" srcId="2" destId="21" srcOrd="0" destOrd="0"/>
+      </dgm:cxnLst>
+      <dgm:bg/>
+      <dgm:whole/>
+    </dgm:dataModel>
+  </dgm:styleData>
+  <dgm:clrData>
+    <dgm:dataModel>
+      <dgm:ptLst>
+        <dgm:pt modelId="0" type="doc"/>
+        <dgm:pt modelId="1">
+          <dgm:prSet phldr="1"/>
+        </dgm:pt>
+        <dgm:pt modelId="11">
+          <dgm:prSet phldr="1"/>
+        </dgm:pt>
+        <dgm:pt modelId="2">
+          <dgm:prSet phldr="1"/>
+        </dgm:pt>
+        <dgm:pt modelId="21">
+          <dgm:prSet phldr="1"/>
+        </dgm:pt>
+        <dgm:pt modelId="3">
+          <dgm:prSet phldr="1"/>
+        </dgm:pt>
+        <dgm:pt modelId="31">
+          <dgm:prSet phldr="1"/>
+        </dgm:pt>
+        <dgm:pt modelId="4">
+          <dgm:prSet phldr="1"/>
+        </dgm:pt>
+        <dgm:pt modelId="41">
+          <dgm:prSet phldr="1"/>
+        </dgm:pt>
+      </dgm:ptLst>
+      <dgm:cxnLst>
+        <dgm:cxn modelId="5" srcId="0" destId="1" srcOrd="0" destOrd="0"/>
+        <dgm:cxn modelId="6" srcId="0" destId="2" srcOrd="1" destOrd="0"/>
+        <dgm:cxn modelId="7" srcId="0" destId="3" srcOrd="2" destOrd="0"/>
+        <dgm:cxn modelId="8" srcId="0" destId="4" srcOrd="3" destOrd="0"/>
+        <dgm:cxn modelId="13" srcId="1" destId="11" srcOrd="0" destOrd="0"/>
+        <dgm:cxn modelId="23" srcId="2" destId="21" srcOrd="0" destOrd="0"/>
+        <dgm:cxn modelId="33" srcId="3" destId="31" srcOrd="0" destOrd="0"/>
+        <dgm:cxn modelId="43" srcId="4" destId="41" srcOrd="0" destOrd="0"/>
+      </dgm:cxnLst>
+      <dgm:bg/>
+      <dgm:whole/>
+    </dgm:dataModel>
+  </dgm:clrData>
+  <dgm:layoutNode name="linearFlow">
+    <dgm:varLst>
+      <dgm:dir/>
+      <dgm:animLvl val="lvl"/>
+      <dgm:resizeHandles val="exact"/>
+    </dgm:varLst>
+    <dgm:choose name="Name0">
+      <dgm:if name="Name1" func="var" arg="dir" op="equ" val="norm">
+        <dgm:alg type="lin"/>
+      </dgm:if>
+      <dgm:else name="Name2">
+        <dgm:alg type="lin">
+          <dgm:param type="linDir" val="fromR"/>
+        </dgm:alg>
+      </dgm:else>
+    </dgm:choose>
+    <dgm:shape xmlns:r="http://schemas.openxmlformats.org/officeDocument/2006/relationships" r:blip="">
+      <dgm:adjLst/>
+    </dgm:shape>
+    <dgm:presOf/>
+    <dgm:constrLst>
+      <dgm:constr type="w" for="ch" forName="composite" refType="w"/>
+      <dgm:constr type="w" for="ch" ptType="sibTrans" refType="w" refFor="ch" refForName="composite" fact="0.3333"/>
+      <dgm:constr type="w" for="des" forName="parTx"/>
+      <dgm:constr type="h" for="des" forName="parTx" op="equ"/>
+      <dgm:constr type="h" for="des" forName="parSh" op="equ"/>
+      <dgm:constr type="w" for="des" forName="desTx"/>
+      <dgm:constr type="h" for="des" forName="desTx" op="equ"/>
+      <dgm:constr type="w" for="des" forName="parSh"/>
+      <dgm:constr type="primFontSz" for="des" forName="parTx" val="65"/>
+      <dgm:constr type="secFontSz" for="des" forName="desTx" refType="primFontSz" refFor="des" refForName="parTx" op="equ"/>
+      <dgm:constr type="primFontSz" for="des" forName="connTx" refType="primFontSz" refFor="des" refForName="parTx" fact="0.8"/>
+      <dgm:constr type="primFontSz" for="des" forName="connTx" refType="primFontSz" refFor="des" refForName="parTx" op="lte" fact="0.8"/>
+      <dgm:constr type="h" for="des" forName="parTx" refType="primFontSz" refFor="des" refForName="parTx" fact="0.8"/>
+      <dgm:constr type="h" for="des" forName="parSh" refType="primFontSz" refFor="des" refForName="parTx" fact="1.2"/>
+      <dgm:constr type="h" for="des" forName="desTx" refType="primFontSz" refFor="des" refForName="parTx" fact="1.6"/>
+      <dgm:constr type="h" for="des" forName="parSh" refType="h" refFor="des" refForName="parTx" op="lte" fact="1.5"/>
+      <dgm:constr type="h" for="des" forName="parSh" refType="h" refFor="des" refForName="parTx" op="gte" fact="1.5"/>
+    </dgm:constrLst>
+    <dgm:ruleLst>
+      <dgm:rule type="w" for="ch" forName="composite" val="0" fact="NaN" max="NaN"/>
+      <dgm:rule type="primFontSz" for="des" forName="parTx" val="5" fact="NaN" max="NaN"/>
+    </dgm:ruleLst>
+    <dgm:forEach name="Name3" axis="ch" ptType="node">
+      <dgm:layoutNode name="composite">
+        <dgm:alg type="composite"/>
+        <dgm:shape xmlns:r="http://schemas.openxmlformats.org/officeDocument/2006/relationships" r:blip="">
+          <dgm:adjLst/>
+        </dgm:shape>
+        <dgm:presOf/>
+        <dgm:choose name="Name4">
+          <dgm:if name="Name5" func="var" arg="dir" op="equ" val="norm">
+            <dgm:constrLst>
+              <dgm:constr type="h" refType="w" fact="1000"/>
+              <dgm:constr type="l" for="ch" forName="parTx"/>
+              <dgm:constr type="w" for="ch" forName="parTx" refType="w" fact="0.83"/>
+              <dgm:constr type="t" for="ch" forName="parTx"/>
+              <dgm:constr type="l" for="ch" forName="parSh"/>
+              <dgm:constr type="w" for="ch" forName="parSh" refType="w" refFor="ch" refForName="parTx"/>
+              <dgm:constr type="t" for="ch" forName="parSh"/>
+              <dgm:constr type="l" for="ch" forName="desTx" refType="w" fact="0.17"/>
+              <dgm:constr type="w" for="ch" forName="desTx" refType="w" refFor="ch" refForName="parTx"/>
+              <dgm:constr type="t" for="ch" forName="desTx" refType="h" refFor="ch" refForName="parTx"/>
+            </dgm:constrLst>
+          </dgm:if>
+          <dgm:else name="Name6">
+            <dgm:constrLst>
+              <dgm:constr type="h" refType="w" fact="1000"/>
+              <dgm:constr type="l" for="ch" forName="parTx" refType="w" fact="0.17"/>
+              <dgm:constr type="w" for="ch" forName="parTx" refType="w" fact="0.83"/>
+              <dgm:constr type="t" for="ch" forName="parTx"/>
+              <dgm:constr type="l" for="ch" forName="parSh" refType="w" fact="0.15"/>
+              <dgm:constr type="w" for="ch" forName="parSh" refType="w" refFor="ch" refForName="parTx"/>
+              <dgm:constr type="t" for="ch" forName="parSh"/>
+              <dgm:constr type="l" for="ch" forName="desTx"/>
+              <dgm:constr type="w" for="ch" forName="desTx" refType="w" refFor="ch" refForName="parTx"/>
+              <dgm:constr type="t" for="ch" forName="desTx" refType="h" refFor="ch" refForName="parTx"/>
+            </dgm:constrLst>
+          </dgm:else>
+        </dgm:choose>
+        <dgm:ruleLst>
+          <dgm:rule type="h" val="INF" fact="NaN" max="NaN"/>
+        </dgm:ruleLst>
+        <dgm:layoutNode name="parTx">
+          <dgm:varLst>
+            <dgm:chMax val="0"/>
+            <dgm:chPref val="0"/>
+            <dgm:bulletEnabled val="1"/>
+          </dgm:varLst>
+          <dgm:alg type="tx">
+            <dgm:param type="parTxLTRAlign" val="l"/>
+            <dgm:param type="parTxRTLAlign" val="r"/>
+            <dgm:param type="txAnchorVert" val="t"/>
+          </dgm:alg>
+          <dgm:shape xmlns:r="http://schemas.openxmlformats.org/officeDocument/2006/relationships" type="rect" r:blip="" zOrderOff="1" hideGeom="1">
+            <dgm:adjLst>
+              <dgm:adj idx="1" val="0.1"/>
+            </dgm:adjLst>
+          </dgm:shape>
+          <dgm:presOf axis="self" ptType="node"/>
+          <dgm:constrLst>
+            <dgm:constr type="h" refType="w" op="lte" fact="0.4"/>
+            <dgm:constr type="bMarg" refType="primFontSz" fact="0.3"/>
+            <dgm:constr type="h"/>
+          </dgm:constrLst>
+          <dgm:ruleLst>
+            <dgm:rule type="h" val="INF" fact="NaN" max="NaN"/>
+          </dgm:ruleLst>
+        </dgm:layoutNode>
+        <dgm:layoutNode name="parSh">
+          <dgm:alg type="sp"/>
+          <dgm:shape xmlns:r="http://schemas.openxmlformats.org/officeDocument/2006/relationships" type="roundRect" r:blip="">
+            <dgm:adjLst>
+              <dgm:adj idx="1" val="0.1"/>
+            </dgm:adjLst>
+          </dgm:shape>
+          <dgm:presOf axis="self" ptType="node"/>
+          <dgm:constrLst>
+            <dgm:constr type="h"/>
+          </dgm:constrLst>
+          <dgm:ruleLst/>
+        </dgm:layoutNode>
+        <dgm:layoutNode name="desTx" styleLbl="fgAcc1">
+          <dgm:varLst>
+            <dgm:bulletEnabled val="1"/>
+          </dgm:varLst>
+          <dgm:alg type="tx">
+            <dgm:param type="stBulletLvl" val="1"/>
+          </dgm:alg>
+          <dgm:shape xmlns:r="http://schemas.openxmlformats.org/officeDocument/2006/relationships" type="roundRect" r:blip="">
+            <dgm:adjLst>
+              <dgm:adj idx="1" val="0.1"/>
+            </dgm:adjLst>
+          </dgm:shape>
+          <dgm:presOf axis="des" ptType="node"/>
+          <dgm:constrLst>
+            <dgm:constr type="secFontSz" val="65"/>
+            <dgm:constr type="primFontSz" refType="secFontSz"/>
+            <dgm:constr type="h"/>
+          </dgm:constrLst>
+          <dgm:ruleLst>
+            <dgm:rule type="h" val="INF" fact="NaN" max="NaN"/>
+          </dgm:ruleLst>
+        </dgm:layoutNode>
+      </dgm:layoutNode>
+      <dgm:forEach name="sibTransForEach" axis="followSib" ptType="sibTrans" cnt="1">
+        <dgm:layoutNode name="sibTrans">
+          <dgm:alg type="conn">
+            <dgm:param type="begPts" val="auto"/>
+            <dgm:param type="endPts" val="auto"/>
+            <dgm:param type="srcNode" val="parTx"/>
+            <dgm:param type="dstNode" val="parTx"/>
+          </dgm:alg>
+          <dgm:shape xmlns:r="http://schemas.openxmlformats.org/officeDocument/2006/relationships" type="conn" r:blip="">
+            <dgm:adjLst/>
+          </dgm:shape>
+          <dgm:presOf axis="self"/>
+          <dgm:constrLst>
+            <dgm:constr type="h" refType="w" fact="0.62"/>
+            <dgm:constr type="connDist"/>
+            <dgm:constr type="begPad" refType="connDist" fact="0.25"/>
+            <dgm:constr type="endPad" refType="connDist" fact="0.22"/>
+          </dgm:constrLst>
+          <dgm:ruleLst/>
+          <dgm:layoutNode name="connTx">
+            <dgm:alg type="tx">
+              <dgm:param type="autoTxRot" val="grav"/>
+            </dgm:alg>
+            <dgm:shape xmlns:r="http://schemas.openxmlformats.org/officeDocument/2006/relationships" type="conn" r:blip="" hideGeom="1">
+              <dgm:adjLst/>
+            </dgm:shape>
+            <dgm:presOf axis="self"/>
+            <dgm:constrLst>
+              <dgm:constr type="lMarg"/>
+              <dgm:constr type="rMarg"/>
+              <dgm:constr type="tMarg"/>
+              <dgm:constr type="bMarg"/>
+            </dgm:constrLst>
+            <dgm:ruleLst>
+              <dgm:rule type="primFontSz" val="5" fact="NaN" max="NaN"/>
+            </dgm:ruleLst>
+          </dgm:layoutNode>
+        </dgm:layoutNode>
+      </dgm:forEach>
+    </dgm:forEach>
+  </dgm:layoutNode>
+</dgm:layoutDef>
+</file>
+
 <file path=ppt/diagrams/quickStyle1.xml><?xml version="1.0" encoding="utf-8"?>
+<dgm:styleDef xmlns:dgm="http://schemas.openxmlformats.org/drawingml/2006/diagram" xmlns:a="http://schemas.openxmlformats.org/drawingml/2006/main" uniqueId="urn:microsoft.com/office/officeart/2005/8/quickstyle/simple1">
+  <dgm:title val=""/>
+  <dgm:desc val=""/>
+  <dgm:catLst>
+    <dgm:cat type="simple" pri="10100"/>
+  </dgm:catLst>
+  <dgm:scene3d>
+    <a:camera prst="orthographicFront"/>
+    <a:lightRig rig="threePt" dir="t"/>
+  </dgm:scene3d>
+  <dgm:styleLbl name="node0">
+    <dgm:scene3d>
+      <a:camera prst="orthographicFront"/>
+      <a:lightRig rig="threePt" dir="t"/>
+    </dgm:scene3d>
+    <dgm:sp3d/>
+    <dgm:txPr/>
+    <dgm:style>
+      <a:lnRef idx="2">
+        <a:scrgbClr r="0" g="0" b="0"/>
+      </a:lnRef>
+      <a:fillRef idx="1">
+        <a:scrgbClr r="0" g="0" b="0"/>
+      </a:fillRef>
+      <a:effectRef idx="0">
+        <a:scrgbClr r="0" g="0" b="0"/>
+      </a:effectRef>
+      <a:fontRef idx="minor">
+        <a:schemeClr val="lt1"/>
+      </a:fontRef>
+    </dgm:style>
+  </dgm:styleLbl>
+  <dgm:styleLbl name="lnNode1">
+    <dgm:scene3d>
+      <a:camera prst="orthographicFront"/>
+      <a:lightRig rig="threePt" dir="t"/>
+    </dgm:scene3d>
+    <dgm:sp3d/>
+    <dgm:txPr/>
+    <dgm:style>
+      <a:lnRef idx="2">
+        <a:scrgbClr r="0" g="0" b="0"/>
+      </a:lnRef>
+      <a:fillRef idx="1">
+        <a:scrgbClr r="0" g="0" b="0"/>
+      </a:fillRef>
+      <a:effectRef idx="0">
+        <a:scrgbClr r="0" g="0" b="0"/>
+      </a:effectRef>
+      <a:fontRef idx="minor">
+        <a:schemeClr val="lt1"/>
+      </a:fontRef>
+    </dgm:style>
+  </dgm:styleLbl>
+  <dgm:styleLbl name="vennNode1">
+    <dgm:scene3d>
+      <a:camera prst="orthographicFront"/>
+      <a:lightRig rig="threePt" dir="t"/>
+    </dgm:scene3d>
+    <dgm:sp3d/>
+    <dgm:txPr/>
+    <dgm:style>
+      <a:lnRef idx="2">
+        <a:scrgbClr r="0" g="0" b="0"/>
+      </a:lnRef>
+      <a:fillRef idx="1">
+        <a:scrgbClr r="0" g="0" b="0"/>
+      </a:fillRef>
+      <a:effectRef idx="0">
+        <a:scrgbClr r="0" g="0" b="0"/>
+      </a:effectRef>
+      <a:fontRef idx="minor">
+        <a:schemeClr val="tx1"/>
+      </a:fontRef>
+    </dgm:style>
+  </dgm:styleLbl>
+  <dgm:styleLbl name="alignNode1">
+    <dgm:scene3d>
+      <a:camera prst="orthographicFront"/>
+      <a:lightRig rig="threePt" dir="t"/>
+    </dgm:scene3d>
+    <dgm:sp3d/>
+    <dgm:txPr/>
+    <dgm:style>
+      <a:lnRef idx="2">
+        <a:scrgbClr r="0" g="0" b="0"/>
+      </a:lnRef>
+      <a:fillRef idx="1">
+        <a:scrgbClr r="0" g="0" b="0"/>
+      </a:fillRef>
+      <a:effectRef idx="0">
+        <a:scrgbClr r="0" g="0" b="0"/>
+      </a:effectRef>
+      <a:fontRef idx="minor">
+        <a:schemeClr val="lt1"/>
+      </a:fontRef>
+    </dgm:style>
+  </dgm:styleLbl>
+  <dgm:styleLbl name="node1">
+    <dgm:scene3d>
+      <a:camera prst="orthographicFront"/>
+      <a:lightRig rig="threePt" dir="t"/>
+    </dgm:scene3d>
+    <dgm:sp3d/>
+    <dgm:txPr/>
+    <dgm:style>
+      <a:lnRef idx="2">
+        <a:scrgbClr r="0" g="0" b="0"/>
+      </a:lnRef>
+      <a:fillRef idx="1">
+        <a:scrgbClr r="0" g="0" b="0"/>
+      </a:fillRef>
+      <a:effectRef idx="0">
+        <a:scrgbClr r="0" g="0" b="0"/>
+      </a:effectRef>
+      <a:fontRef idx="minor">
+        <a:schemeClr val="lt1"/>
+      </a:fontRef>
+    </dgm:style>
+  </dgm:styleLbl>
+  <dgm:styleLbl name="node2">
+    <dgm:scene3d>
+      <a:camera prst="orthographicFront"/>
+      <a:lightRig rig="threePt" dir="t"/>
+    </dgm:scene3d>
+    <dgm:sp3d/>
+    <dgm:txPr/>
+    <dgm:style>
+      <a:lnRef idx="2">
+        <a:scrgbClr r="0" g="0" b="0"/>
+      </a:lnRef>
+      <a:fillRef idx="1">
+        <a:scrgbClr r="0" g="0" b="0"/>
+      </a:fillRef>
+      <a:effectRef idx="0">
+        <a:scrgbClr r="0" g="0" b="0"/>
+      </a:effectRef>
+      <a:fontRef idx="minor">
+        <a:schemeClr val="lt1"/>
+      </a:fontRef>
+    </dgm:style>
+  </dgm:styleLbl>
+  <dgm:styleLbl name="node3">
+    <dgm:scene3d>
+      <a:camera prst="orthographicFront"/>
+      <a:lightRig rig="threePt" dir="t"/>
+    </dgm:scene3d>
+    <dgm:sp3d/>
+    <dgm:txPr/>
+    <dgm:style>
+      <a:lnRef idx="2">
+        <a:scrgbClr r="0" g="0" b="0"/>
+      </a:lnRef>
+      <a:fillRef idx="1">
+        <a:scrgbClr r="0" g="0" b="0"/>
+      </a:fillRef>
+      <a:effectRef idx="0">
+        <a:scrgbClr r="0" g="0" b="0"/>
+      </a:effectRef>
+      <a:fontRef idx="minor">
+        <a:schemeClr val="lt1"/>
+      </a:fontRef>
+    </dgm:style>
+  </dgm:styleLbl>
+  <dgm:styleLbl name="node4">
+    <dgm:scene3d>
+      <a:camera prst="orthographicFront"/>
+      <a:lightRig rig="threePt" dir="t"/>
+    </dgm:scene3d>
+    <dgm:sp3d/>
+    <dgm:txPr/>
+    <dgm:style>
+      <a:lnRef idx="2">
+        <a:scrgbClr r="0" g="0" b="0"/>
+      </a:lnRef>
+      <a:fillRef idx="1">
+        <a:scrgbClr r="0" g="0" b="0"/>
+      </a:fillRef>
+      <a:effectRef idx="0">
+        <a:scrgbClr r="0" g="0" b="0"/>
+      </a:effectRef>
+      <a:fontRef idx="minor">
+        <a:schemeClr val="lt1"/>
+      </a:fontRef>
+    </dgm:style>
+  </dgm:styleLbl>
+  <dgm:styleLbl name="fgImgPlace1">
+    <dgm:scene3d>
+      <a:camera prst="orthographicFront"/>
+      <a:lightRig rig="threePt" dir="t"/>
+    </dgm:scene3d>
+    <dgm:sp3d/>
+    <dgm:txPr/>
+    <dgm:style>
+      <a:lnRef idx="2">
+        <a:scrgbClr r="0" g="0" b="0"/>
+      </a:lnRef>
+      <a:fillRef idx="1">
+        <a:scrgbClr r="0" g="0" b="0"/>
+      </a:fillRef>
+      <a:effectRef idx="0">
+        <a:scrgbClr r="0" g="0" b="0"/>
+      </a:effectRef>
+      <a:fontRef idx="minor"/>
+    </dgm:style>
+  </dgm:styleLbl>
+  <dgm:styleLbl name="alignImgPlace1">
+    <dgm:scene3d>
+      <a:camera prst="orthographicFront"/>
+      <a:lightRig rig="threePt" dir="t"/>
+    </dgm:scene3d>
+    <dgm:sp3d/>
+    <dgm:txPr/>
+    <dgm:style>
+      <a:lnRef idx="2">
+        <a:scrgbClr r="0" g="0" b="0"/>
+      </a:lnRef>
+      <a:fillRef idx="1">
+        <a:scrgbClr r="0" g="0" b="0"/>
+      </a:fillRef>
+      <a:effectRef idx="0">
+        <a:scrgbClr r="0" g="0" b="0"/>
+      </a:effectRef>
+      <a:fontRef idx="minor"/>
+    </dgm:style>
+  </dgm:styleLbl>
+  <dgm:styleLbl name="bgImgPlace1">
+    <dgm:scene3d>
+      <a:camera prst="orthographicFront"/>
+      <a:lightRig rig="threePt" dir="t"/>
+    </dgm:scene3d>
+    <dgm:sp3d/>
+    <dgm:txPr/>
+    <dgm:style>
+      <a:lnRef idx="2">
+        <a:scrgbClr r="0" g="0" b="0"/>
+      </a:lnRef>
+      <a:fillRef idx="1">
+        <a:scrgbClr r="0" g="0" b="0"/>
+      </a:fillRef>
+      <a:effectRef idx="0">
+        <a:scrgbClr r="0" g="0" b="0"/>
+      </a:effectRef>
+      <a:fontRef idx="minor"/>
+    </dgm:style>
+  </dgm:styleLbl>
+  <dgm:styleLbl name="sibTrans2D1">
+    <dgm:scene3d>
+      <a:camera prst="orthographicFront"/>
+      <a:lightRig rig="threePt" dir="t"/>
+    </dgm:scene3d>
+    <dgm:sp3d/>
+    <dgm:txPr/>
+    <dgm:style>
+      <a:lnRef idx="0">
+        <a:scrgbClr r="0" g="0" b="0"/>
+      </a:lnRef>
+      <a:fillRef idx="1">
+        <a:scrgbClr r="0" g="0" b="0"/>
+      </a:fillRef>
+      <a:effectRef idx="0">
+        <a:scrgbClr r="0" g="0" b="0"/>
+      </a:effectRef>
+      <a:fontRef idx="minor">
+        <a:schemeClr val="lt1"/>
+      </a:fontRef>
+    </dgm:style>
+  </dgm:styleLbl>
+  <dgm:styleLbl name="fgSibTrans2D1">
+    <dgm:scene3d>
+      <a:camera prst="orthographicFront"/>
+      <a:lightRig rig="threePt" dir="t"/>
+    </dgm:scene3d>
+    <dgm:sp3d/>
+    <dgm:txPr/>
+    <dgm:style>
+      <a:lnRef idx="0">
+        <a:scrgbClr r="0" g="0" b="0"/>
+      </a:lnRef>
+      <a:fillRef idx="1">
+        <a:scrgbClr r="0" g="0" b="0"/>
+      </a:fillRef>
+      <a:effectRef idx="0">
+        <a:scrgbClr r="0" g="0" b="0"/>
+      </a:effectRef>
+      <a:fontRef idx="minor">
+        <a:schemeClr val="lt1"/>
+      </a:fontRef>
+    </dgm:style>
+  </dgm:styleLbl>
+  <dgm:styleLbl name="bgSibTrans2D1">
+    <dgm:scene3d>
+      <a:camera prst="orthographicFront"/>
+      <a:lightRig rig="threePt" dir="t"/>
+    </dgm:scene3d>
+    <dgm:sp3d/>
+    <dgm:txPr/>
+    <dgm:style>
+      <a:lnRef idx="0">
+        <a:scrgbClr r="0" g="0" b="0"/>
+      </a:lnRef>
+      <a:fillRef idx="1">
+        <a:scrgbClr r="0" g="0" b="0"/>
+      </a:fillRef>
+      <a:effectRef idx="0">
+        <a:scrgbClr r="0" g="0" b="0"/>
+      </a:effectRef>
+      <a:fontRef idx="minor">
+        <a:schemeClr val="lt1"/>
+      </a:fontRef>
+    </dgm:style>
+  </dgm:styleLbl>
+  <dgm:styleLbl name="sibTrans1D1">
+    <dgm:scene3d>
+      <a:camera prst="orthographicFront"/>
+      <a:lightRig rig="threePt" dir="t"/>
+    </dgm:scene3d>
+    <dgm:sp3d/>
+    <dgm:txPr/>
+    <dgm:style>
+      <a:lnRef idx="1">
+        <a:scrgbClr r="0" g="0" b="0"/>
+      </a:lnRef>
+      <a:fillRef idx="0">
+        <a:scrgbClr r="0" g="0" b="0"/>
+      </a:fillRef>
+      <a:effectRef idx="0">
+        <a:scrgbClr r="0" g="0" b="0"/>
+      </a:effectRef>
+      <a:fontRef idx="minor"/>
+    </dgm:style>
+  </dgm:styleLbl>
+  <dgm:styleLbl name="callout">
+    <dgm:scene3d>
+      <a:camera prst="orthographicFront"/>
+      <a:lightRig rig="threePt" dir="t"/>
+    </dgm:scene3d>
+    <dgm:sp3d/>
+    <dgm:txPr/>
+    <dgm:style>
+      <a:lnRef idx="2">
+        <a:scrgbClr r="0" g="0" b="0"/>
+      </a:lnRef>
+      <a:fillRef idx="1">
+        <a:scrgbClr r="0" g="0" b="0"/>
+      </a:fillRef>
+      <a:effectRef idx="0">
+        <a:scrgbClr r="0" g="0" b="0"/>
+      </a:effectRef>
+      <a:fontRef idx="minor"/>
+    </dgm:style>
+  </dgm:styleLbl>
+  <dgm:styleLbl name="asst0">
+    <dgm:scene3d>
+      <a:camera prst="orthographicFront"/>
+      <a:lightRig rig="threePt" dir="t"/>
+    </dgm:scene3d>
+    <dgm:sp3d/>
+    <dgm:txPr/>
+    <dgm:style>
+      <a:lnRef idx="2">
+        <a:scrgbClr r="0" g="0" b="0"/>
+      </a:lnRef>
+      <a:fillRef idx="1">
+        <a:scrgbClr r="0" g="0" b="0"/>
+      </a:fillRef>
+      <a:effectRef idx="0">
+        <a:scrgbClr r="0" g="0" b="0"/>
+      </a:effectRef>
+      <a:fontRef idx="minor">
+        <a:schemeClr val="lt1"/>
+      </a:fontRef>
+    </dgm:style>
+  </dgm:styleLbl>
+  <dgm:styleLbl name="asst1">
+    <dgm:scene3d>
+      <a:camera prst="orthographicFront"/>
+      <a:lightRig rig="threePt" dir="t"/>
+    </dgm:scene3d>
+    <dgm:sp3d/>
+    <dgm:txPr/>
+    <dgm:style>
+      <a:lnRef idx="2">
+        <a:scrgbClr r="0" g="0" b="0"/>
+      </a:lnRef>
+      <a:fillRef idx="1">
+        <a:scrgbClr r="0" g="0" b="0"/>
+      </a:fillRef>
+      <a:effectRef idx="0">
+        <a:scrgbClr r="0" g="0" b="0"/>
+      </a:effectRef>
+      <a:fontRef idx="minor">
+        <a:schemeClr val="lt1"/>
+      </a:fontRef>
+    </dgm:style>
+  </dgm:styleLbl>
+  <dgm:styleLbl name="asst2">
+    <dgm:scene3d>
+      <a:camera prst="orthographicFront"/>
+      <a:lightRig rig="threePt" dir="t"/>
+    </dgm:scene3d>
+    <dgm:sp3d/>
+    <dgm:txPr/>
+    <dgm:style>
+      <a:lnRef idx="2">
+        <a:scrgbClr r="0" g="0" b="0"/>
+      </a:lnRef>
+      <a:fillRef idx="1">
+        <a:scrgbClr r="0" g="0" b="0"/>
+      </a:fillRef>
+      <a:effectRef idx="0">
+        <a:scrgbClr r="0" g="0" b="0"/>
+      </a:effectRef>
+      <a:fontRef idx="minor">
+        <a:schemeClr val="lt1"/>
+      </a:fontRef>
+    </dgm:style>
+  </dgm:styleLbl>
+  <dgm:styleLbl name="asst3">
+    <dgm:scene3d>
+      <a:camera prst="orthographicFront"/>
+      <a:lightRig rig="threePt" dir="t"/>
+    </dgm:scene3d>
+    <dgm:sp3d/>
+    <dgm:txPr/>
+    <dgm:style>
+      <a:lnRef idx="2">
+        <a:scrgbClr r="0" g="0" b="0"/>
+      </a:lnRef>
+      <a:fillRef idx="1">
+        <a:scrgbClr r="0" g="0" b="0"/>
+      </a:fillRef>
+      <a:effectRef idx="0">
+        <a:scrgbClr r="0" g="0" b="0"/>
+      </a:effectRef>
+      <a:fontRef idx="minor">
+        <a:schemeClr val="lt1"/>
+      </a:fontRef>
+    </dgm:style>
+  </dgm:styleLbl>
+  <dgm:styleLbl name="asst4">
+    <dgm:scene3d>
+      <a:camera prst="orthographicFront"/>
+      <a:lightRig rig="threePt" dir="t"/>
+    </dgm:scene3d>
+    <dgm:sp3d/>
+    <dgm:txPr/>
+    <dgm:style>
+      <a:lnRef idx="2">
+        <a:scrgbClr r="0" g="0" b="0"/>
+      </a:lnRef>
+      <a:fillRef idx="1">
+        <a:scrgbClr r="0" g="0" b="0"/>
+      </a:fillRef>
+      <a:effectRef idx="0">
+        <a:scrgbClr r="0" g="0" b="0"/>
+      </a:effectRef>
+      <a:fontRef idx="minor">
+        <a:schemeClr val="lt1"/>
+      </a:fontRef>
+    </dgm:style>
+  </dgm:styleLbl>
+  <dgm:styleLbl name="parChTrans2D1">
+    <dgm:scene3d>
+      <a:camera prst="orthographicFront"/>
+      <a:lightRig rig="threePt" dir="t"/>
+    </dgm:scene3d>
+    <dgm:sp3d/>
+    <dgm:txPr/>
+    <dgm:style>
+      <a:lnRef idx="2">
+        <a:scrgbClr r="0" g="0" b="0"/>
+      </a:lnRef>
+      <a:fillRef idx="1">
+        <a:scrgbClr r="0" g="0" b="0"/>
+      </a:fillRef>
+      <a:effectRef idx="0">
+        <a:scrgbClr r="0" g="0" b="0"/>
+      </a:effectRef>
+      <a:fontRef idx="minor">
+        <a:schemeClr val="lt1"/>
+      </a:fontRef>
+    </dgm:style>
+  </dgm:styleLbl>
+  <dgm:styleLbl name="parChTrans2D2">
+    <dgm:scene3d>
+      <a:camera prst="orthographicFront"/>
+      <a:lightRig rig="threePt" dir="t"/>
+    </dgm:scene3d>
+    <dgm:sp3d/>
+    <dgm:txPr/>
+    <dgm:style>
+      <a:lnRef idx="2">
+        <a:scrgbClr r="0" g="0" b="0"/>
+      </a:lnRef>
+      <a:fillRef idx="1">
+        <a:scrgbClr r="0" g="0" b="0"/>
+      </a:fillRef>
+      <a:effectRef idx="0">
+        <a:scrgbClr r="0" g="0" b="0"/>
+      </a:effectRef>
+      <a:fontRef idx="minor">
+        <a:schemeClr val="lt1"/>
+      </a:fontRef>
+    </dgm:style>
+  </dgm:styleLbl>
+  <dgm:styleLbl name="parChTrans2D3">
+    <dgm:scene3d>
+      <a:camera prst="orthographicFront"/>
+      <a:lightRig rig="threePt" dir="t"/>
+    </dgm:scene3d>
+    <dgm:sp3d/>
+    <dgm:txPr/>
+    <dgm:style>
+      <a:lnRef idx="2">
+        <a:scrgbClr r="0" g="0" b="0"/>
+      </a:lnRef>
+      <a:fillRef idx="1">
+        <a:scrgbClr r="0" g="0" b="0"/>
+      </a:fillRef>
+      <a:effectRef idx="0">
+        <a:scrgbClr r="0" g="0" b="0"/>
+      </a:effectRef>
+      <a:fontRef idx="minor">
+        <a:schemeClr val="lt1"/>
+      </a:fontRef>
+    </dgm:style>
+  </dgm:styleLbl>
+  <dgm:styleLbl name="parChTrans2D4">
+    <dgm:scene3d>
+      <a:camera prst="orthographicFront"/>
+      <a:lightRig rig="threePt" dir="t"/>
+    </dgm:scene3d>
+    <dgm:sp3d/>
+    <dgm:txPr/>
+    <dgm:style>
+      <a:lnRef idx="2">
+        <a:scrgbClr r="0" g="0" b="0"/>
+      </a:lnRef>
+      <a:fillRef idx="1">
+        <a:scrgbClr r="0" g="0" b="0"/>
+      </a:fillRef>
+      <a:effectRef idx="0">
+        <a:scrgbClr r="0" g="0" b="0"/>
+      </a:effectRef>
+      <a:fontRef idx="minor">
+        <a:schemeClr val="lt1"/>
+      </a:fontRef>
+    </dgm:style>
+  </dgm:styleLbl>
+  <dgm:styleLbl name="parChTrans1D1">
+    <dgm:scene3d>
+      <a:camera prst="orthographicFront"/>
+      <a:lightRig rig="threePt" dir="t"/>
+    </dgm:scene3d>
+    <dgm:sp3d/>
+    <dgm:txPr/>
+    <dgm:style>
+      <a:lnRef idx="2">
+        <a:scrgbClr r="0" g="0" b="0"/>
+      </a:lnRef>
+      <a:fillRef idx="0">
+        <a:scrgbClr r="0" g="0" b="0"/>
+      </a:fillRef>
+      <a:effectRef idx="0">
+        <a:scrgbClr r="0" g="0" b="0"/>
+      </a:effectRef>
+      <a:fontRef idx="minor"/>
+    </dgm:style>
+  </dgm:styleLbl>
+  <dgm:styleLbl name="parChTrans1D2">
+    <dgm:scene3d>
+      <a:camera prst="orthographicFront"/>
+      <a:lightRig rig="threePt" dir="t"/>
+    </dgm:scene3d>
+    <dgm:sp3d/>
+    <dgm:txPr/>
+    <dgm:style>
+      <a:lnRef idx="2">
+        <a:scrgbClr r="0" g="0" b="0"/>
+      </a:lnRef>
+      <a:fillRef idx="0">
+        <a:scrgbClr r="0" g="0" b="0"/>
+      </a:fillRef>
+      <a:effectRef idx="0">
+        <a:scrgbClr r="0" g="0" b="0"/>
+      </a:effectRef>
+      <a:fontRef idx="minor"/>
+    </dgm:style>
+  </dgm:styleLbl>
+  <dgm:styleLbl name="parChTrans1D3">
+    <dgm:scene3d>
+      <a:camera prst="orthographicFront"/>
+      <a:lightRig rig="threePt" dir="t"/>
+    </dgm:scene3d>
+    <dgm:sp3d/>
+    <dgm:txPr/>
+    <dgm:style>
+      <a:lnRef idx="2">
+        <a:scrgbClr r="0" g="0" b="0"/>
+      </a:lnRef>
+      <a:fillRef idx="0">
+        <a:scrgbClr r="0" g="0" b="0"/>
+      </a:fillRef>
+      <a:effectRef idx="0">
+        <a:scrgbClr r="0" g="0" b="0"/>
+      </a:effectRef>
+      <a:fontRef idx="minor"/>
+    </dgm:style>
+  </dgm:styleLbl>
+  <dgm:styleLbl name="parChTrans1D4">
+    <dgm:scene3d>
+      <a:camera prst="orthographicFront"/>
+      <a:lightRig rig="threePt" dir="t"/>
+    </dgm:scene3d>
+    <dgm:sp3d/>
+    <dgm:txPr/>
+    <dgm:style>
+      <a:lnRef idx="2">
+        <a:scrgbClr r="0" g="0" b="0"/>
+      </a:lnRef>
+      <a:fillRef idx="0">
+        <a:scrgbClr r="0" g="0" b="0"/>
+      </a:fillRef>
+      <a:effectRef idx="0">
+        <a:scrgbClr r="0" g="0" b="0"/>
+      </a:effectRef>
+      <a:fontRef idx="minor"/>
+    </dgm:style>
+  </dgm:styleLbl>
+  <dgm:styleLbl name="fgAcc1">
+    <dgm:scene3d>
+      <a:camera prst="orthographicFront"/>
+      <a:lightRig rig="threePt" dir="t"/>
+    </dgm:scene3d>
+    <dgm:sp3d/>
+    <dgm:txPr/>
+    <dgm:style>
+      <a:lnRef idx="2">
+        <a:scrgbClr r="0" g="0" b="0"/>
+      </a:lnRef>
+      <a:fillRef idx="1">
+        <a:scrgbClr r="0" g="0" b="0"/>
+      </a:fillRef>
+      <a:effectRef idx="0">
+        <a:scrgbClr r="0" g="0" b="0"/>
+      </a:effectRef>
+      <a:fontRef idx="minor"/>
+    </dgm:style>
+  </dgm:styleLbl>
+  <dgm:styleLbl name="conFgAcc1">
+    <dgm:scene3d>
+      <a:camera prst="orthographicFront"/>
+      <a:lightRig rig="threePt" dir="t"/>
+    </dgm:scene3d>
+    <dgm:sp3d/>
+    <dgm:txPr/>
+    <dgm:style>
+      <a:lnRef idx="2">
+        <a:scrgbClr r="0" g="0" b="0"/>
+      </a:lnRef>
+      <a:fillRef idx="1">
+        <a:scrgbClr r="0" g="0" b="0"/>
+      </a:fillRef>
+      <a:effectRef idx="0">
+        <a:scrgbClr r="0" g="0" b="0"/>
+      </a:effectRef>
+      <a:fontRef idx="minor"/>
+    </dgm:style>
+  </dgm:styleLbl>
+  <dgm:styleLbl name="alignAcc1">
+    <dgm:scene3d>
+      <a:camera prst="orthographicFront"/>
+      <a:lightRig rig="threePt" dir="t"/>
+    </dgm:scene3d>
+    <dgm:sp3d/>
+    <dgm:txPr/>
+    <dgm:style>
+      <a:lnRef idx="2">
+        <a:scrgbClr r="0" g="0" b="0"/>
+      </a:lnRef>
+      <a:fillRef idx="1">
+        <a:scrgbClr r="0" g="0" b="0"/>
+      </a:fillRef>
+      <a:effectRef idx="0">
+        <a:scrgbClr r="0" g="0" b="0"/>
+      </a:effectRef>
+      <a:fontRef idx="minor"/>
+    </dgm:style>
+  </dgm:styleLbl>
+  <dgm:styleLbl name="trAlignAcc1">
+    <dgm:scene3d>
+      <a:camera prst="orthographicFront"/>
+      <a:lightRig rig="threePt" dir="t"/>
+    </dgm:scene3d>
+    <dgm:sp3d/>
+    <dgm:txPr/>
+    <dgm:style>
+      <a:lnRef idx="1">
+        <a:scrgbClr r="0" g="0" b="0"/>
+      </a:lnRef>
+      <a:fillRef idx="1">
+        <a:scrgbClr r="0" g="0" b="0"/>
+      </a:fillRef>
+      <a:effectRef idx="0">
+        <a:scrgbClr r="0" g="0" b="0"/>
+      </a:effectRef>
+      <a:fontRef idx="minor"/>
+    </dgm:style>
+  </dgm:styleLbl>
+  <dgm:styleLbl name="bgAcc1">
+    <dgm:scene3d>
+      <a:camera prst="orthographicFront"/>
+      <a:lightRig rig="threePt" dir="t"/>
+    </dgm:scene3d>
+    <dgm:sp3d/>
+    <dgm:txPr/>
+    <dgm:style>
+      <a:lnRef idx="2">
+        <a:scrgbClr r="0" g="0" b="0"/>
+      </a:lnRef>
+      <a:fillRef idx="1">
+        <a:scrgbClr r="0" g="0" b="0"/>
+      </a:fillRef>
+      <a:effectRef idx="0">
+        <a:scrgbClr r="0" g="0" b="0"/>
+      </a:effectRef>
+      <a:fontRef idx="minor"/>
+    </dgm:style>
+  </dgm:styleLbl>
+  <dgm:styleLbl name="solidFgAcc1">
+    <dgm:scene3d>
+      <a:camera prst="orthographicFront"/>
+      <a:lightRig rig="threePt" dir="t"/>
+    </dgm:scene3d>
+    <dgm:sp3d/>
+    <dgm:txPr/>
+    <dgm:style>
+      <a:lnRef idx="2">
+        <a:scrgbClr r="0" g="0" b="0"/>
+      </a:lnRef>
+      <a:fillRef idx="1">
+        <a:scrgbClr r="0" g="0" b="0"/>
+      </a:fillRef>
+      <a:effectRef idx="0">
+        <a:scrgbClr r="0" g="0" b="0"/>
+      </a:effectRef>
+      <a:fontRef idx="minor"/>
+    </dgm:style>
+  </dgm:styleLbl>
+  <dgm:styleLbl name="solidAlignAcc1">
+    <dgm:scene3d>
+      <a:camera prst="orthographicFront"/>
+      <a:lightRig rig="threePt" dir="t"/>
+    </dgm:scene3d>
+    <dgm:sp3d/>
+    <dgm:txPr/>
+    <dgm:style>
+      <a:lnRef idx="2">
+        <a:scrgbClr r="0" g="0" b="0"/>
+      </a:lnRef>
+      <a:fillRef idx="1">
+        <a:scrgbClr r="0" g="0" b="0"/>
+      </a:fillRef>
+      <a:effectRef idx="0">
+        <a:scrgbClr r="0" g="0" b="0"/>
+      </a:effectRef>
+      <a:fontRef idx="minor"/>
+    </dgm:style>
+  </dgm:styleLbl>
+  <dgm:styleLbl name="solidBgAcc1">
+    <dgm:scene3d>
+      <a:camera prst="orthographicFront"/>
+      <a:lightRig rig="threePt" dir="t"/>
+    </dgm:scene3d>
+    <dgm:sp3d/>
+    <dgm:txPr/>
+    <dgm:style>
+      <a:lnRef idx="2">
+        <a:scrgbClr r="0" g="0" b="0"/>
+      </a:lnRef>
+      <a:fillRef idx="1">
+        <a:scrgbClr r="0" g="0" b="0"/>
+      </a:fillRef>
+      <a:effectRef idx="0">
+        <a:scrgbClr r="0" g="0" b="0"/>
+      </a:effectRef>
+      <a:fontRef idx="minor"/>
+    </dgm:style>
+  </dgm:styleLbl>
+  <dgm:styleLbl name="fgAccFollowNode1">
+    <dgm:scene3d>
+      <a:camera prst="orthographicFront"/>
+      <a:lightRig rig="threePt" dir="t"/>
+    </dgm:scene3d>
+    <dgm:sp3d/>
+    <dgm:txPr/>
+    <dgm:style>
+      <a:lnRef idx="2">
+        <a:scrgbClr r="0" g="0" b="0"/>
+      </a:lnRef>
+      <a:fillRef idx="1">
+        <a:scrgbClr r="0" g="0" b="0"/>
+      </a:fillRef>
+      <a:effectRef idx="0">
+        <a:scrgbClr r="0" g="0" b="0"/>
+      </a:effectRef>
+      <a:fontRef idx="minor"/>
+    </dgm:style>
+  </dgm:styleLbl>
+  <dgm:styleLbl name="alignAccFollowNode1">
+    <dgm:scene3d>
+      <a:camera prst="orthographicFront"/>
+      <a:lightRig rig="threePt" dir="t"/>
+    </dgm:scene3d>
+    <dgm:sp3d/>
+    <dgm:txPr/>
+    <dgm:style>
+      <a:lnRef idx="2">
+        <a:scrgbClr r="0" g="0" b="0"/>
+      </a:lnRef>
+      <a:fillRef idx="1">
+        <a:scrgbClr r="0" g="0" b="0"/>
+      </a:fillRef>
+      <a:effectRef idx="0">
+        <a:scrgbClr r="0" g="0" b="0"/>
+      </a:effectRef>
+      <a:fontRef idx="minor"/>
+    </dgm:style>
+  </dgm:styleLbl>
+  <dgm:styleLbl name="bgAccFollowNode1">
+    <dgm:scene3d>
+      <a:camera prst="orthographicFront"/>
+      <a:lightRig rig="threePt" dir="t"/>
+    </dgm:scene3d>
+    <dgm:sp3d/>
+    <dgm:txPr/>
+    <dgm:style>
+      <a:lnRef idx="2">
+        <a:scrgbClr r="0" g="0" b="0"/>
+      </a:lnRef>
+      <a:fillRef idx="1">
+        <a:scrgbClr r="0" g="0" b="0"/>
+      </a:fillRef>
+      <a:effectRef idx="0">
+        <a:scrgbClr r="0" g="0" b="0"/>
+      </a:effectRef>
+      <a:fontRef idx="minor"/>
+    </dgm:style>
+  </dgm:styleLbl>
+  <dgm:styleLbl name="fgAcc0">
+    <dgm:scene3d>
+      <a:camera prst="orthographicFront"/>
+      <a:lightRig rig="threePt" dir="t"/>
+    </dgm:scene3d>
+    <dgm:sp3d/>
+    <dgm:txPr/>
+    <dgm:style>
+      <a:lnRef idx="2">
+        <a:scrgbClr r="0" g="0" b="0"/>
+      </a:lnRef>
+      <a:fillRef idx="1">
+        <a:scrgbClr r="0" g="0" b="0"/>
+      </a:fillRef>
+      <a:effectRef idx="0">
+        <a:scrgbClr r="0" g="0" b="0"/>
+      </a:effectRef>
+      <a:fontRef idx="minor"/>
+    </dgm:style>
+  </dgm:styleLbl>
+  <dgm:styleLbl name="fgAcc2">
+    <dgm:scene3d>
+      <a:camera prst="orthographicFront"/>
+      <a:lightRig rig="threePt" dir="t"/>
+    </dgm:scene3d>
+    <dgm:sp3d/>
+    <dgm:txPr/>
+    <dgm:style>
+      <a:lnRef idx="2">
+        <a:scrgbClr r="0" g="0" b="0"/>
+      </a:lnRef>
+      <a:fillRef idx="1">
+        <a:scrgbClr r="0" g="0" b="0"/>
+      </a:fillRef>
+      <a:effectRef idx="0">
+        <a:scrgbClr r="0" g="0" b="0"/>
+      </a:effectRef>
+      <a:fontRef idx="minor"/>
+    </dgm:style>
+  </dgm:styleLbl>
+  <dgm:styleLbl name="fgAcc3">
+    <dgm:scene3d>
+      <a:camera prst="orthographicFront"/>
+      <a:lightRig rig="threePt" dir="t"/>
+    </dgm:scene3d>
+    <dgm:sp3d/>
+    <dgm:txPr/>
+    <dgm:style>
+      <a:lnRef idx="2">
+        <a:scrgbClr r="0" g="0" b="0"/>
+      </a:lnRef>
+      <a:fillRef idx="1">
+        <a:scrgbClr r="0" g="0" b="0"/>
+      </a:fillRef>
+      <a:effectRef idx="0">
+        <a:scrgbClr r="0" g="0" b="0"/>
+      </a:effectRef>
+      <a:fontRef idx="minor"/>
+    </dgm:style>
+  </dgm:styleLbl>
+  <dgm:styleLbl name="fgAcc4">
+    <dgm:scene3d>
+      <a:camera prst="orthographicFront"/>
+      <a:lightRig rig="threePt" dir="t"/>
+    </dgm:scene3d>
+    <dgm:sp3d/>
+    <dgm:txPr/>
+    <dgm:style>
+      <a:lnRef idx="2">
+        <a:scrgbClr r="0" g="0" b="0"/>
+      </a:lnRef>
+      <a:fillRef idx="1">
+        <a:scrgbClr r="0" g="0" b="0"/>
+      </a:fillRef>
+      <a:effectRef idx="0">
+        <a:scrgbClr r="0" g="0" b="0"/>
+      </a:effectRef>
+      <a:fontRef idx="minor"/>
+    </dgm:style>
+  </dgm:styleLbl>
+  <dgm:styleLbl name="bgShp">
+    <dgm:scene3d>
+      <a:camera prst="orthographicFront"/>
+      <a:lightRig rig="threePt" dir="t"/>
+    </dgm:scene3d>
+    <dgm:sp3d/>
+    <dgm:txPr/>
+    <dgm:style>
+      <a:lnRef idx="0">
+        <a:scrgbClr r="0" g="0" b="0"/>
+      </a:lnRef>
+      <a:fillRef idx="1">
+        <a:scrgbClr r="0" g="0" b="0"/>
+      </a:fillRef>
+      <a:effectRef idx="0">
+        <a:scrgbClr r="0" g="0" b="0"/>
+      </a:effectRef>
+      <a:fontRef idx="minor"/>
+    </dgm:style>
+  </dgm:styleLbl>
+  <dgm:styleLbl name="dkBgShp">
+    <dgm:scene3d>
+      <a:camera prst="orthographicFront"/>
+      <a:lightRig rig="threePt" dir="t"/>
+    </dgm:scene3d>
+    <dgm:sp3d/>
+    <dgm:txPr/>
+    <dgm:style>
+      <a:lnRef idx="0">
+        <a:scrgbClr r="0" g="0" b="0"/>
+      </a:lnRef>
+      <a:fillRef idx="1">
+        <a:scrgbClr r="0" g="0" b="0"/>
+      </a:fillRef>
+      <a:effectRef idx="0">
+        <a:scrgbClr r="0" g="0" b="0"/>
+      </a:effectRef>
+      <a:fontRef idx="minor"/>
+    </dgm:style>
+  </dgm:styleLbl>
+  <dgm:styleLbl name="trBgShp">
+    <dgm:scene3d>
+      <a:camera prst="orthographicFront"/>
+      <a:lightRig rig="threePt" dir="t"/>
+    </dgm:scene3d>
+    <dgm:sp3d/>
+    <dgm:txPr/>
+    <dgm:style>
+      <a:lnRef idx="0">
+        <a:scrgbClr r="0" g="0" b="0"/>
+      </a:lnRef>
+      <a:fillRef idx="1">
+        <a:scrgbClr r="0" g="0" b="0"/>
+      </a:fillRef>
+      <a:effectRef idx="0">
+        <a:scrgbClr r="0" g="0" b="0"/>
+      </a:effectRef>
+      <a:fontRef idx="minor"/>
+    </dgm:style>
+  </dgm:styleLbl>
+  <dgm:styleLbl name="fgShp">
+    <dgm:scene3d>
+      <a:camera prst="orthographicFront"/>
+      <a:lightRig rig="threePt" dir="t"/>
+    </dgm:scene3d>
+    <dgm:sp3d/>
+    <dgm:txPr/>
+    <dgm:style>
+      <a:lnRef idx="2">
+        <a:scrgbClr r="0" g="0" b="0"/>
+      </a:lnRef>
+      <a:fillRef idx="1">
+        <a:scrgbClr r="0" g="0" b="0"/>
+      </a:fillRef>
+      <a:effectRef idx="0">
+        <a:scrgbClr r="0" g="0" b="0"/>
+      </a:effectRef>
+      <a:fontRef idx="minor"/>
+    </dgm:style>
+  </dgm:styleLbl>
+  <dgm:styleLbl name="revTx">
+    <dgm:scene3d>
+      <a:camera prst="orthographicFront"/>
+      <a:lightRig rig="threePt" dir="t"/>
+    </dgm:scene3d>
+    <dgm:sp3d/>
+    <dgm:txPr/>
+    <dgm:style>
+      <a:lnRef idx="0">
+        <a:scrgbClr r="0" g="0" b="0"/>
+      </a:lnRef>
+      <a:fillRef idx="0">
+        <a:scrgbClr r="0" g="0" b="0"/>
+      </a:fillRef>
+      <a:effectRef idx="0">
+        <a:scrgbClr r="0" g="0" b="0"/>
+      </a:effectRef>
+      <a:fontRef idx="minor"/>
+    </dgm:style>
+  </dgm:styleLbl>
+</dgm:styleDef>
+</file>
+
+<file path=ppt/diagrams/quickStyle2.xml><?xml version="1.0" encoding="utf-8"?>
 <dgm:styleDef xmlns:dgm="http://schemas.openxmlformats.org/drawingml/2006/diagram" xmlns:a="http://schemas.openxmlformats.org/drawingml/2006/main" uniqueId="urn:microsoft.com/office/officeart/2005/8/quickstyle/simple1">
   <dgm:title val=""/>
   <dgm:desc val=""/>
@@ -3677,7 +7054,7 @@
           <a:p>
             <a:fld id="{BE60E42C-8E5E-4869-8354-1F45639B2E4E}" type="datetimeFigureOut">
               <a:rPr lang="en-US" smtClean="0"/>
-              <a:t>1/10/2022</a:t>
+              <a:t>1/11/2022</a:t>
             </a:fld>
             <a:endParaRPr lang="en-US"/>
           </a:p>
@@ -3867,7 +7244,7 @@
           <a:p>
             <a:fld id="{BE60E42C-8E5E-4869-8354-1F45639B2E4E}" type="datetimeFigureOut">
               <a:rPr lang="en-US" smtClean="0"/>
-              <a:t>1/10/2022</a:t>
+              <a:t>1/11/2022</a:t>
             </a:fld>
             <a:endParaRPr lang="en-US"/>
           </a:p>
@@ -4047,7 +7424,7 @@
           <a:p>
             <a:fld id="{BE60E42C-8E5E-4869-8354-1F45639B2E4E}" type="datetimeFigureOut">
               <a:rPr lang="en-US" smtClean="0"/>
-              <a:t>1/10/2022</a:t>
+              <a:t>1/11/2022</a:t>
             </a:fld>
             <a:endParaRPr lang="en-US"/>
           </a:p>
@@ -4217,7 +7594,7 @@
           <a:p>
             <a:fld id="{BE60E42C-8E5E-4869-8354-1F45639B2E4E}" type="datetimeFigureOut">
               <a:rPr lang="en-US" smtClean="0"/>
-              <a:t>1/10/2022</a:t>
+              <a:t>1/11/2022</a:t>
             </a:fld>
             <a:endParaRPr lang="en-US"/>
           </a:p>
@@ -4473,7 +7850,7 @@
           <a:p>
             <a:fld id="{BE60E42C-8E5E-4869-8354-1F45639B2E4E}" type="datetimeFigureOut">
               <a:rPr lang="en-US" smtClean="0"/>
-              <a:t>1/10/2022</a:t>
+              <a:t>1/11/2022</a:t>
             </a:fld>
             <a:endParaRPr lang="en-US"/>
           </a:p>
@@ -4761,7 +8138,7 @@
           <a:p>
             <a:fld id="{BE60E42C-8E5E-4869-8354-1F45639B2E4E}" type="datetimeFigureOut">
               <a:rPr lang="en-US" smtClean="0"/>
-              <a:t>1/10/2022</a:t>
+              <a:t>1/11/2022</a:t>
             </a:fld>
             <a:endParaRPr lang="en-US"/>
           </a:p>
@@ -5199,7 +8576,7 @@
           <a:p>
             <a:fld id="{BE60E42C-8E5E-4869-8354-1F45639B2E4E}" type="datetimeFigureOut">
               <a:rPr lang="en-US" smtClean="0"/>
-              <a:t>1/10/2022</a:t>
+              <a:t>1/11/2022</a:t>
             </a:fld>
             <a:endParaRPr lang="en-US"/>
           </a:p>
@@ -5317,7 +8694,7 @@
           <a:p>
             <a:fld id="{BE60E42C-8E5E-4869-8354-1F45639B2E4E}" type="datetimeFigureOut">
               <a:rPr lang="en-US" smtClean="0"/>
-              <a:t>1/10/2022</a:t>
+              <a:t>1/11/2022</a:t>
             </a:fld>
             <a:endParaRPr lang="en-US"/>
           </a:p>
@@ -5412,7 +8789,7 @@
           <a:p>
             <a:fld id="{BE60E42C-8E5E-4869-8354-1F45639B2E4E}" type="datetimeFigureOut">
               <a:rPr lang="en-US" smtClean="0"/>
-              <a:t>1/10/2022</a:t>
+              <a:t>1/11/2022</a:t>
             </a:fld>
             <a:endParaRPr lang="en-US"/>
           </a:p>
@@ -5768,7 +9145,7 @@
           <a:p>
             <a:fld id="{BE60E42C-8E5E-4869-8354-1F45639B2E4E}" type="datetimeFigureOut">
               <a:rPr lang="en-US" smtClean="0"/>
-              <a:t>1/10/2022</a:t>
+              <a:t>1/11/2022</a:t>
             </a:fld>
             <a:endParaRPr lang="en-US"/>
           </a:p>
@@ -6084,7 +9461,7 @@
           <a:p>
             <a:fld id="{BE60E42C-8E5E-4869-8354-1F45639B2E4E}" type="datetimeFigureOut">
               <a:rPr lang="en-US" smtClean="0"/>
-              <a:t>1/10/2022</a:t>
+              <a:t>1/11/2022</a:t>
             </a:fld>
             <a:endParaRPr lang="en-US"/>
           </a:p>
@@ -6317,7 +9694,7 @@
           <a:p>
             <a:fld id="{BE60E42C-8E5E-4869-8354-1F45639B2E4E}" type="datetimeFigureOut">
               <a:rPr lang="en-US" smtClean="0"/>
-              <a:t>1/10/2022</a:t>
+              <a:t>1/11/2022</a:t>
             </a:fld>
             <a:endParaRPr lang="en-US"/>
           </a:p>
@@ -7034,7 +10411,19 @@
               <a:rPr lang="en-US" dirty="0">
                 <a:latin typeface="Consolas" panose="020B0609020204030204" pitchFamily="49" charset="0"/>
               </a:rPr>
-              <a:t> Discrete: dt, dv. </a:t>
+              <a:t> Di</a:t>
+            </a:r>
+            <a:r>
+              <a:rPr lang="tr-TR" dirty="0">
+                <a:latin typeface="Consolas" panose="020B0609020204030204" pitchFamily="49" charset="0"/>
+              </a:rPr>
+              <a:t>gital</a:t>
+            </a:r>
+            <a:r>
+              <a:rPr lang="en-US" dirty="0">
+                <a:latin typeface="Consolas" panose="020B0609020204030204" pitchFamily="49" charset="0"/>
+              </a:rPr>
+              <a:t>: dt, dv. </a:t>
             </a:r>
           </a:p>
           <a:p>
@@ -7146,7 +10535,10 @@
           <a:bodyPr/>
           <a:lstStyle/>
           <a:p>
-            <a:endParaRPr lang="en-US" dirty="0"/>
+            <a:r>
+              <a:rPr lang="en-US" dirty="0"/>
+              <a:t>Frequency in Discrete Time</a:t>
+            </a:r>
           </a:p>
         </p:txBody>
       </p:sp>
@@ -7166,19 +10558,797 @@
             <p:ph idx="1"/>
           </p:nvPr>
         </p:nvSpPr>
+        <p:spPr>
+          <a:xfrm>
+            <a:off x="676657" y="2011680"/>
+            <a:ext cx="7257976" cy="3766185"/>
+          </a:xfrm>
+        </p:spPr>
+        <p:txBody>
+          <a:bodyPr/>
+          <a:lstStyle/>
+          <a:p>
+            <a:pPr>
+              <a:buFont typeface="Arial" panose="020B0604020202020204" pitchFamily="34" charset="0"/>
+              <a:buChar char="•"/>
+            </a:pPr>
+            <a:r>
+              <a:rPr lang="en-US" dirty="0">
+                <a:latin typeface="Consolas" panose="020B0609020204030204" pitchFamily="49" charset="0"/>
+              </a:rPr>
+              <a:t> Continuous time sinusoidal vs DT sinusoidal</a:t>
+            </a:r>
+            <a:endParaRPr lang="en-US" dirty="0">
+              <a:solidFill>
+                <a:schemeClr val="tx1"/>
+              </a:solidFill>
+              <a:latin typeface="Consolas" panose="020B0609020204030204" pitchFamily="49" charset="0"/>
+            </a:endParaRPr>
+          </a:p>
+          <a:p>
+            <a:pPr>
+              <a:buFont typeface="Arial" panose="020B0604020202020204" pitchFamily="34" charset="0"/>
+              <a:buChar char="•"/>
+            </a:pPr>
+            <a:r>
+              <a:rPr lang="en-US" dirty="0">
+                <a:solidFill>
+                  <a:schemeClr val="tx1"/>
+                </a:solidFill>
+                <a:latin typeface="Consolas" panose="020B0609020204030204" pitchFamily="49" charset="0"/>
+              </a:rPr>
+              <a:t> x[n] = x[</a:t>
+            </a:r>
+            <a:r>
+              <a:rPr lang="en-US" dirty="0" err="1">
+                <a:solidFill>
+                  <a:schemeClr val="tx1"/>
+                </a:solidFill>
+                <a:latin typeface="Consolas" panose="020B0609020204030204" pitchFamily="49" charset="0"/>
+              </a:rPr>
+              <a:t>n+N</a:t>
+            </a:r>
+            <a:r>
+              <a:rPr lang="en-US" dirty="0">
+                <a:solidFill>
+                  <a:schemeClr val="tx1"/>
+                </a:solidFill>
+                <a:latin typeface="Consolas" panose="020B0609020204030204" pitchFamily="49" charset="0"/>
+              </a:rPr>
+              <a:t>], N: Fundamental Period. What is 1/N?</a:t>
+            </a:r>
+            <a:endParaRPr lang="en-US" dirty="0">
+              <a:latin typeface="Consolas" panose="020B0609020204030204" pitchFamily="49" charset="0"/>
+            </a:endParaRPr>
+          </a:p>
+          <a:p>
+            <a:pPr>
+              <a:buFont typeface="Arial" panose="020B0604020202020204" pitchFamily="34" charset="0"/>
+              <a:buChar char="•"/>
+            </a:pPr>
+            <a:r>
+              <a:rPr lang="en-US" dirty="0">
+                <a:latin typeface="Consolas" panose="020B0609020204030204" pitchFamily="49" charset="0"/>
+              </a:rPr>
+              <a:t> Is a sinusoidal sin(2</a:t>
+            </a:r>
+            <a:r>
+              <a:rPr lang="el-GR" dirty="0">
+                <a:latin typeface="Consolas" panose="020B0609020204030204" pitchFamily="49" charset="0"/>
+              </a:rPr>
+              <a:t>π</a:t>
+            </a:r>
+            <a:r>
+              <a:rPr lang="en-US" dirty="0" err="1">
+                <a:latin typeface="Consolas" panose="020B0609020204030204" pitchFamily="49" charset="0"/>
+              </a:rPr>
+              <a:t>fn</a:t>
+            </a:r>
+            <a:r>
+              <a:rPr lang="en-US" dirty="0">
+                <a:latin typeface="Consolas" panose="020B0609020204030204" pitchFamily="49" charset="0"/>
+              </a:rPr>
+              <a:t>) periodic in DT? </a:t>
+            </a:r>
+            <a:r>
+              <a:rPr lang="en-US" b="1" dirty="0">
+                <a:solidFill>
+                  <a:schemeClr val="accent2"/>
+                </a:solidFill>
+                <a:latin typeface="Consolas" panose="020B0609020204030204" pitchFamily="49" charset="0"/>
+              </a:rPr>
+              <a:t>Quiz time! </a:t>
+            </a:r>
+          </a:p>
+        </p:txBody>
+      </p:sp>
+      <p:pic>
+        <p:nvPicPr>
+          <p:cNvPr id="5" name="Picture 4" descr="Chart, line chart&#10;&#10;Description automatically generated">
+            <a:extLst>
+              <a:ext uri="{FF2B5EF4-FFF2-40B4-BE49-F238E27FC236}">
+                <a16:creationId xmlns:a16="http://schemas.microsoft.com/office/drawing/2014/main" id="{46E9E819-0544-4DE6-8DD3-2DC60E6A1B1F}"/>
+              </a:ext>
+            </a:extLst>
+          </p:cNvPr>
+          <p:cNvPicPr>
+            <a:picLocks noChangeAspect="1"/>
+          </p:cNvPicPr>
+          <p:nvPr/>
+        </p:nvPicPr>
+        <p:blipFill>
+          <a:blip r:embed="rId2">
+            <a:extLst>
+              <a:ext uri="{28A0092B-C50C-407E-A947-70E740481C1C}">
+                <a14:useLocalDpi xmlns:a14="http://schemas.microsoft.com/office/drawing/2010/main" val="0"/>
+              </a:ext>
+            </a:extLst>
+          </a:blip>
+          <a:stretch>
+            <a:fillRect/>
+          </a:stretch>
+        </p:blipFill>
+        <p:spPr>
+          <a:xfrm>
+            <a:off x="7990036" y="1239912"/>
+            <a:ext cx="3283631" cy="2189088"/>
+          </a:xfrm>
+          <a:prstGeom prst="rect">
+            <a:avLst/>
+          </a:prstGeom>
+        </p:spPr>
+      </p:pic>
+      <p:pic>
+        <p:nvPicPr>
+          <p:cNvPr id="7" name="Picture 6" descr="Chart, scatter chart&#10;&#10;Description automatically generated">
+            <a:extLst>
+              <a:ext uri="{FF2B5EF4-FFF2-40B4-BE49-F238E27FC236}">
+                <a16:creationId xmlns:a16="http://schemas.microsoft.com/office/drawing/2014/main" id="{697266A9-AD9B-430D-A56B-374C3D253CF2}"/>
+              </a:ext>
+            </a:extLst>
+          </p:cNvPr>
+          <p:cNvPicPr>
+            <a:picLocks noChangeAspect="1"/>
+          </p:cNvPicPr>
+          <p:nvPr/>
+        </p:nvPicPr>
+        <p:blipFill>
+          <a:blip r:embed="rId3">
+            <a:extLst>
+              <a:ext uri="{28A0092B-C50C-407E-A947-70E740481C1C}">
+                <a14:useLocalDpi xmlns:a14="http://schemas.microsoft.com/office/drawing/2010/main" val="0"/>
+              </a:ext>
+            </a:extLst>
+          </a:blip>
+          <a:stretch>
+            <a:fillRect/>
+          </a:stretch>
+        </p:blipFill>
+        <p:spPr>
+          <a:xfrm>
+            <a:off x="7990036" y="3598607"/>
+            <a:ext cx="3283631" cy="2290674"/>
+          </a:xfrm>
+          <a:prstGeom prst="rect">
+            <a:avLst/>
+          </a:prstGeom>
+        </p:spPr>
+      </p:pic>
+    </p:spTree>
+    <p:extLst>
+      <p:ext uri="{BB962C8B-B14F-4D97-AF65-F5344CB8AC3E}">
+        <p14:creationId xmlns:p14="http://schemas.microsoft.com/office/powerpoint/2010/main" val="3380140328"/>
+      </p:ext>
+    </p:extLst>
+  </p:cSld>
+  <p:clrMapOvr>
+    <a:masterClrMapping/>
+  </p:clrMapOvr>
+</p:sld>
+</file>
+
+<file path=ppt/slides/slide12.xml><?xml version="1.0" encoding="utf-8"?>
+<p:sld xmlns:a="http://schemas.openxmlformats.org/drawingml/2006/main" xmlns:r="http://schemas.openxmlformats.org/officeDocument/2006/relationships" xmlns:p="http://schemas.openxmlformats.org/presentationml/2006/main">
+  <p:cSld>
+    <p:spTree>
+      <p:nvGrpSpPr>
+        <p:cNvPr id="1" name=""/>
+        <p:cNvGrpSpPr/>
+        <p:nvPr/>
+      </p:nvGrpSpPr>
+      <p:grpSpPr>
+        <a:xfrm>
+          <a:off x="0" y="0"/>
+          <a:ext cx="0" cy="0"/>
+          <a:chOff x="0" y="0"/>
+          <a:chExt cx="0" cy="0"/>
+        </a:xfrm>
+      </p:grpSpPr>
+      <p:sp>
+        <p:nvSpPr>
+          <p:cNvPr id="2" name="Title 1">
+            <a:extLst>
+              <a:ext uri="{FF2B5EF4-FFF2-40B4-BE49-F238E27FC236}">
+                <a16:creationId xmlns:a16="http://schemas.microsoft.com/office/drawing/2014/main" id="{AD494CB3-ACFE-4D23-B328-7950B6387213}"/>
+              </a:ext>
+            </a:extLst>
+          </p:cNvPr>
+          <p:cNvSpPr>
+            <a:spLocks noGrp="1"/>
+          </p:cNvSpPr>
+          <p:nvPr>
+            <p:ph type="title"/>
+          </p:nvPr>
+        </p:nvSpPr>
         <p:spPr/>
         <p:txBody>
           <a:bodyPr/>
           <a:lstStyle/>
           <a:p>
-            <a:endParaRPr lang="en-US"/>
+            <a:r>
+              <a:rPr lang="en-US" dirty="0"/>
+              <a:t>Discrete Time Signal</a:t>
+            </a:r>
           </a:p>
         </p:txBody>
       </p:sp>
+      <p:sp>
+        <p:nvSpPr>
+          <p:cNvPr id="3" name="Content Placeholder 2">
+            <a:extLst>
+              <a:ext uri="{FF2B5EF4-FFF2-40B4-BE49-F238E27FC236}">
+                <a16:creationId xmlns:a16="http://schemas.microsoft.com/office/drawing/2014/main" id="{CF0DDA8E-0613-4F33-8516-CA1515F18FDA}"/>
+              </a:ext>
+            </a:extLst>
+          </p:cNvPr>
+          <p:cNvSpPr>
+            <a:spLocks noGrp="1"/>
+          </p:cNvSpPr>
+          <p:nvPr>
+            <p:ph idx="1"/>
+          </p:nvPr>
+        </p:nvSpPr>
+        <p:spPr>
+          <a:xfrm>
+            <a:off x="676656" y="2011680"/>
+            <a:ext cx="7399561" cy="4346787"/>
+          </a:xfrm>
+        </p:spPr>
+        <p:txBody>
+          <a:bodyPr>
+            <a:normAutofit fontScale="92500" lnSpcReduction="10000"/>
+          </a:bodyPr>
+          <a:lstStyle/>
+          <a:p>
+            <a:pPr>
+              <a:buFont typeface="Arial" panose="020B0604020202020204" pitchFamily="34" charset="0"/>
+              <a:buChar char="•"/>
+            </a:pPr>
+            <a:r>
+              <a:rPr lang="en-US" dirty="0">
+                <a:latin typeface="Consolas" panose="020B0609020204030204" pitchFamily="49" charset="0"/>
+              </a:rPr>
+              <a:t> x[n] = </a:t>
+            </a:r>
+            <a:r>
+              <a:rPr lang="en-US" dirty="0" err="1">
+                <a:latin typeface="Consolas" panose="020B0609020204030204" pitchFamily="49" charset="0"/>
+              </a:rPr>
+              <a:t>x</a:t>
+            </a:r>
+            <a:r>
+              <a:rPr lang="en-US" baseline="-25000" dirty="0" err="1">
+                <a:latin typeface="Consolas" panose="020B0609020204030204" pitchFamily="49" charset="0"/>
+              </a:rPr>
+              <a:t>a</a:t>
+            </a:r>
+            <a:r>
+              <a:rPr lang="en-US" dirty="0">
+                <a:latin typeface="Consolas" panose="020B0609020204030204" pitchFamily="49" charset="0"/>
+              </a:rPr>
+              <a:t>(</a:t>
+            </a:r>
+            <a:r>
+              <a:rPr lang="en-US" dirty="0" err="1">
+                <a:latin typeface="Consolas" panose="020B0609020204030204" pitchFamily="49" charset="0"/>
+              </a:rPr>
+              <a:t>nT</a:t>
+            </a:r>
+            <a:r>
+              <a:rPr lang="en-US" dirty="0">
+                <a:latin typeface="Consolas" panose="020B0609020204030204" pitchFamily="49" charset="0"/>
+              </a:rPr>
+              <a:t>), T: sampling period. Fs = 1/T.</a:t>
+            </a:r>
+          </a:p>
+          <a:p>
+            <a:pPr>
+              <a:buFont typeface="Arial" panose="020B0604020202020204" pitchFamily="34" charset="0"/>
+              <a:buChar char="•"/>
+            </a:pPr>
+            <a:r>
+              <a:rPr lang="en-US" dirty="0">
+                <a:latin typeface="Consolas" panose="020B0609020204030204" pitchFamily="49" charset="0"/>
+              </a:rPr>
+              <a:t> Frequencies of </a:t>
+            </a:r>
+            <a:r>
+              <a:rPr lang="en-US" dirty="0" err="1">
+                <a:latin typeface="Consolas" panose="020B0609020204030204" pitchFamily="49" charset="0"/>
+              </a:rPr>
+              <a:t>x</a:t>
+            </a:r>
+            <a:r>
+              <a:rPr lang="en-US" baseline="-25000" dirty="0" err="1">
+                <a:latin typeface="Consolas" panose="020B0609020204030204" pitchFamily="49" charset="0"/>
+              </a:rPr>
+              <a:t>a</a:t>
+            </a:r>
+            <a:r>
+              <a:rPr lang="en-US" dirty="0">
+                <a:latin typeface="Consolas" panose="020B0609020204030204" pitchFamily="49" charset="0"/>
+              </a:rPr>
+              <a:t>(t) and x[n]: F, f</a:t>
+            </a:r>
+          </a:p>
+          <a:p>
+            <a:pPr lvl="2">
+              <a:buFont typeface="Arial" panose="020B0604020202020204" pitchFamily="34" charset="0"/>
+              <a:buChar char="•"/>
+            </a:pPr>
+            <a:r>
+              <a:rPr lang="en-US" dirty="0" err="1">
+                <a:latin typeface="Consolas" panose="020B0609020204030204" pitchFamily="49" charset="0"/>
+              </a:rPr>
+              <a:t>X</a:t>
+            </a:r>
+            <a:r>
+              <a:rPr lang="en-US" baseline="-25000" dirty="0" err="1">
+                <a:latin typeface="Consolas" panose="020B0609020204030204" pitchFamily="49" charset="0"/>
+              </a:rPr>
+              <a:t>a</a:t>
+            </a:r>
+            <a:r>
+              <a:rPr lang="en-US" dirty="0">
+                <a:latin typeface="Consolas" panose="020B0609020204030204" pitchFamily="49" charset="0"/>
+              </a:rPr>
+              <a:t>(t)=cos(2</a:t>
+            </a:r>
+            <a:r>
+              <a:rPr lang="el-GR" dirty="0">
+                <a:latin typeface="Consolas" panose="020B0609020204030204" pitchFamily="49" charset="0"/>
+              </a:rPr>
+              <a:t>π</a:t>
+            </a:r>
+            <a:r>
+              <a:rPr lang="en-US" dirty="0">
+                <a:latin typeface="Consolas" panose="020B0609020204030204" pitchFamily="49" charset="0"/>
+              </a:rPr>
+              <a:t>Ft) -&gt; </a:t>
+            </a:r>
+            <a:r>
+              <a:rPr lang="en-US" dirty="0" err="1">
+                <a:latin typeface="Consolas" panose="020B0609020204030204" pitchFamily="49" charset="0"/>
+              </a:rPr>
+              <a:t>x</a:t>
+            </a:r>
+            <a:r>
+              <a:rPr lang="en-US" baseline="-25000" dirty="0" err="1">
+                <a:latin typeface="Consolas" panose="020B0609020204030204" pitchFamily="49" charset="0"/>
+              </a:rPr>
+              <a:t>a</a:t>
+            </a:r>
+            <a:r>
+              <a:rPr lang="en-US" dirty="0">
+                <a:latin typeface="Consolas" panose="020B0609020204030204" pitchFamily="49" charset="0"/>
+              </a:rPr>
+              <a:t>(</a:t>
+            </a:r>
+            <a:r>
+              <a:rPr lang="en-US" dirty="0" err="1">
+                <a:latin typeface="Consolas" panose="020B0609020204030204" pitchFamily="49" charset="0"/>
+              </a:rPr>
+              <a:t>nT</a:t>
+            </a:r>
+            <a:r>
+              <a:rPr lang="en-US" dirty="0">
+                <a:latin typeface="Consolas" panose="020B0609020204030204" pitchFamily="49" charset="0"/>
+              </a:rPr>
+              <a:t>) = cos(2</a:t>
+            </a:r>
+            <a:r>
+              <a:rPr lang="el-GR" dirty="0">
+                <a:latin typeface="Consolas" panose="020B0609020204030204" pitchFamily="49" charset="0"/>
+              </a:rPr>
+              <a:t>π</a:t>
+            </a:r>
+            <a:r>
+              <a:rPr lang="en-US" dirty="0" err="1">
+                <a:latin typeface="Consolas" panose="020B0609020204030204" pitchFamily="49" charset="0"/>
+              </a:rPr>
+              <a:t>FTn</a:t>
+            </a:r>
+            <a:r>
+              <a:rPr lang="en-US" dirty="0">
+                <a:latin typeface="Consolas" panose="020B0609020204030204" pitchFamily="49" charset="0"/>
+              </a:rPr>
+              <a:t>) = x[n] </a:t>
+            </a:r>
+          </a:p>
+          <a:p>
+            <a:pPr>
+              <a:buFont typeface="Arial" panose="020B0604020202020204" pitchFamily="34" charset="0"/>
+              <a:buChar char="•"/>
+            </a:pPr>
+            <a:r>
+              <a:rPr lang="en-US" dirty="0">
+                <a:latin typeface="Consolas" panose="020B0609020204030204" pitchFamily="49" charset="0"/>
+              </a:rPr>
+              <a:t> f = FT = F/Fs, </a:t>
+            </a:r>
+            <a:r>
+              <a:rPr lang="el-GR" dirty="0">
+                <a:latin typeface="Consolas" panose="020B0609020204030204" pitchFamily="49" charset="0"/>
+              </a:rPr>
+              <a:t>ω</a:t>
+            </a:r>
+            <a:r>
+              <a:rPr lang="en-US" dirty="0">
+                <a:latin typeface="Consolas" panose="020B0609020204030204" pitchFamily="49" charset="0"/>
+              </a:rPr>
+              <a:t> = </a:t>
+            </a:r>
+            <a:r>
+              <a:rPr lang="el-GR" dirty="0">
+                <a:latin typeface="Consolas" panose="020B0609020204030204" pitchFamily="49" charset="0"/>
+              </a:rPr>
+              <a:t>Ω</a:t>
+            </a:r>
+            <a:r>
+              <a:rPr lang="en-US" dirty="0">
+                <a:latin typeface="Consolas" panose="020B0609020204030204" pitchFamily="49" charset="0"/>
+              </a:rPr>
+              <a:t>T.</a:t>
+            </a:r>
+          </a:p>
+          <a:p>
+            <a:pPr>
+              <a:buFont typeface="Arial" panose="020B0604020202020204" pitchFamily="34" charset="0"/>
+              <a:buChar char="•"/>
+            </a:pPr>
+            <a:r>
+              <a:rPr lang="en-US" dirty="0">
+                <a:latin typeface="Consolas" panose="020B0609020204030204" pitchFamily="49" charset="0"/>
+              </a:rPr>
+              <a:t> If Fs is Nyquist, what is the range of f? </a:t>
+            </a:r>
+            <a:r>
+              <a:rPr lang="en-US" b="1" dirty="0">
+                <a:solidFill>
+                  <a:schemeClr val="accent2"/>
+                </a:solidFill>
+                <a:latin typeface="Consolas" panose="020B0609020204030204" pitchFamily="49" charset="0"/>
+              </a:rPr>
+              <a:t>Quiz Time!</a:t>
+            </a:r>
+          </a:p>
+          <a:p>
+            <a:pPr>
+              <a:buFont typeface="Arial" panose="020B0604020202020204" pitchFamily="34" charset="0"/>
+              <a:buChar char="•"/>
+            </a:pPr>
+            <a:r>
+              <a:rPr lang="en-US" dirty="0">
+                <a:latin typeface="Consolas" panose="020B0609020204030204" pitchFamily="49" charset="0"/>
+              </a:rPr>
+              <a:t> Higher multiplicities fold. </a:t>
+            </a:r>
+          </a:p>
+          <a:p>
+            <a:pPr>
+              <a:buFont typeface="Arial" panose="020B0604020202020204" pitchFamily="34" charset="0"/>
+              <a:buChar char="•"/>
+            </a:pPr>
+            <a:r>
+              <a:rPr lang="en-US" dirty="0">
+                <a:latin typeface="Consolas" panose="020B0609020204030204" pitchFamily="49" charset="0"/>
+              </a:rPr>
+              <a:t> f = 1 -&gt; x[n] = cos(2</a:t>
+            </a:r>
+            <a:r>
+              <a:rPr lang="el-GR" dirty="0">
+                <a:latin typeface="Consolas" panose="020B0609020204030204" pitchFamily="49" charset="0"/>
+              </a:rPr>
+              <a:t>π</a:t>
+            </a:r>
+            <a:r>
+              <a:rPr lang="en-US" dirty="0">
+                <a:latin typeface="Consolas" panose="020B0609020204030204" pitchFamily="49" charset="0"/>
+              </a:rPr>
+              <a:t>n) = 1 -&gt; f=0</a:t>
+            </a:r>
+          </a:p>
+          <a:p>
+            <a:pPr>
+              <a:buFont typeface="Arial" panose="020B0604020202020204" pitchFamily="34" charset="0"/>
+              <a:buChar char="•"/>
+            </a:pPr>
+            <a:r>
+              <a:rPr lang="en-US" dirty="0">
+                <a:latin typeface="Consolas" panose="020B0609020204030204" pitchFamily="49" charset="0"/>
+              </a:rPr>
+              <a:t> f = 3/4 -&gt; x[n] = cos(3</a:t>
+            </a:r>
+            <a:r>
+              <a:rPr lang="el-GR" dirty="0">
+                <a:latin typeface="Consolas" panose="020B0609020204030204" pitchFamily="49" charset="0"/>
+              </a:rPr>
+              <a:t>π</a:t>
+            </a:r>
+            <a:r>
+              <a:rPr lang="en-US" dirty="0">
+                <a:latin typeface="Consolas" panose="020B0609020204030204" pitchFamily="49" charset="0"/>
+              </a:rPr>
+              <a:t>/2n) = cos((</a:t>
+            </a:r>
+            <a:r>
+              <a:rPr lang="tr-TR" dirty="0">
+                <a:latin typeface="Consolas" panose="020B0609020204030204" pitchFamily="49" charset="0"/>
+              </a:rPr>
+              <a:t>2</a:t>
+            </a:r>
+            <a:r>
+              <a:rPr lang="el-GR" dirty="0">
+                <a:latin typeface="Consolas" panose="020B0609020204030204" pitchFamily="49" charset="0"/>
+              </a:rPr>
+              <a:t>π</a:t>
+            </a:r>
+            <a:r>
+              <a:rPr lang="en-US" dirty="0">
+                <a:latin typeface="Consolas" panose="020B0609020204030204" pitchFamily="49" charset="0"/>
+              </a:rPr>
+              <a:t>-</a:t>
+            </a:r>
+            <a:r>
+              <a:rPr lang="el-GR" dirty="0">
+                <a:latin typeface="Consolas" panose="020B0609020204030204" pitchFamily="49" charset="0"/>
+              </a:rPr>
+              <a:t>π</a:t>
+            </a:r>
+            <a:r>
+              <a:rPr lang="en-US" dirty="0">
+                <a:latin typeface="Consolas" panose="020B0609020204030204" pitchFamily="49" charset="0"/>
+              </a:rPr>
+              <a:t>/2)n) -&gt; f = -1/4</a:t>
+            </a:r>
+          </a:p>
+          <a:p>
+            <a:pPr>
+              <a:buFont typeface="Arial" panose="020B0604020202020204" pitchFamily="34" charset="0"/>
+              <a:buChar char="•"/>
+            </a:pPr>
+            <a:r>
+              <a:rPr lang="en-US" dirty="0">
+                <a:latin typeface="Consolas" panose="020B0609020204030204" pitchFamily="49" charset="0"/>
+              </a:rPr>
+              <a:t> cos(k(2</a:t>
+            </a:r>
+            <a:r>
+              <a:rPr lang="el-GR" dirty="0">
+                <a:latin typeface="Consolas" panose="020B0609020204030204" pitchFamily="49" charset="0"/>
+              </a:rPr>
+              <a:t>π</a:t>
+            </a:r>
+            <a:r>
+              <a:rPr lang="en-US" dirty="0">
+                <a:latin typeface="Consolas" panose="020B0609020204030204" pitchFamily="49" charset="0"/>
+              </a:rPr>
+              <a:t>n)+2</a:t>
+            </a:r>
+            <a:r>
+              <a:rPr lang="el-GR" dirty="0">
+                <a:latin typeface="Consolas" panose="020B0609020204030204" pitchFamily="49" charset="0"/>
+              </a:rPr>
+              <a:t>π</a:t>
+            </a:r>
+            <a:r>
+              <a:rPr lang="en-US" dirty="0" err="1">
+                <a:latin typeface="Consolas" panose="020B0609020204030204" pitchFamily="49" charset="0"/>
+              </a:rPr>
+              <a:t>fn</a:t>
+            </a:r>
+            <a:r>
+              <a:rPr lang="en-US" dirty="0">
+                <a:latin typeface="Consolas" panose="020B0609020204030204" pitchFamily="49" charset="0"/>
+              </a:rPr>
+              <a:t>) = cos(2</a:t>
+            </a:r>
+            <a:r>
+              <a:rPr lang="el-GR" dirty="0">
+                <a:latin typeface="Consolas" panose="020B0609020204030204" pitchFamily="49" charset="0"/>
+              </a:rPr>
+              <a:t>π</a:t>
+            </a:r>
+            <a:r>
+              <a:rPr lang="en-US" dirty="0" err="1">
+                <a:latin typeface="Consolas" panose="020B0609020204030204" pitchFamily="49" charset="0"/>
+              </a:rPr>
+              <a:t>fn</a:t>
+            </a:r>
+            <a:r>
+              <a:rPr lang="en-US" dirty="0">
+                <a:latin typeface="Consolas" panose="020B0609020204030204" pitchFamily="49" charset="0"/>
+              </a:rPr>
+              <a:t>) </a:t>
+            </a:r>
+          </a:p>
+        </p:txBody>
+      </p:sp>
+      <p:pic>
+        <p:nvPicPr>
+          <p:cNvPr id="4" name="Picture 3" descr="Chart, line chart&#10;&#10;Description automatically generated">
+            <a:extLst>
+              <a:ext uri="{FF2B5EF4-FFF2-40B4-BE49-F238E27FC236}">
+                <a16:creationId xmlns:a16="http://schemas.microsoft.com/office/drawing/2014/main" id="{F9302438-20E4-4E54-AE68-BCA070F88C19}"/>
+              </a:ext>
+            </a:extLst>
+          </p:cNvPr>
+          <p:cNvPicPr>
+            <a:picLocks noChangeAspect="1"/>
+          </p:cNvPicPr>
+          <p:nvPr/>
+        </p:nvPicPr>
+        <p:blipFill>
+          <a:blip r:embed="rId2">
+            <a:extLst>
+              <a:ext uri="{28A0092B-C50C-407E-A947-70E740481C1C}">
+                <a14:useLocalDpi xmlns:a14="http://schemas.microsoft.com/office/drawing/2010/main" val="0"/>
+              </a:ext>
+            </a:extLst>
+          </a:blip>
+          <a:stretch>
+            <a:fillRect/>
+          </a:stretch>
+        </p:blipFill>
+        <p:spPr>
+          <a:xfrm>
+            <a:off x="7990036" y="1239912"/>
+            <a:ext cx="3283631" cy="2189088"/>
+          </a:xfrm>
+          <a:prstGeom prst="rect">
+            <a:avLst/>
+          </a:prstGeom>
+        </p:spPr>
+      </p:pic>
+      <p:pic>
+        <p:nvPicPr>
+          <p:cNvPr id="5" name="Picture 4" descr="Chart, scatter chart&#10;&#10;Description automatically generated">
+            <a:extLst>
+              <a:ext uri="{FF2B5EF4-FFF2-40B4-BE49-F238E27FC236}">
+                <a16:creationId xmlns:a16="http://schemas.microsoft.com/office/drawing/2014/main" id="{ED617108-1073-4ADB-8841-CAAB3F8EABE8}"/>
+              </a:ext>
+            </a:extLst>
+          </p:cNvPr>
+          <p:cNvPicPr>
+            <a:picLocks noChangeAspect="1"/>
+          </p:cNvPicPr>
+          <p:nvPr/>
+        </p:nvPicPr>
+        <p:blipFill>
+          <a:blip r:embed="rId3">
+            <a:extLst>
+              <a:ext uri="{28A0092B-C50C-407E-A947-70E740481C1C}">
+                <a14:useLocalDpi xmlns:a14="http://schemas.microsoft.com/office/drawing/2010/main" val="0"/>
+              </a:ext>
+            </a:extLst>
+          </a:blip>
+          <a:stretch>
+            <a:fillRect/>
+          </a:stretch>
+        </p:blipFill>
+        <p:spPr>
+          <a:xfrm>
+            <a:off x="7990036" y="3598607"/>
+            <a:ext cx="3283631" cy="2290674"/>
+          </a:xfrm>
+          <a:prstGeom prst="rect">
+            <a:avLst/>
+          </a:prstGeom>
+        </p:spPr>
+      </p:pic>
     </p:spTree>
     <p:extLst>
       <p:ext uri="{BB962C8B-B14F-4D97-AF65-F5344CB8AC3E}">
-        <p14:creationId xmlns:p14="http://schemas.microsoft.com/office/powerpoint/2010/main" val="3380140328"/>
+        <p14:creationId xmlns:p14="http://schemas.microsoft.com/office/powerpoint/2010/main" val="2269976752"/>
+      </p:ext>
+    </p:extLst>
+  </p:cSld>
+  <p:clrMapOvr>
+    <a:masterClrMapping/>
+  </p:clrMapOvr>
+</p:sld>
+</file>
+
+<file path=ppt/slides/slide13.xml><?xml version="1.0" encoding="utf-8"?>
+<p:sld xmlns:a="http://schemas.openxmlformats.org/drawingml/2006/main" xmlns:r="http://schemas.openxmlformats.org/officeDocument/2006/relationships" xmlns:p="http://schemas.openxmlformats.org/presentationml/2006/main">
+  <p:cSld>
+    <p:spTree>
+      <p:nvGrpSpPr>
+        <p:cNvPr id="1" name=""/>
+        <p:cNvGrpSpPr/>
+        <p:nvPr/>
+      </p:nvGrpSpPr>
+      <p:grpSpPr>
+        <a:xfrm>
+          <a:off x="0" y="0"/>
+          <a:ext cx="0" cy="0"/>
+          <a:chOff x="0" y="0"/>
+          <a:chExt cx="0" cy="0"/>
+        </a:xfrm>
+      </p:grpSpPr>
+      <p:sp>
+        <p:nvSpPr>
+          <p:cNvPr id="2" name="Title 1">
+            <a:extLst>
+              <a:ext uri="{FF2B5EF4-FFF2-40B4-BE49-F238E27FC236}">
+                <a16:creationId xmlns:a16="http://schemas.microsoft.com/office/drawing/2014/main" id="{8841153A-8BA0-40B0-B62A-777AA82A3EE5}"/>
+              </a:ext>
+            </a:extLst>
+          </p:cNvPr>
+          <p:cNvSpPr>
+            <a:spLocks noGrp="1"/>
+          </p:cNvSpPr>
+          <p:nvPr>
+            <p:ph type="title"/>
+          </p:nvPr>
+        </p:nvSpPr>
+        <p:spPr/>
+        <p:txBody>
+          <a:bodyPr/>
+          <a:lstStyle/>
+          <a:p>
+            <a:r>
+              <a:rPr lang="en-US" dirty="0"/>
+              <a:t>Analog to Digital</a:t>
+            </a:r>
+          </a:p>
+        </p:txBody>
+      </p:sp>
+      <p:graphicFrame>
+        <p:nvGraphicFramePr>
+          <p:cNvPr id="7" name="Content Placeholder 3">
+            <a:extLst>
+              <a:ext uri="{FF2B5EF4-FFF2-40B4-BE49-F238E27FC236}">
+                <a16:creationId xmlns:a16="http://schemas.microsoft.com/office/drawing/2014/main" id="{829FB5E3-178F-40E1-B675-0573A846DE69}"/>
+              </a:ext>
+            </a:extLst>
+          </p:cNvPr>
+          <p:cNvGraphicFramePr>
+            <a:graphicFrameLocks noGrp="1"/>
+          </p:cNvGraphicFramePr>
+          <p:nvPr>
+            <p:ph idx="1"/>
+            <p:extLst>
+              <p:ext uri="{D42A27DB-BD31-4B8C-83A1-F6EECF244321}">
+                <p14:modId xmlns:p14="http://schemas.microsoft.com/office/powerpoint/2010/main" val="982710998"/>
+              </p:ext>
+            </p:extLst>
+          </p:nvPr>
+        </p:nvGraphicFramePr>
+        <p:xfrm>
+          <a:off x="676275" y="2011363"/>
+          <a:ext cx="10753725" cy="3767137"/>
+        </p:xfrm>
+        <a:graphic>
+          <a:graphicData uri="http://schemas.openxmlformats.org/drawingml/2006/diagram">
+            <dgm:relIds xmlns:dgm="http://schemas.openxmlformats.org/drawingml/2006/diagram" xmlns:r="http://schemas.openxmlformats.org/officeDocument/2006/relationships" r:dm="rId2" r:lo="rId3" r:qs="rId4" r:cs="rId5"/>
+          </a:graphicData>
+        </a:graphic>
+      </p:graphicFrame>
+    </p:spTree>
+    <p:extLst>
+      <p:ext uri="{BB962C8B-B14F-4D97-AF65-F5344CB8AC3E}">
+        <p14:creationId xmlns:p14="http://schemas.microsoft.com/office/powerpoint/2010/main" val="203836154"/>
       </p:ext>
     </p:extLst>
   </p:cSld>
@@ -7323,9 +11493,8 @@
             </a:r>
           </a:p>
           <a:p>
-            <a:pPr lvl="2">
-              <a:buFont typeface="Arial" panose="020B0604020202020204" pitchFamily="34" charset="0"/>
-              <a:buChar char="•"/>
+            <a:pPr marL="274320" lvl="3" indent="0">
+              <a:buNone/>
             </a:pPr>
             <a:r>
               <a:rPr lang="en-US" b="0" dirty="0">
@@ -7339,9 +11508,8 @@
             </a:r>
           </a:p>
           <a:p>
-            <a:pPr lvl="2">
-              <a:buFont typeface="Arial" panose="020B0604020202020204" pitchFamily="34" charset="0"/>
-              <a:buChar char="•"/>
+            <a:pPr marL="274320" lvl="3" indent="0">
+              <a:buNone/>
             </a:pPr>
             <a:r>
               <a:rPr lang="en-US" b="0" dirty="0">
@@ -7499,7 +11667,7 @@
             <p:ph idx="1"/>
             <p:extLst>
               <p:ext uri="{D42A27DB-BD31-4B8C-83A1-F6EECF244321}">
-                <p14:modId xmlns:p14="http://schemas.microsoft.com/office/powerpoint/2010/main" val="1809435540"/>
+                <p14:modId xmlns:p14="http://schemas.microsoft.com/office/powerpoint/2010/main" val="2788323396"/>
               </p:ext>
             </p:extLst>
           </p:nvPr>
@@ -7633,6 +11801,36 @@
               <a:buFont typeface="Arial" panose="020B0604020202020204" pitchFamily="34" charset="0"/>
               <a:buChar char="•"/>
             </a:pPr>
+            <a:r>
+              <a:rPr lang="en-US" i="1" dirty="0">
+                <a:solidFill>
+                  <a:schemeClr val="accent4"/>
+                </a:solidFill>
+                <a:latin typeface="Consolas" panose="020B0609020204030204" pitchFamily="49" charset="0"/>
+              </a:rPr>
+              <a:t> Let me know you. </a:t>
+            </a:r>
+          </a:p>
+          <a:p>
+            <a:pPr>
+              <a:buFont typeface="Arial" panose="020B0604020202020204" pitchFamily="34" charset="0"/>
+              <a:buChar char="•"/>
+            </a:pPr>
+            <a:r>
+              <a:rPr lang="en-US" i="1" dirty="0">
+                <a:solidFill>
+                  <a:schemeClr val="accent4"/>
+                </a:solidFill>
+                <a:latin typeface="Consolas" panose="020B0609020204030204" pitchFamily="49" charset="0"/>
+              </a:rPr>
+              <a:t> Ask questions. Here to teach, not grade.</a:t>
+            </a:r>
+          </a:p>
+          <a:p>
+            <a:pPr>
+              <a:buFont typeface="Arial" panose="020B0604020202020204" pitchFamily="34" charset="0"/>
+              <a:buChar char="•"/>
+            </a:pPr>
             <a:endParaRPr lang="en-US" dirty="0">
               <a:latin typeface="Consolas" panose="020B0609020204030204" pitchFamily="49" charset="0"/>
             </a:endParaRPr>
@@ -7732,9 +11930,8 @@
             </a:r>
           </a:p>
           <a:p>
-            <a:pPr lvl="2">
-              <a:buFont typeface="Arial" panose="020B0604020202020204" pitchFamily="34" charset="0"/>
-              <a:buChar char="•"/>
+            <a:pPr marL="274320" lvl="3" indent="0">
+              <a:buNone/>
             </a:pPr>
             <a:r>
               <a:rPr lang="en-US" dirty="0">
@@ -7744,9 +11941,8 @@
             </a:r>
           </a:p>
           <a:p>
-            <a:pPr lvl="2">
-              <a:buFont typeface="Arial" panose="020B0604020202020204" pitchFamily="34" charset="0"/>
-              <a:buChar char="•"/>
+            <a:pPr marL="274320" lvl="3" indent="0">
+              <a:buNone/>
             </a:pPr>
             <a:r>
               <a:rPr lang="en-US" dirty="0">
@@ -7768,9 +11964,8 @@
             </a:r>
           </a:p>
           <a:p>
-            <a:pPr lvl="2">
-              <a:buFont typeface="Arial" panose="020B0604020202020204" pitchFamily="34" charset="0"/>
-              <a:buChar char="•"/>
+            <a:pPr marL="274320" lvl="3" indent="0">
+              <a:buNone/>
             </a:pPr>
             <a:r>
               <a:rPr lang="en-US" dirty="0">
@@ -7780,9 +11975,8 @@
             </a:r>
           </a:p>
           <a:p>
-            <a:pPr lvl="2">
-              <a:buFont typeface="Arial" panose="020B0604020202020204" pitchFamily="34" charset="0"/>
-              <a:buChar char="•"/>
+            <a:pPr marL="274320" lvl="3" indent="0">
+              <a:buNone/>
             </a:pPr>
             <a:r>
               <a:rPr lang="en-US" dirty="0">
@@ -7804,9 +11998,8 @@
             </a:r>
           </a:p>
           <a:p>
-            <a:pPr lvl="2">
-              <a:buFont typeface="Arial" panose="020B0604020202020204" pitchFamily="34" charset="0"/>
-              <a:buChar char="•"/>
+            <a:pPr marL="274320" lvl="3" indent="0">
+              <a:buNone/>
             </a:pPr>
             <a:r>
               <a:rPr lang="en-US" dirty="0">
@@ -8603,7 +12796,19 @@
               <a:rPr lang="en-US" dirty="0">
                 <a:latin typeface="Consolas" panose="020B0609020204030204" pitchFamily="49" charset="0"/>
               </a:rPr>
-              <a:t> Everywhere.</a:t>
+              <a:t> Communications.</a:t>
+            </a:r>
+          </a:p>
+          <a:p>
+            <a:pPr>
+              <a:buFont typeface="Arial" panose="020B0604020202020204" pitchFamily="34" charset="0"/>
+              <a:buChar char="•"/>
+            </a:pPr>
+            <a:r>
+              <a:rPr lang="en-US" dirty="0">
+                <a:latin typeface="Consolas" panose="020B0609020204030204" pitchFamily="49" charset="0"/>
+              </a:rPr>
+              <a:t> </a:t>
             </a:r>
           </a:p>
         </p:txBody>
